--- a/PPT/Alpha Review.pptx
+++ b/PPT/Alpha Review.pptx
@@ -9,11 +9,10 @@
     <p:sldId id="256" r:id="rId3"/>
     <p:sldId id="259" r:id="rId4"/>
     <p:sldId id="280" r:id="rId5"/>
-    <p:sldId id="281" r:id="rId6"/>
-    <p:sldId id="282" r:id="rId7"/>
-    <p:sldId id="283" r:id="rId8"/>
-    <p:sldId id="284" r:id="rId9"/>
-    <p:sldId id="285" r:id="rId10"/>
+    <p:sldId id="282" r:id="rId6"/>
+    <p:sldId id="283" r:id="rId7"/>
+    <p:sldId id="284" r:id="rId8"/>
+    <p:sldId id="285" r:id="rId9"/>
   </p:sldIdLst>
   <p:sldSz cx="12192000" cy="6858000"/>
   <p:notesSz cx="6858000" cy="9144000"/>
@@ -6902,7 +6901,7 @@
           <a:p>
             <a:r>
               <a:rPr lang="en-US" dirty="0"/>
-              <a:t>Introduction</a:t>
+              <a:t>Introduction to the study</a:t>
             </a:r>
           </a:p>
         </p:txBody>
@@ -6926,37 +6925,28 @@
         <p:spPr>
           <a:xfrm>
             <a:off x="723900" y="2638696"/>
-            <a:ext cx="10744200" cy="2391105"/>
+            <a:ext cx="10744200" cy="3976113"/>
           </a:xfrm>
         </p:spPr>
         <p:txBody>
           <a:bodyPr/>
           <a:lstStyle/>
           <a:p>
-            <a:pPr marL="0" indent="0">
-              <a:buNone/>
-            </a:pPr>
             <a:r>
               <a:rPr lang="en-US" dirty="0"/>
-              <a:t>Briefly introduce the topic of your research proposal</a:t>
-            </a:r>
-          </a:p>
-          <a:p>
-            <a:pPr marL="0" indent="0">
-              <a:buNone/>
-            </a:pPr>
+              <a:t>In 2020, the FBI's Internet Crime Complaint Center received over 240,000 complaints related to phishing attacks with an estimated 4.2 billion dollars lost to cybercrimes. Phishing and Fraud Report discovered a 220% increase in phising attacks in response to the pandemic increasing cybercriminal opportunities.</a:t>
+            </a:r>
+          </a:p>
+          <a:p>
             <a:r>
               <a:rPr lang="en-US" dirty="0"/>
-              <a:t>Provide some background information on the problem of phishing attacks and their impact on organizations</a:t>
-            </a:r>
-          </a:p>
-          <a:p>
-            <a:pPr marL="0" indent="0">
-              <a:buNone/>
-            </a:pPr>
+              <a:t>There is a need for training programs that are not only effective in preventing phishing attacks but also easy for users to engage with and understand.</a:t>
+            </a:r>
+          </a:p>
+          <a:p>
             <a:r>
               <a:rPr lang="en-US" dirty="0"/>
-              <a:t>Explain the motivation behind your research proposal</a:t>
+              <a:t>Our research proposal aims to investigate the relationship between perceived ease of use and perceived usefulness regarding a phising prevention training programs</a:t>
             </a:r>
           </a:p>
         </p:txBody>
@@ -7014,7 +7004,7 @@
           <a:p>
             <a:r>
               <a:rPr lang="en-US" dirty="0"/>
-              <a:t>Problem Statement</a:t>
+              <a:t>Research Questions and Objectives</a:t>
             </a:r>
           </a:p>
         </p:txBody>
@@ -7037,8 +7027,8 @@
         </p:nvSpPr>
         <p:spPr>
           <a:xfrm>
-            <a:off x="723900" y="2638696"/>
-            <a:ext cx="10744200" cy="2391105"/>
+            <a:off x="723900" y="2417323"/>
+            <a:ext cx="10744200" cy="3657599"/>
           </a:xfrm>
         </p:spPr>
         <p:txBody>
@@ -7050,17 +7040,32 @@
             </a:pPr>
             <a:r>
               <a:rPr lang="en-US" dirty="0"/>
-              <a:t>Clearly state the problem that you aim to address through your research</a:t>
-            </a:r>
-          </a:p>
-          <a:p>
-            <a:pPr marL="0" indent="0">
-              <a:buNone/>
-            </a:pPr>
+              <a:t>Our research aims to:</a:t>
+            </a:r>
+          </a:p>
+          <a:p>
+            <a:pPr lvl="1"/>
             <a:r>
               <a:rPr lang="en-US" dirty="0"/>
-              <a:t>Provide some historical context on the problem of phishing attacks</a:t>
-            </a:r>
+              <a:t>To investigate the role of perceived ease of use and perceived usefulness in cybersecurity training programs</a:t>
+            </a:r>
+          </a:p>
+          <a:p>
+            <a:pPr lvl="1"/>
+            <a:r>
+              <a:rPr lang="en-US" dirty="0"/>
+              <a:t>To identify which aspects of phishing prevention training influence an employees’ attitudes and behaviors</a:t>
+            </a:r>
+          </a:p>
+          <a:p>
+            <a:pPr lvl="1"/>
+            <a:r>
+              <a:rPr lang="en-US" dirty="0"/>
+              <a:t>To provide recommendations for improving the design and delivery of training methods to enhance effectiveness</a:t>
+            </a:r>
+          </a:p>
+          <a:p>
+            <a:endParaRPr lang="en-US" dirty="0"/>
           </a:p>
         </p:txBody>
       </p:sp>
@@ -7117,7 +7122,7 @@
           <a:p>
             <a:r>
               <a:rPr lang="en-US" dirty="0"/>
-              <a:t>Research Questions and Objectives</a:t>
+              <a:t>Literature Review</a:t>
             </a:r>
           </a:p>
         </p:txBody>
@@ -7153,7 +7158,7 @@
             </a:pPr>
             <a:r>
               <a:rPr lang="en-US" dirty="0"/>
-              <a:t>Outline the research questions that you will address in your study</a:t>
+              <a:t>Summarize the key findings from the existing literature on cybersecurity training and its effectiveness in preventing phishing attacks</a:t>
             </a:r>
           </a:p>
           <a:p>
@@ -7162,7 +7167,7 @@
             </a:pPr>
             <a:r>
               <a:rPr lang="en-US" dirty="0"/>
-              <a:t>Explain the objectives of your research proposal</a:t>
+              <a:t>Highlight any gaps in the literature that your research proposal aims to address</a:t>
             </a:r>
           </a:p>
         </p:txBody>
@@ -7170,7 +7175,7 @@
     </p:spTree>
     <p:extLst>
       <p:ext uri="{BB962C8B-B14F-4D97-AF65-F5344CB8AC3E}">
-        <p14:creationId xmlns:p14="http://schemas.microsoft.com/office/powerpoint/2010/main" val="1595132516"/>
+        <p14:creationId xmlns:p14="http://schemas.microsoft.com/office/powerpoint/2010/main" val="2550304761"/>
       </p:ext>
     </p:extLst>
   </p:cSld>
@@ -7220,7 +7225,7 @@
           <a:p>
             <a:r>
               <a:rPr lang="en-US" dirty="0"/>
-              <a:t>Literature Review</a:t>
+              <a:t>Research Methodology</a:t>
             </a:r>
           </a:p>
         </p:txBody>
@@ -7256,7 +7261,7 @@
             </a:pPr>
             <a:r>
               <a:rPr lang="en-US" dirty="0"/>
-              <a:t>Summarize the key findings from the existing literature on cybersecurity training and its effectiveness in preventing phishing attacks</a:t>
+              <a:t>Describe the research design that you will use in your study (e.g., qualitative research with interviews or focus groups)</a:t>
             </a:r>
           </a:p>
           <a:p>
@@ -7265,7 +7270,16 @@
             </a:pPr>
             <a:r>
               <a:rPr lang="en-US" dirty="0"/>
-              <a:t>Highlight any gaps in the literature that your research proposal aims to address</a:t>
+              <a:t>Explain the sampling strategy that you will use to select participants</a:t>
+            </a:r>
+          </a:p>
+          <a:p>
+            <a:pPr marL="0" indent="0">
+              <a:buNone/>
+            </a:pPr>
+            <a:r>
+              <a:rPr lang="en-US" dirty="0"/>
+              <a:t>Outline the data collection and analysis methods that you will use</a:t>
             </a:r>
           </a:p>
         </p:txBody>
@@ -7273,7 +7287,7 @@
     </p:spTree>
     <p:extLst>
       <p:ext uri="{BB962C8B-B14F-4D97-AF65-F5344CB8AC3E}">
-        <p14:creationId xmlns:p14="http://schemas.microsoft.com/office/powerpoint/2010/main" val="2550304761"/>
+        <p14:creationId xmlns:p14="http://schemas.microsoft.com/office/powerpoint/2010/main" val="3137506171"/>
       </p:ext>
     </p:extLst>
   </p:cSld>
@@ -7323,118 +7337,6 @@
           <a:p>
             <a:r>
               <a:rPr lang="en-US" dirty="0"/>
-              <a:t>Research Methodology</a:t>
-            </a:r>
-          </a:p>
-        </p:txBody>
-      </p:sp>
-      <p:sp>
-        <p:nvSpPr>
-          <p:cNvPr id="3" name="Content Placeholder 2">
-            <a:extLst>
-              <a:ext uri="{FF2B5EF4-FFF2-40B4-BE49-F238E27FC236}">
-                <a16:creationId xmlns:a16="http://schemas.microsoft.com/office/drawing/2014/main" id="{6500551A-1F49-694A-AEDC-95D6EA386A3B}"/>
-              </a:ext>
-            </a:extLst>
-          </p:cNvPr>
-          <p:cNvSpPr>
-            <a:spLocks noGrp="1"/>
-          </p:cNvSpPr>
-          <p:nvPr>
-            <p:ph idx="1"/>
-          </p:nvPr>
-        </p:nvSpPr>
-        <p:spPr>
-          <a:xfrm>
-            <a:off x="723900" y="2638696"/>
-            <a:ext cx="10744200" cy="2391105"/>
-          </a:xfrm>
-        </p:spPr>
-        <p:txBody>
-          <a:bodyPr/>
-          <a:lstStyle/>
-          <a:p>
-            <a:pPr marL="0" indent="0">
-              <a:buNone/>
-            </a:pPr>
-            <a:r>
-              <a:rPr lang="en-US" dirty="0"/>
-              <a:t>Describe the research design that you will use in your study (e.g., qualitative research with interviews or focus groups)</a:t>
-            </a:r>
-          </a:p>
-          <a:p>
-            <a:pPr marL="0" indent="0">
-              <a:buNone/>
-            </a:pPr>
-            <a:r>
-              <a:rPr lang="en-US" dirty="0"/>
-              <a:t>Explain the sampling strategy that you will use to select participants</a:t>
-            </a:r>
-          </a:p>
-          <a:p>
-            <a:pPr marL="0" indent="0">
-              <a:buNone/>
-            </a:pPr>
-            <a:r>
-              <a:rPr lang="en-US" dirty="0"/>
-              <a:t>Outline the data collection and analysis methods that you will use</a:t>
-            </a:r>
-          </a:p>
-        </p:txBody>
-      </p:sp>
-    </p:spTree>
-    <p:extLst>
-      <p:ext uri="{BB962C8B-B14F-4D97-AF65-F5344CB8AC3E}">
-        <p14:creationId xmlns:p14="http://schemas.microsoft.com/office/powerpoint/2010/main" val="3137506171"/>
-      </p:ext>
-    </p:extLst>
-  </p:cSld>
-  <p:clrMapOvr>
-    <a:masterClrMapping/>
-  </p:clrMapOvr>
-</p:sld>
-</file>
-
-<file path=ppt/slides/slide7.xml><?xml version="1.0" encoding="utf-8"?>
-<p:sld xmlns:a="http://schemas.openxmlformats.org/drawingml/2006/main" xmlns:r="http://schemas.openxmlformats.org/officeDocument/2006/relationships" xmlns:p="http://schemas.openxmlformats.org/presentationml/2006/main">
-  <p:cSld>
-    <p:spTree>
-      <p:nvGrpSpPr>
-        <p:cNvPr id="1" name=""/>
-        <p:cNvGrpSpPr/>
-        <p:nvPr/>
-      </p:nvGrpSpPr>
-      <p:grpSpPr>
-        <a:xfrm>
-          <a:off x="0" y="0"/>
-          <a:ext cx="0" cy="0"/>
-          <a:chOff x="0" y="0"/>
-          <a:chExt cx="0" cy="0"/>
-        </a:xfrm>
-      </p:grpSpPr>
-      <p:sp>
-        <p:nvSpPr>
-          <p:cNvPr id="2" name="Title 1">
-            <a:extLst>
-              <a:ext uri="{FF2B5EF4-FFF2-40B4-BE49-F238E27FC236}">
-                <a16:creationId xmlns:a16="http://schemas.microsoft.com/office/drawing/2014/main" id="{1BE064B3-3CBE-F640-94A7-65A0B9010AA2}"/>
-              </a:ext>
-            </a:extLst>
-          </p:cNvPr>
-          <p:cNvSpPr>
-            <a:spLocks noGrp="1"/>
-          </p:cNvSpPr>
-          <p:nvPr>
-            <p:ph type="title"/>
-          </p:nvPr>
-        </p:nvSpPr>
-        <p:spPr/>
-        <p:txBody>
-          <a:bodyPr/>
-          <a:lstStyle/>
-          <a:p>
-            <a:r>
-              <a:rPr lang="en-US" dirty="0"/>
               <a:t>Expected Results and Implications</a:t>
             </a:r>
           </a:p>
@@ -7507,7 +7409,7 @@
 </p:sld>
 </file>
 
-<file path=ppt/slides/slide8.xml><?xml version="1.0" encoding="utf-8"?>
+<file path=ppt/slides/slide7.xml><?xml version="1.0" encoding="utf-8"?>
 <p:sld xmlns:a="http://schemas.openxmlformats.org/drawingml/2006/main" xmlns:r="http://schemas.openxmlformats.org/officeDocument/2006/relationships" xmlns:p="http://schemas.openxmlformats.org/presentationml/2006/main">
   <p:cSld>
     <p:spTree>

--- a/PPT/Alpha Review.pptx
+++ b/PPT/Alpha Review.pptx
@@ -6894,9 +6894,16 @@
             <p:ph type="title"/>
           </p:nvPr>
         </p:nvSpPr>
-        <p:spPr/>
+        <p:spPr>
+          <a:xfrm>
+            <a:off x="1104902" y="1124950"/>
+            <a:ext cx="9982199" cy="981801"/>
+          </a:xfrm>
+        </p:spPr>
         <p:txBody>
-          <a:bodyPr/>
+          <a:bodyPr anchor="b">
+            <a:normAutofit/>
+          </a:bodyPr>
           <a:lstStyle/>
           <a:p>
             <a:r>
@@ -6908,7 +6915,7 @@
       </p:sp>
       <p:sp>
         <p:nvSpPr>
-          <p:cNvPr id="3" name="Content Placeholder 2">
+          <p:cNvPr id="7" name="Content Placeholder 2">
             <a:extLst>
               <a:ext uri="{FF2B5EF4-FFF2-40B4-BE49-F238E27FC236}">
                 <a16:creationId xmlns:a16="http://schemas.microsoft.com/office/drawing/2014/main" id="{6500551A-1F49-694A-AEDC-95D6EA386A3B}"/>
@@ -6924,28 +6931,45 @@
         </p:nvSpPr>
         <p:spPr>
           <a:xfrm>
-            <a:off x="723900" y="2638696"/>
-            <a:ext cx="10744200" cy="3976113"/>
+            <a:off x="1104906" y="2538770"/>
+            <a:ext cx="9982193" cy="3214330"/>
           </a:xfrm>
         </p:spPr>
         <p:txBody>
-          <a:bodyPr/>
+          <a:bodyPr anchor="t">
+            <a:normAutofit/>
+          </a:bodyPr>
           <a:lstStyle/>
           <a:p>
-            <a:r>
-              <a:rPr lang="en-US" dirty="0"/>
+            <a:pPr>
+              <a:lnSpc>
+                <a:spcPct val="140000"/>
+              </a:lnSpc>
+            </a:pPr>
+            <a:r>
+              <a:rPr lang="en-US" sz="1700"/>
               <a:t>In 2020, the FBI's Internet Crime Complaint Center received over 240,000 complaints related to phishing attacks with an estimated 4.2 billion dollars lost to cybercrimes. Phishing and Fraud Report discovered a 220% increase in phising attacks in response to the pandemic increasing cybercriminal opportunities.</a:t>
             </a:r>
           </a:p>
           <a:p>
-            <a:r>
-              <a:rPr lang="en-US" dirty="0"/>
+            <a:pPr>
+              <a:lnSpc>
+                <a:spcPct val="140000"/>
+              </a:lnSpc>
+            </a:pPr>
+            <a:r>
+              <a:rPr lang="en-US" sz="1700"/>
               <a:t>There is a need for training programs that are not only effective in preventing phishing attacks but also easy for users to engage with and understand.</a:t>
             </a:r>
           </a:p>
           <a:p>
-            <a:r>
-              <a:rPr lang="en-US" dirty="0"/>
+            <a:pPr>
+              <a:lnSpc>
+                <a:spcPct val="140000"/>
+              </a:lnSpc>
+            </a:pPr>
+            <a:r>
+              <a:rPr lang="en-US" sz="1700"/>
               <a:t>Our research proposal aims to investigate the relationship between perceived ease of use and perceived usefulness regarding a phising prevention training programs</a:t>
             </a:r>
           </a:p>
@@ -6997,9 +7021,16 @@
             <p:ph type="title"/>
           </p:nvPr>
         </p:nvSpPr>
-        <p:spPr/>
+        <p:spPr>
+          <a:xfrm>
+            <a:off x="1104902" y="1124950"/>
+            <a:ext cx="9982199" cy="981801"/>
+          </a:xfrm>
+        </p:spPr>
         <p:txBody>
-          <a:bodyPr/>
+          <a:bodyPr anchor="b">
+            <a:normAutofit/>
+          </a:bodyPr>
           <a:lstStyle/>
           <a:p>
             <a:r>
@@ -7027,45 +7058,67 @@
         </p:nvSpPr>
         <p:spPr>
           <a:xfrm>
-            <a:off x="723900" y="2417323"/>
-            <a:ext cx="10744200" cy="3657599"/>
+            <a:off x="1104906" y="2538770"/>
+            <a:ext cx="9982193" cy="3214330"/>
           </a:xfrm>
         </p:spPr>
         <p:txBody>
-          <a:bodyPr/>
+          <a:bodyPr anchor="t">
+            <a:normAutofit/>
+          </a:bodyPr>
           <a:lstStyle/>
           <a:p>
             <a:pPr marL="0" indent="0">
+              <a:lnSpc>
+                <a:spcPct val="140000"/>
+              </a:lnSpc>
               <a:buNone/>
             </a:pPr>
             <a:r>
-              <a:rPr lang="en-US" dirty="0"/>
+              <a:rPr lang="en-US" sz="1500"/>
               <a:t>Our research aims to:</a:t>
             </a:r>
           </a:p>
           <a:p>
-            <a:pPr lvl="1"/>
-            <a:r>
-              <a:rPr lang="en-US" dirty="0"/>
+            <a:pPr lvl="1">
+              <a:lnSpc>
+                <a:spcPct val="140000"/>
+              </a:lnSpc>
+            </a:pPr>
+            <a:r>
+              <a:rPr lang="en-US" sz="1500"/>
               <a:t>To investigate the role of perceived ease of use and perceived usefulness in cybersecurity training programs</a:t>
             </a:r>
           </a:p>
           <a:p>
-            <a:pPr lvl="1"/>
-            <a:r>
-              <a:rPr lang="en-US" dirty="0"/>
+            <a:pPr lvl="1">
+              <a:lnSpc>
+                <a:spcPct val="140000"/>
+              </a:lnSpc>
+            </a:pPr>
+            <a:r>
+              <a:rPr lang="en-US" sz="1500"/>
               <a:t>To identify which aspects of phishing prevention training influence an employees’ attitudes and behaviors</a:t>
             </a:r>
           </a:p>
           <a:p>
-            <a:pPr lvl="1"/>
-            <a:r>
-              <a:rPr lang="en-US" dirty="0"/>
+            <a:pPr lvl="1">
+              <a:lnSpc>
+                <a:spcPct val="140000"/>
+              </a:lnSpc>
+            </a:pPr>
+            <a:r>
+              <a:rPr lang="en-US" sz="1500"/>
               <a:t>To provide recommendations for improving the design and delivery of training methods to enhance effectiveness</a:t>
             </a:r>
           </a:p>
           <a:p>
-            <a:endParaRPr lang="en-US" dirty="0"/>
+            <a:pPr>
+              <a:lnSpc>
+                <a:spcPct val="140000"/>
+              </a:lnSpc>
+            </a:pPr>
+            <a:endParaRPr lang="en-US" sz="1500"/>
           </a:p>
         </p:txBody>
       </p:sp>
@@ -7115,9 +7168,16 @@
             <p:ph type="title"/>
           </p:nvPr>
         </p:nvSpPr>
-        <p:spPr/>
+        <p:spPr>
+          <a:xfrm>
+            <a:off x="1104902" y="1124950"/>
+            <a:ext cx="9982199" cy="981801"/>
+          </a:xfrm>
+        </p:spPr>
         <p:txBody>
-          <a:bodyPr/>
+          <a:bodyPr anchor="b">
+            <a:normAutofit/>
+          </a:bodyPr>
           <a:lstStyle/>
           <a:p>
             <a:r>
@@ -7145,12 +7205,14 @@
         </p:nvSpPr>
         <p:spPr>
           <a:xfrm>
-            <a:off x="723900" y="2638696"/>
-            <a:ext cx="10744200" cy="2391105"/>
+            <a:off x="1104906" y="2538770"/>
+            <a:ext cx="9982193" cy="3214330"/>
           </a:xfrm>
         </p:spPr>
         <p:txBody>
-          <a:bodyPr/>
+          <a:bodyPr anchor="t">
+            <a:normAutofit/>
+          </a:bodyPr>
           <a:lstStyle/>
           <a:p>
             <a:pPr marL="0" indent="0">
@@ -7218,9 +7280,16 @@
             <p:ph type="title"/>
           </p:nvPr>
         </p:nvSpPr>
-        <p:spPr/>
+        <p:spPr>
+          <a:xfrm>
+            <a:off x="1104902" y="1124950"/>
+            <a:ext cx="9982199" cy="981801"/>
+          </a:xfrm>
+        </p:spPr>
         <p:txBody>
-          <a:bodyPr/>
+          <a:bodyPr anchor="b">
+            <a:normAutofit/>
+          </a:bodyPr>
           <a:lstStyle/>
           <a:p>
             <a:r>
@@ -7248,12 +7317,14 @@
         </p:nvSpPr>
         <p:spPr>
           <a:xfrm>
-            <a:off x="723900" y="2638696"/>
-            <a:ext cx="10744200" cy="2391105"/>
+            <a:off x="1104906" y="2538770"/>
+            <a:ext cx="9982193" cy="3214330"/>
           </a:xfrm>
         </p:spPr>
         <p:txBody>
-          <a:bodyPr/>
+          <a:bodyPr anchor="t">
+            <a:normAutofit/>
+          </a:bodyPr>
           <a:lstStyle/>
           <a:p>
             <a:pPr marL="0" indent="0">
@@ -7261,7 +7332,7 @@
             </a:pPr>
             <a:r>
               <a:rPr lang="en-US" dirty="0"/>
-              <a:t>Describe the research design that you will use in your study (e.g., qualitative research with interviews or focus groups)</a:t>
+              <a:t>Qualitative research design</a:t>
             </a:r>
           </a:p>
           <a:p>
@@ -7330,9 +7401,16 @@
             <p:ph type="title"/>
           </p:nvPr>
         </p:nvSpPr>
-        <p:spPr/>
+        <p:spPr>
+          <a:xfrm>
+            <a:off x="1104902" y="1124950"/>
+            <a:ext cx="9982199" cy="981801"/>
+          </a:xfrm>
+        </p:spPr>
         <p:txBody>
-          <a:bodyPr/>
+          <a:bodyPr anchor="b">
+            <a:normAutofit/>
+          </a:bodyPr>
           <a:lstStyle/>
           <a:p>
             <a:r>
@@ -7360,12 +7438,14 @@
         </p:nvSpPr>
         <p:spPr>
           <a:xfrm>
-            <a:off x="723900" y="2638696"/>
-            <a:ext cx="10744200" cy="2391105"/>
+            <a:off x="1104906" y="2538770"/>
+            <a:ext cx="9982193" cy="3214330"/>
           </a:xfrm>
         </p:spPr>
         <p:txBody>
-          <a:bodyPr/>
+          <a:bodyPr anchor="t">
+            <a:normAutofit/>
+          </a:bodyPr>
           <a:lstStyle/>
           <a:p>
             <a:pPr marL="0" indent="0">
@@ -7442,9 +7522,16 @@
             <p:ph type="title"/>
           </p:nvPr>
         </p:nvSpPr>
-        <p:spPr/>
+        <p:spPr>
+          <a:xfrm>
+            <a:off x="1104902" y="1124950"/>
+            <a:ext cx="9982199" cy="981801"/>
+          </a:xfrm>
+        </p:spPr>
         <p:txBody>
-          <a:bodyPr/>
+          <a:bodyPr anchor="b">
+            <a:normAutofit/>
+          </a:bodyPr>
           <a:lstStyle/>
           <a:p>
             <a:r>
@@ -7472,12 +7559,14 @@
         </p:nvSpPr>
         <p:spPr>
           <a:xfrm>
-            <a:off x="723900" y="2638696"/>
-            <a:ext cx="10744200" cy="2391105"/>
+            <a:off x="1104906" y="2538770"/>
+            <a:ext cx="9982193" cy="3214330"/>
           </a:xfrm>
         </p:spPr>
         <p:txBody>
-          <a:bodyPr/>
+          <a:bodyPr anchor="t">
+            <a:normAutofit/>
+          </a:bodyPr>
           <a:lstStyle/>
           <a:p>
             <a:pPr marL="0" indent="0">

--- a/PPT/Alpha Review.pptx
+++ b/PPT/Alpha Review.pptx
@@ -6798,13 +6798,13 @@
         <p:spPr/>
         <p:txBody>
           <a:bodyPr anchor="b">
-            <a:normAutofit/>
+            <a:normAutofit fontScale="90000"/>
           </a:bodyPr>
           <a:lstStyle/>
           <a:p>
             <a:r>
               <a:rPr lang="en-US" dirty="0"/>
-              <a:t>Cybersecuirty Training Research Proposal Title idk</a:t>
+              <a:t>Improving Cybersecurity Culture in the Workplace: A Study of Training Practices and Perceptions</a:t>
             </a:r>
           </a:p>
         </p:txBody>
@@ -7064,7 +7064,7 @@
         </p:spPr>
         <p:txBody>
           <a:bodyPr anchor="t">
-            <a:normAutofit/>
+            <a:normAutofit fontScale="92500"/>
           </a:bodyPr>
           <a:lstStyle/>
           <a:p>
@@ -7075,7 +7075,31 @@
               <a:buNone/>
             </a:pPr>
             <a:r>
-              <a:rPr lang="en-US" sz="1500"/>
+              <a:rPr lang="en-US" sz="1500" dirty="0"/>
+              <a:t>How do employees perceive the usefulness of cybersecurity training in their workplace, and what factors influence their perceptions? </a:t>
+            </a:r>
+          </a:p>
+          <a:p>
+            <a:pPr marL="0" indent="0">
+              <a:lnSpc>
+                <a:spcPct val="140000"/>
+              </a:lnSpc>
+              <a:buNone/>
+            </a:pPr>
+            <a:r>
+              <a:rPr lang="en-US" sz="1500" dirty="0"/>
+              <a:t>What specific aspects of cybersecurity training do employees find most useful or valuable, and why?</a:t>
+            </a:r>
+          </a:p>
+          <a:p>
+            <a:pPr marL="0" indent="0">
+              <a:lnSpc>
+                <a:spcPct val="140000"/>
+              </a:lnSpc>
+              <a:buNone/>
+            </a:pPr>
+            <a:r>
+              <a:rPr lang="en-US" sz="1500" dirty="0"/>
               <a:t>Our research aims to:</a:t>
             </a:r>
           </a:p>
@@ -7086,7 +7110,7 @@
               </a:lnSpc>
             </a:pPr>
             <a:r>
-              <a:rPr lang="en-US" sz="1500"/>
+              <a:rPr lang="en-US" sz="1500" dirty="0"/>
               <a:t>To investigate the role of perceived ease of use and perceived usefulness in cybersecurity training programs</a:t>
             </a:r>
           </a:p>
@@ -7097,7 +7121,7 @@
               </a:lnSpc>
             </a:pPr>
             <a:r>
-              <a:rPr lang="en-US" sz="1500"/>
+              <a:rPr lang="en-US" sz="1500" dirty="0"/>
               <a:t>To identify which aspects of phishing prevention training influence an employees’ attitudes and behaviors</a:t>
             </a:r>
           </a:p>
@@ -7108,7 +7132,7 @@
               </a:lnSpc>
             </a:pPr>
             <a:r>
-              <a:rPr lang="en-US" sz="1500"/>
+              <a:rPr lang="en-US" sz="1500" dirty="0"/>
               <a:t>To provide recommendations for improving the design and delivery of training methods to enhance effectiveness</a:t>
             </a:r>
           </a:p>
@@ -7118,7 +7142,7 @@
                 <a:spcPct val="140000"/>
               </a:lnSpc>
             </a:pPr>
-            <a:endParaRPr lang="en-US" sz="1500"/>
+            <a:endParaRPr lang="en-US" sz="1500" dirty="0"/>
           </a:p>
         </p:txBody>
       </p:sp>
@@ -7323,35 +7347,105 @@
         </p:spPr>
         <p:txBody>
           <a:bodyPr anchor="t">
-            <a:normAutofit/>
+            <a:normAutofit fontScale="92500" lnSpcReduction="20000"/>
           </a:bodyPr>
           <a:lstStyle/>
           <a:p>
-            <a:pPr marL="0" indent="0">
-              <a:buNone/>
-            </a:pPr>
-            <a:r>
-              <a:rPr lang="en-US" dirty="0"/>
-              <a:t>Qualitative research design</a:t>
-            </a:r>
-          </a:p>
-          <a:p>
-            <a:pPr marL="0" indent="0">
-              <a:buNone/>
-            </a:pPr>
-            <a:r>
-              <a:rPr lang="en-US" dirty="0"/>
-              <a:t>Explain the sampling strategy that you will use to select participants</a:t>
-            </a:r>
-          </a:p>
-          <a:p>
-            <a:pPr marL="0" indent="0">
-              <a:buNone/>
-            </a:pPr>
-            <a:r>
-              <a:rPr lang="en-US" dirty="0"/>
-              <a:t>Outline the data collection and analysis methods that you will use</a:t>
-            </a:r>
+            <a:r>
+              <a:rPr lang="en-US" b="0" i="0" dirty="0">
+                <a:solidFill>
+                  <a:srgbClr val="D1D5DB"/>
+                </a:solidFill>
+                <a:effectLst/>
+                <a:latin typeface="Söhne"/>
+              </a:rPr>
+              <a:t>This case study will identify the quality of the content presented in training and the perceived quality of the content according to the trainees. </a:t>
+            </a:r>
+          </a:p>
+          <a:p>
+            <a:r>
+              <a:rPr lang="en-US" b="0" i="0" dirty="0">
+                <a:solidFill>
+                  <a:srgbClr val="D1D5DB"/>
+                </a:solidFill>
+                <a:effectLst/>
+                <a:latin typeface="Söhne"/>
+              </a:rPr>
+              <a:t>The research will focus on industry professionals who are familiar with cybersecurity trainings but will not have above-average awareness of cybersecurity</a:t>
+            </a:r>
+          </a:p>
+          <a:p>
+            <a:r>
+              <a:rPr lang="en-US" dirty="0">
+                <a:solidFill>
+                  <a:srgbClr val="D1D5DB"/>
+                </a:solidFill>
+                <a:latin typeface="Söhne"/>
+              </a:rPr>
+              <a:t>T</a:t>
+            </a:r>
+            <a:r>
+              <a:rPr lang="en-US" b="0" i="0" dirty="0">
+                <a:solidFill>
+                  <a:srgbClr val="D1D5DB"/>
+                </a:solidFill>
+                <a:effectLst/>
+                <a:latin typeface="Söhne"/>
+              </a:rPr>
+              <a:t>hrough snowball sampling, chosen participants will fill out the Qualtrics survey composed of open-ended questions and 5-point </a:t>
+            </a:r>
+            <a:r>
+              <a:rPr lang="en-US" b="0" i="0" dirty="0">
+                <a:solidFill>
+                  <a:srgbClr val="EBEBEB"/>
+                </a:solidFill>
+                <a:effectLst/>
+                <a:latin typeface="Google Sans"/>
+              </a:rPr>
+              <a:t>Likert</a:t>
+            </a:r>
+            <a:r>
+              <a:rPr lang="en-US" b="0" i="0" dirty="0">
+                <a:solidFill>
+                  <a:srgbClr val="D1D5DB"/>
+                </a:solidFill>
+                <a:effectLst/>
+                <a:latin typeface="Söhne"/>
+              </a:rPr>
+              <a:t> scale questions.</a:t>
+            </a:r>
+          </a:p>
+          <a:p>
+            <a:r>
+              <a:rPr lang="en-US" b="0" i="0" dirty="0">
+                <a:solidFill>
+                  <a:srgbClr val="D1D5DB"/>
+                </a:solidFill>
+                <a:effectLst/>
+                <a:latin typeface="Söhne"/>
+              </a:rPr>
+              <a:t>Following the </a:t>
+            </a:r>
+            <a:r>
+              <a:rPr lang="en-US" dirty="0">
+                <a:solidFill>
+                  <a:srgbClr val="D1D5DB"/>
+                </a:solidFill>
+                <a:latin typeface="Söhne"/>
+              </a:rPr>
+              <a:t>survey</a:t>
+            </a:r>
+            <a:r>
+              <a:rPr lang="en-US" b="0" i="0" dirty="0">
+                <a:solidFill>
+                  <a:srgbClr val="D1D5DB"/>
+                </a:solidFill>
+                <a:effectLst/>
+                <a:latin typeface="Söhne"/>
+              </a:rPr>
+              <a:t>, participants will receive a short phishing training followed by open-ended questions to further explore their perceptions on these types of trainings.</a:t>
+            </a:r>
+            <a:endParaRPr lang="en-US" dirty="0"/>
           </a:p>
         </p:txBody>
       </p:sp>
@@ -7415,7 +7509,7 @@
           <a:p>
             <a:r>
               <a:rPr lang="en-US" dirty="0"/>
-              <a:t>Expected Results and Implications</a:t>
+              <a:t>Data Collection and Expectations</a:t>
             </a:r>
           </a:p>
         </p:txBody>
@@ -7444,35 +7538,60 @@
         </p:spPr>
         <p:txBody>
           <a:bodyPr anchor="t">
-            <a:normAutofit/>
+            <a:normAutofit fontScale="92500" lnSpcReduction="20000"/>
           </a:bodyPr>
           <a:lstStyle/>
           <a:p>
-            <a:pPr marL="0" indent="0">
-              <a:buNone/>
+            <a:r>
+              <a:rPr lang="en-US" b="0" i="0" dirty="0">
+                <a:solidFill>
+                  <a:srgbClr val="D1D5DB"/>
+                </a:solidFill>
+                <a:effectLst/>
+                <a:latin typeface="Söhne"/>
+              </a:rPr>
+              <a:t>The pretest will gather information on participants' expertise on cybersecurity, previous training, frequency of engagement with networked computers, experience with phishing, and perception of cybersecurity training.</a:t>
+            </a:r>
+          </a:p>
+          <a:p>
+            <a:r>
+              <a:rPr lang="en-US" b="0" i="0" dirty="0">
+                <a:solidFill>
+                  <a:srgbClr val="D1D5DB"/>
+                </a:solidFill>
+                <a:effectLst/>
+                <a:latin typeface="Söhne"/>
+              </a:rPr>
+              <a:t>An interview will be conducted with a mix of open-ended and structured questions to explore participants' insights, their perceived level of understanding of the training content, and the extent to which the training has influenced their behavior and decision-making.</a:t>
+            </a:r>
+          </a:p>
+          <a:p>
+            <a:pPr algn="l">
+              <a:buFont typeface="Arial" panose="020B0604020202020204" pitchFamily="34" charset="0"/>
+              <a:buChar char="•"/>
             </a:pPr>
             <a:r>
-              <a:rPr lang="en-US" dirty="0"/>
-              <a:t>Describe the expected results of your study</a:t>
-            </a:r>
-          </a:p>
-          <a:p>
-            <a:pPr marL="0" indent="0">
-              <a:buNone/>
-            </a:pPr>
-            <a:r>
-              <a:rPr lang="en-US" dirty="0"/>
-              <a:t>Discuss the implications of your findings for organizations and their cybersecurity training programs</a:t>
-            </a:r>
-          </a:p>
-          <a:p>
-            <a:pPr marL="0" indent="0">
-              <a:buNone/>
-            </a:pPr>
-            <a:r>
-              <a:rPr lang="en-US" dirty="0"/>
-              <a:t>Highlight any limitations or potential areas for future research</a:t>
-            </a:r>
+              <a:rPr lang="en-US" b="0" i="0" dirty="0">
+                <a:solidFill>
+                  <a:srgbClr val="D1D5DB"/>
+                </a:solidFill>
+                <a:effectLst/>
+                <a:latin typeface="Söhne"/>
+              </a:rPr>
+              <a:t>After engaging with the learning material, participants will be given a short quiz to test their level of understanding and the effectiveness of the training. The data collected from the quiz will be used to determine areas that need improvement in the training.</a:t>
+            </a:r>
+          </a:p>
+          <a:p>
+            <a:endParaRPr lang="en-US" b="0" i="0" dirty="0">
+              <a:solidFill>
+                <a:srgbClr val="D1D5DB"/>
+              </a:solidFill>
+              <a:effectLst/>
+              <a:latin typeface="Söhne"/>
+            </a:endParaRPr>
+          </a:p>
+          <a:p>
+            <a:endParaRPr lang="en-US" dirty="0"/>
           </a:p>
         </p:txBody>
       </p:sp>
@@ -7574,7 +7693,7 @@
             </a:pPr>
             <a:r>
               <a:rPr lang="en-US" dirty="0"/>
-              <a:t>Summarize the key points of your presentation</a:t>
+              <a:t>Problem Statement: Organizations lack an understanding of which factors influence an employee’s perceptions of the usefulness and value of cybersecurity training. Identifying these factors can improve the effectiveness of training programs and enhance overall security.</a:t>
             </a:r>
           </a:p>
           <a:p>
@@ -7583,7 +7702,7 @@
             </a:pPr>
             <a:r>
               <a:rPr lang="en-US" dirty="0"/>
-              <a:t>Reiterate the importance of your research proposal and its potential impact on preventing phishing attacks</a:t>
+              <a:t>Research Question: What are the factors that influence employees' perceptions of the usefulness and value of different aspects of cybersecurity training in the workplace?</a:t>
             </a:r>
           </a:p>
         </p:txBody>

--- a/PPT/Alpha Review.pptx
+++ b/PPT/Alpha Review.pptx
@@ -10,9 +10,10 @@
     <p:sldId id="259" r:id="rId4"/>
     <p:sldId id="280" r:id="rId5"/>
     <p:sldId id="282" r:id="rId6"/>
-    <p:sldId id="283" r:id="rId7"/>
-    <p:sldId id="284" r:id="rId8"/>
-    <p:sldId id="285" r:id="rId9"/>
+    <p:sldId id="286" r:id="rId7"/>
+    <p:sldId id="283" r:id="rId8"/>
+    <p:sldId id="284" r:id="rId9"/>
+    <p:sldId id="285" r:id="rId10"/>
   </p:sldIdLst>
   <p:sldSz cx="12192000" cy="6858000"/>
   <p:notesSz cx="6858000" cy="9144000"/>
@@ -128,6 +129,5649 @@
     </p:ext>
   </p:extLst>
 </p:presentation>
+</file>
+
+<file path=ppt/diagrams/colors1.xml><?xml version="1.0" encoding="utf-8"?>
+<dgm:colorsDef xmlns:dgm="http://schemas.openxmlformats.org/drawingml/2006/diagram" xmlns:a="http://schemas.openxmlformats.org/drawingml/2006/main" uniqueId="urn:microsoft.com/office/officeart/2005/8/colors/accent3_2">
+  <dgm:title val=""/>
+  <dgm:desc val=""/>
+  <dgm:catLst>
+    <dgm:cat type="accent3" pri="11200"/>
+  </dgm:catLst>
+  <dgm:styleLbl name="node0">
+    <dgm:fillClrLst meth="repeat">
+      <a:schemeClr val="accent3"/>
+    </dgm:fillClrLst>
+    <dgm:linClrLst meth="repeat">
+      <a:schemeClr val="lt1"/>
+    </dgm:linClrLst>
+    <dgm:effectClrLst/>
+    <dgm:txLinClrLst/>
+    <dgm:txFillClrLst/>
+    <dgm:txEffectClrLst/>
+  </dgm:styleLbl>
+  <dgm:styleLbl name="node1">
+    <dgm:fillClrLst meth="repeat">
+      <a:schemeClr val="accent3"/>
+    </dgm:fillClrLst>
+    <dgm:linClrLst meth="repeat">
+      <a:schemeClr val="lt1"/>
+    </dgm:linClrLst>
+    <dgm:effectClrLst/>
+    <dgm:txLinClrLst/>
+    <dgm:txFillClrLst/>
+    <dgm:txEffectClrLst/>
+  </dgm:styleLbl>
+  <dgm:styleLbl name="alignNode1">
+    <dgm:fillClrLst meth="repeat">
+      <a:schemeClr val="accent3"/>
+    </dgm:fillClrLst>
+    <dgm:linClrLst meth="repeat">
+      <a:schemeClr val="accent3"/>
+    </dgm:linClrLst>
+    <dgm:effectClrLst/>
+    <dgm:txLinClrLst/>
+    <dgm:txFillClrLst/>
+    <dgm:txEffectClrLst/>
+  </dgm:styleLbl>
+  <dgm:styleLbl name="lnNode1">
+    <dgm:fillClrLst meth="repeat">
+      <a:schemeClr val="accent3"/>
+    </dgm:fillClrLst>
+    <dgm:linClrLst meth="repeat">
+      <a:schemeClr val="lt1"/>
+    </dgm:linClrLst>
+    <dgm:effectClrLst/>
+    <dgm:txLinClrLst/>
+    <dgm:txFillClrLst/>
+    <dgm:txEffectClrLst/>
+  </dgm:styleLbl>
+  <dgm:styleLbl name="vennNode1">
+    <dgm:fillClrLst meth="repeat">
+      <a:schemeClr val="accent3">
+        <a:alpha val="50000"/>
+      </a:schemeClr>
+    </dgm:fillClrLst>
+    <dgm:linClrLst meth="repeat">
+      <a:schemeClr val="lt1"/>
+    </dgm:linClrLst>
+    <dgm:effectClrLst/>
+    <dgm:txLinClrLst/>
+    <dgm:txFillClrLst/>
+    <dgm:txEffectClrLst/>
+  </dgm:styleLbl>
+  <dgm:styleLbl name="node2">
+    <dgm:fillClrLst meth="repeat">
+      <a:schemeClr val="accent3"/>
+    </dgm:fillClrLst>
+    <dgm:linClrLst meth="repeat">
+      <a:schemeClr val="lt1"/>
+    </dgm:linClrLst>
+    <dgm:effectClrLst/>
+    <dgm:txLinClrLst/>
+    <dgm:txFillClrLst/>
+    <dgm:txEffectClrLst/>
+  </dgm:styleLbl>
+  <dgm:styleLbl name="node3">
+    <dgm:fillClrLst meth="repeat">
+      <a:schemeClr val="accent3"/>
+    </dgm:fillClrLst>
+    <dgm:linClrLst meth="repeat">
+      <a:schemeClr val="lt1"/>
+    </dgm:linClrLst>
+    <dgm:effectClrLst/>
+    <dgm:txLinClrLst/>
+    <dgm:txFillClrLst/>
+    <dgm:txEffectClrLst/>
+  </dgm:styleLbl>
+  <dgm:styleLbl name="node4">
+    <dgm:fillClrLst meth="repeat">
+      <a:schemeClr val="accent3"/>
+    </dgm:fillClrLst>
+    <dgm:linClrLst meth="repeat">
+      <a:schemeClr val="lt1"/>
+    </dgm:linClrLst>
+    <dgm:effectClrLst/>
+    <dgm:txLinClrLst/>
+    <dgm:txFillClrLst/>
+    <dgm:txEffectClrLst/>
+  </dgm:styleLbl>
+  <dgm:styleLbl name="fgImgPlace1">
+    <dgm:fillClrLst meth="repeat">
+      <a:schemeClr val="accent3">
+        <a:tint val="50000"/>
+      </a:schemeClr>
+    </dgm:fillClrLst>
+    <dgm:linClrLst meth="repeat">
+      <a:schemeClr val="lt1"/>
+    </dgm:linClrLst>
+    <dgm:effectClrLst/>
+    <dgm:txLinClrLst/>
+    <dgm:txFillClrLst meth="repeat">
+      <a:schemeClr val="lt1"/>
+    </dgm:txFillClrLst>
+    <dgm:txEffectClrLst/>
+  </dgm:styleLbl>
+  <dgm:styleLbl name="alignImgPlace1">
+    <dgm:fillClrLst meth="repeat">
+      <a:schemeClr val="accent3">
+        <a:tint val="50000"/>
+      </a:schemeClr>
+    </dgm:fillClrLst>
+    <dgm:linClrLst meth="repeat">
+      <a:schemeClr val="lt1"/>
+    </dgm:linClrLst>
+    <dgm:effectClrLst/>
+    <dgm:txLinClrLst/>
+    <dgm:txFillClrLst meth="repeat">
+      <a:schemeClr val="lt1"/>
+    </dgm:txFillClrLst>
+    <dgm:txEffectClrLst/>
+  </dgm:styleLbl>
+  <dgm:styleLbl name="bgImgPlace1">
+    <dgm:fillClrLst meth="repeat">
+      <a:schemeClr val="accent3">
+        <a:tint val="50000"/>
+      </a:schemeClr>
+    </dgm:fillClrLst>
+    <dgm:linClrLst meth="repeat">
+      <a:schemeClr val="lt1"/>
+    </dgm:linClrLst>
+    <dgm:effectClrLst/>
+    <dgm:txLinClrLst/>
+    <dgm:txFillClrLst meth="repeat">
+      <a:schemeClr val="lt1"/>
+    </dgm:txFillClrLst>
+    <dgm:txEffectClrLst/>
+  </dgm:styleLbl>
+  <dgm:styleLbl name="sibTrans2D1">
+    <dgm:fillClrLst meth="repeat">
+      <a:schemeClr val="accent3">
+        <a:tint val="60000"/>
+      </a:schemeClr>
+    </dgm:fillClrLst>
+    <dgm:linClrLst meth="repeat">
+      <a:schemeClr val="accent3">
+        <a:tint val="60000"/>
+      </a:schemeClr>
+    </dgm:linClrLst>
+    <dgm:effectClrLst/>
+    <dgm:txLinClrLst/>
+    <dgm:txFillClrLst/>
+    <dgm:txEffectClrLst/>
+  </dgm:styleLbl>
+  <dgm:styleLbl name="fgSibTrans2D1">
+    <dgm:fillClrLst meth="repeat">
+      <a:schemeClr val="accent3">
+        <a:tint val="60000"/>
+      </a:schemeClr>
+    </dgm:fillClrLst>
+    <dgm:linClrLst meth="repeat">
+      <a:schemeClr val="accent3">
+        <a:tint val="60000"/>
+      </a:schemeClr>
+    </dgm:linClrLst>
+    <dgm:effectClrLst/>
+    <dgm:txLinClrLst/>
+    <dgm:txFillClrLst/>
+    <dgm:txEffectClrLst/>
+  </dgm:styleLbl>
+  <dgm:styleLbl name="bgSibTrans2D1">
+    <dgm:fillClrLst meth="repeat">
+      <a:schemeClr val="accent3">
+        <a:tint val="60000"/>
+      </a:schemeClr>
+    </dgm:fillClrLst>
+    <dgm:linClrLst meth="repeat">
+      <a:schemeClr val="accent3">
+        <a:tint val="60000"/>
+      </a:schemeClr>
+    </dgm:linClrLst>
+    <dgm:effectClrLst/>
+    <dgm:txLinClrLst/>
+    <dgm:txFillClrLst/>
+    <dgm:txEffectClrLst/>
+  </dgm:styleLbl>
+  <dgm:styleLbl name="sibTrans1D1">
+    <dgm:fillClrLst meth="repeat">
+      <a:schemeClr val="accent3"/>
+    </dgm:fillClrLst>
+    <dgm:linClrLst meth="repeat">
+      <a:schemeClr val="accent3"/>
+    </dgm:linClrLst>
+    <dgm:effectClrLst/>
+    <dgm:txLinClrLst/>
+    <dgm:txFillClrLst meth="repeat">
+      <a:schemeClr val="tx1"/>
+    </dgm:txFillClrLst>
+    <dgm:txEffectClrLst/>
+  </dgm:styleLbl>
+  <dgm:styleLbl name="callout">
+    <dgm:fillClrLst meth="repeat">
+      <a:schemeClr val="accent3"/>
+    </dgm:fillClrLst>
+    <dgm:linClrLst meth="repeat">
+      <a:schemeClr val="accent3">
+        <a:tint val="50000"/>
+      </a:schemeClr>
+    </dgm:linClrLst>
+    <dgm:effectClrLst/>
+    <dgm:txLinClrLst/>
+    <dgm:txFillClrLst meth="repeat">
+      <a:schemeClr val="tx1"/>
+    </dgm:txFillClrLst>
+    <dgm:txEffectClrLst/>
+  </dgm:styleLbl>
+  <dgm:styleLbl name="asst0">
+    <dgm:fillClrLst meth="repeat">
+      <a:schemeClr val="accent3"/>
+    </dgm:fillClrLst>
+    <dgm:linClrLst meth="repeat">
+      <a:schemeClr val="lt1"/>
+    </dgm:linClrLst>
+    <dgm:effectClrLst/>
+    <dgm:txLinClrLst/>
+    <dgm:txFillClrLst/>
+    <dgm:txEffectClrLst/>
+  </dgm:styleLbl>
+  <dgm:styleLbl name="asst1">
+    <dgm:fillClrLst meth="repeat">
+      <a:schemeClr val="accent3"/>
+    </dgm:fillClrLst>
+    <dgm:linClrLst meth="repeat">
+      <a:schemeClr val="lt1"/>
+    </dgm:linClrLst>
+    <dgm:effectClrLst/>
+    <dgm:txLinClrLst/>
+    <dgm:txFillClrLst/>
+    <dgm:txEffectClrLst/>
+  </dgm:styleLbl>
+  <dgm:styleLbl name="asst2">
+    <dgm:fillClrLst meth="repeat">
+      <a:schemeClr val="accent3"/>
+    </dgm:fillClrLst>
+    <dgm:linClrLst meth="repeat">
+      <a:schemeClr val="lt1"/>
+    </dgm:linClrLst>
+    <dgm:effectClrLst/>
+    <dgm:txLinClrLst/>
+    <dgm:txFillClrLst/>
+    <dgm:txEffectClrLst/>
+  </dgm:styleLbl>
+  <dgm:styleLbl name="asst3">
+    <dgm:fillClrLst meth="repeat">
+      <a:schemeClr val="accent3"/>
+    </dgm:fillClrLst>
+    <dgm:linClrLst meth="repeat">
+      <a:schemeClr val="lt1"/>
+    </dgm:linClrLst>
+    <dgm:effectClrLst/>
+    <dgm:txLinClrLst/>
+    <dgm:txFillClrLst/>
+    <dgm:txEffectClrLst/>
+  </dgm:styleLbl>
+  <dgm:styleLbl name="asst4">
+    <dgm:fillClrLst meth="repeat">
+      <a:schemeClr val="accent3"/>
+    </dgm:fillClrLst>
+    <dgm:linClrLst meth="repeat">
+      <a:schemeClr val="lt1"/>
+    </dgm:linClrLst>
+    <dgm:effectClrLst/>
+    <dgm:txLinClrLst/>
+    <dgm:txFillClrLst/>
+    <dgm:txEffectClrLst/>
+  </dgm:styleLbl>
+  <dgm:styleLbl name="parChTrans2D1">
+    <dgm:fillClrLst meth="repeat">
+      <a:schemeClr val="accent3">
+        <a:tint val="60000"/>
+      </a:schemeClr>
+    </dgm:fillClrLst>
+    <dgm:linClrLst meth="repeat">
+      <a:schemeClr val="accent3">
+        <a:tint val="60000"/>
+      </a:schemeClr>
+    </dgm:linClrLst>
+    <dgm:effectClrLst/>
+    <dgm:txLinClrLst/>
+    <dgm:txFillClrLst meth="repeat">
+      <a:schemeClr val="lt1"/>
+    </dgm:txFillClrLst>
+    <dgm:txEffectClrLst/>
+  </dgm:styleLbl>
+  <dgm:styleLbl name="parChTrans2D2">
+    <dgm:fillClrLst meth="repeat">
+      <a:schemeClr val="accent3"/>
+    </dgm:fillClrLst>
+    <dgm:linClrLst meth="repeat">
+      <a:schemeClr val="accent3"/>
+    </dgm:linClrLst>
+    <dgm:effectClrLst/>
+    <dgm:txLinClrLst/>
+    <dgm:txFillClrLst meth="repeat">
+      <a:schemeClr val="lt1"/>
+    </dgm:txFillClrLst>
+    <dgm:txEffectClrLst/>
+  </dgm:styleLbl>
+  <dgm:styleLbl name="parChTrans2D3">
+    <dgm:fillClrLst meth="repeat">
+      <a:schemeClr val="accent3"/>
+    </dgm:fillClrLst>
+    <dgm:linClrLst meth="repeat">
+      <a:schemeClr val="accent3"/>
+    </dgm:linClrLst>
+    <dgm:effectClrLst/>
+    <dgm:txLinClrLst/>
+    <dgm:txFillClrLst meth="repeat">
+      <a:schemeClr val="lt1"/>
+    </dgm:txFillClrLst>
+    <dgm:txEffectClrLst/>
+  </dgm:styleLbl>
+  <dgm:styleLbl name="parChTrans2D4">
+    <dgm:fillClrLst meth="repeat">
+      <a:schemeClr val="accent3"/>
+    </dgm:fillClrLst>
+    <dgm:linClrLst meth="repeat">
+      <a:schemeClr val="accent3"/>
+    </dgm:linClrLst>
+    <dgm:effectClrLst/>
+    <dgm:txLinClrLst/>
+    <dgm:txFillClrLst meth="repeat">
+      <a:schemeClr val="lt1"/>
+    </dgm:txFillClrLst>
+    <dgm:txEffectClrLst/>
+  </dgm:styleLbl>
+  <dgm:styleLbl name="parChTrans1D1">
+    <dgm:fillClrLst meth="repeat">
+      <a:schemeClr val="accent3"/>
+    </dgm:fillClrLst>
+    <dgm:linClrLst meth="repeat">
+      <a:schemeClr val="accent3">
+        <a:shade val="60000"/>
+      </a:schemeClr>
+    </dgm:linClrLst>
+    <dgm:effectClrLst/>
+    <dgm:txLinClrLst/>
+    <dgm:txFillClrLst meth="repeat">
+      <a:schemeClr val="tx1"/>
+    </dgm:txFillClrLst>
+    <dgm:txEffectClrLst/>
+  </dgm:styleLbl>
+  <dgm:styleLbl name="parChTrans1D2">
+    <dgm:fillClrLst meth="repeat">
+      <a:schemeClr val="accent3"/>
+    </dgm:fillClrLst>
+    <dgm:linClrLst meth="repeat">
+      <a:schemeClr val="accent3">
+        <a:shade val="60000"/>
+      </a:schemeClr>
+    </dgm:linClrLst>
+    <dgm:effectClrLst/>
+    <dgm:txLinClrLst/>
+    <dgm:txFillClrLst meth="repeat">
+      <a:schemeClr val="tx1"/>
+    </dgm:txFillClrLst>
+    <dgm:txEffectClrLst/>
+  </dgm:styleLbl>
+  <dgm:styleLbl name="parChTrans1D3">
+    <dgm:fillClrLst meth="repeat">
+      <a:schemeClr val="accent3"/>
+    </dgm:fillClrLst>
+    <dgm:linClrLst meth="repeat">
+      <a:schemeClr val="accent3">
+        <a:shade val="80000"/>
+      </a:schemeClr>
+    </dgm:linClrLst>
+    <dgm:effectClrLst/>
+    <dgm:txLinClrLst/>
+    <dgm:txFillClrLst meth="repeat">
+      <a:schemeClr val="tx1"/>
+    </dgm:txFillClrLst>
+    <dgm:txEffectClrLst/>
+  </dgm:styleLbl>
+  <dgm:styleLbl name="parChTrans1D4">
+    <dgm:fillClrLst meth="repeat">
+      <a:schemeClr val="accent3"/>
+    </dgm:fillClrLst>
+    <dgm:linClrLst meth="repeat">
+      <a:schemeClr val="accent3">
+        <a:shade val="80000"/>
+      </a:schemeClr>
+    </dgm:linClrLst>
+    <dgm:effectClrLst/>
+    <dgm:txLinClrLst/>
+    <dgm:txFillClrLst meth="repeat">
+      <a:schemeClr val="tx1"/>
+    </dgm:txFillClrLst>
+    <dgm:txEffectClrLst/>
+  </dgm:styleLbl>
+  <dgm:styleLbl name="fgAcc1">
+    <dgm:fillClrLst meth="repeat">
+      <a:schemeClr val="lt1">
+        <a:alpha val="90000"/>
+      </a:schemeClr>
+    </dgm:fillClrLst>
+    <dgm:linClrLst meth="repeat">
+      <a:schemeClr val="accent3"/>
+    </dgm:linClrLst>
+    <dgm:effectClrLst/>
+    <dgm:txLinClrLst/>
+    <dgm:txFillClrLst meth="repeat">
+      <a:schemeClr val="dk1"/>
+    </dgm:txFillClrLst>
+    <dgm:txEffectClrLst/>
+  </dgm:styleLbl>
+  <dgm:styleLbl name="conFgAcc1">
+    <dgm:fillClrLst meth="repeat">
+      <a:schemeClr val="lt1">
+        <a:alpha val="90000"/>
+      </a:schemeClr>
+    </dgm:fillClrLst>
+    <dgm:linClrLst meth="repeat">
+      <a:schemeClr val="accent3"/>
+    </dgm:linClrLst>
+    <dgm:effectClrLst/>
+    <dgm:txLinClrLst/>
+    <dgm:txFillClrLst meth="repeat">
+      <a:schemeClr val="dk1"/>
+    </dgm:txFillClrLst>
+    <dgm:txEffectClrLst/>
+  </dgm:styleLbl>
+  <dgm:styleLbl name="alignAcc1">
+    <dgm:fillClrLst meth="repeat">
+      <a:schemeClr val="lt1">
+        <a:alpha val="90000"/>
+      </a:schemeClr>
+    </dgm:fillClrLst>
+    <dgm:linClrLst meth="repeat">
+      <a:schemeClr val="accent3"/>
+    </dgm:linClrLst>
+    <dgm:effectClrLst/>
+    <dgm:txLinClrLst/>
+    <dgm:txFillClrLst meth="repeat">
+      <a:schemeClr val="dk1"/>
+    </dgm:txFillClrLst>
+    <dgm:txEffectClrLst/>
+  </dgm:styleLbl>
+  <dgm:styleLbl name="trAlignAcc1">
+    <dgm:fillClrLst meth="repeat">
+      <a:schemeClr val="lt1">
+        <a:alpha val="40000"/>
+      </a:schemeClr>
+    </dgm:fillClrLst>
+    <dgm:linClrLst meth="repeat">
+      <a:schemeClr val="accent3"/>
+    </dgm:linClrLst>
+    <dgm:effectClrLst/>
+    <dgm:txLinClrLst/>
+    <dgm:txFillClrLst meth="repeat">
+      <a:schemeClr val="dk1"/>
+    </dgm:txFillClrLst>
+    <dgm:txEffectClrLst/>
+  </dgm:styleLbl>
+  <dgm:styleLbl name="bgAcc1">
+    <dgm:fillClrLst meth="repeat">
+      <a:schemeClr val="lt1">
+        <a:alpha val="90000"/>
+      </a:schemeClr>
+    </dgm:fillClrLst>
+    <dgm:linClrLst meth="repeat">
+      <a:schemeClr val="accent3"/>
+    </dgm:linClrLst>
+    <dgm:effectClrLst/>
+    <dgm:txLinClrLst/>
+    <dgm:txFillClrLst meth="repeat">
+      <a:schemeClr val="dk1"/>
+    </dgm:txFillClrLst>
+    <dgm:txEffectClrLst/>
+  </dgm:styleLbl>
+  <dgm:styleLbl name="solidFgAcc1">
+    <dgm:fillClrLst meth="repeat">
+      <a:schemeClr val="lt1"/>
+    </dgm:fillClrLst>
+    <dgm:linClrLst meth="repeat">
+      <a:schemeClr val="accent3"/>
+    </dgm:linClrLst>
+    <dgm:effectClrLst/>
+    <dgm:txLinClrLst/>
+    <dgm:txFillClrLst meth="repeat">
+      <a:schemeClr val="dk1"/>
+    </dgm:txFillClrLst>
+    <dgm:txEffectClrLst/>
+  </dgm:styleLbl>
+  <dgm:styleLbl name="solidAlignAcc1">
+    <dgm:fillClrLst meth="repeat">
+      <a:schemeClr val="lt1"/>
+    </dgm:fillClrLst>
+    <dgm:linClrLst meth="repeat">
+      <a:schemeClr val="accent3"/>
+    </dgm:linClrLst>
+    <dgm:effectClrLst/>
+    <dgm:txLinClrLst/>
+    <dgm:txFillClrLst meth="repeat">
+      <a:schemeClr val="dk1"/>
+    </dgm:txFillClrLst>
+    <dgm:txEffectClrLst/>
+  </dgm:styleLbl>
+  <dgm:styleLbl name="solidBgAcc1">
+    <dgm:fillClrLst meth="repeat">
+      <a:schemeClr val="lt1"/>
+    </dgm:fillClrLst>
+    <dgm:linClrLst meth="repeat">
+      <a:schemeClr val="accent3"/>
+    </dgm:linClrLst>
+    <dgm:effectClrLst/>
+    <dgm:txLinClrLst/>
+    <dgm:txFillClrLst meth="repeat">
+      <a:schemeClr val="dk1"/>
+    </dgm:txFillClrLst>
+    <dgm:txEffectClrLst/>
+  </dgm:styleLbl>
+  <dgm:styleLbl name="fgAccFollowNode1">
+    <dgm:fillClrLst meth="repeat">
+      <a:schemeClr val="accent3">
+        <a:alpha val="90000"/>
+        <a:tint val="40000"/>
+      </a:schemeClr>
+    </dgm:fillClrLst>
+    <dgm:linClrLst meth="repeat">
+      <a:schemeClr val="accent3">
+        <a:alpha val="90000"/>
+        <a:tint val="40000"/>
+      </a:schemeClr>
+    </dgm:linClrLst>
+    <dgm:effectClrLst/>
+    <dgm:txLinClrLst/>
+    <dgm:txFillClrLst meth="repeat">
+      <a:schemeClr val="dk1"/>
+    </dgm:txFillClrLst>
+    <dgm:txEffectClrLst/>
+  </dgm:styleLbl>
+  <dgm:styleLbl name="alignAccFollowNode1">
+    <dgm:fillClrLst meth="repeat">
+      <a:schemeClr val="accent3">
+        <a:alpha val="90000"/>
+        <a:tint val="40000"/>
+      </a:schemeClr>
+    </dgm:fillClrLst>
+    <dgm:linClrLst meth="repeat">
+      <a:schemeClr val="accent3">
+        <a:alpha val="90000"/>
+        <a:tint val="40000"/>
+      </a:schemeClr>
+    </dgm:linClrLst>
+    <dgm:effectClrLst/>
+    <dgm:txLinClrLst/>
+    <dgm:txFillClrLst meth="repeat">
+      <a:schemeClr val="dk1"/>
+    </dgm:txFillClrLst>
+    <dgm:txEffectClrLst/>
+  </dgm:styleLbl>
+  <dgm:styleLbl name="bgAccFollowNode1">
+    <dgm:fillClrLst meth="repeat">
+      <a:schemeClr val="accent3">
+        <a:alpha val="90000"/>
+        <a:tint val="40000"/>
+      </a:schemeClr>
+    </dgm:fillClrLst>
+    <dgm:linClrLst meth="repeat">
+      <a:schemeClr val="accent3">
+        <a:alpha val="90000"/>
+        <a:tint val="40000"/>
+      </a:schemeClr>
+    </dgm:linClrLst>
+    <dgm:effectClrLst/>
+    <dgm:txLinClrLst/>
+    <dgm:txFillClrLst meth="repeat">
+      <a:schemeClr val="dk1"/>
+    </dgm:txFillClrLst>
+    <dgm:txEffectClrLst/>
+  </dgm:styleLbl>
+  <dgm:styleLbl name="fgAcc0">
+    <dgm:fillClrLst meth="repeat">
+      <a:schemeClr val="lt1">
+        <a:alpha val="90000"/>
+      </a:schemeClr>
+    </dgm:fillClrLst>
+    <dgm:linClrLst meth="repeat">
+      <a:schemeClr val="accent3"/>
+    </dgm:linClrLst>
+    <dgm:effectClrLst/>
+    <dgm:txLinClrLst/>
+    <dgm:txFillClrLst meth="repeat">
+      <a:schemeClr val="dk1"/>
+    </dgm:txFillClrLst>
+    <dgm:txEffectClrLst/>
+  </dgm:styleLbl>
+  <dgm:styleLbl name="fgAcc2">
+    <dgm:fillClrLst meth="repeat">
+      <a:schemeClr val="lt1">
+        <a:alpha val="90000"/>
+      </a:schemeClr>
+    </dgm:fillClrLst>
+    <dgm:linClrLst meth="repeat">
+      <a:schemeClr val="accent3"/>
+    </dgm:linClrLst>
+    <dgm:effectClrLst/>
+    <dgm:txLinClrLst/>
+    <dgm:txFillClrLst meth="repeat">
+      <a:schemeClr val="dk1"/>
+    </dgm:txFillClrLst>
+    <dgm:txEffectClrLst/>
+  </dgm:styleLbl>
+  <dgm:styleLbl name="fgAcc3">
+    <dgm:fillClrLst meth="repeat">
+      <a:schemeClr val="lt1">
+        <a:alpha val="90000"/>
+      </a:schemeClr>
+    </dgm:fillClrLst>
+    <dgm:linClrLst meth="repeat">
+      <a:schemeClr val="accent3"/>
+    </dgm:linClrLst>
+    <dgm:effectClrLst/>
+    <dgm:txLinClrLst/>
+    <dgm:txFillClrLst meth="repeat">
+      <a:schemeClr val="dk1"/>
+    </dgm:txFillClrLst>
+    <dgm:txEffectClrLst/>
+  </dgm:styleLbl>
+  <dgm:styleLbl name="fgAcc4">
+    <dgm:fillClrLst meth="repeat">
+      <a:schemeClr val="lt1">
+        <a:alpha val="90000"/>
+      </a:schemeClr>
+    </dgm:fillClrLst>
+    <dgm:linClrLst meth="repeat">
+      <a:schemeClr val="accent3"/>
+    </dgm:linClrLst>
+    <dgm:effectClrLst/>
+    <dgm:txLinClrLst/>
+    <dgm:txFillClrLst meth="repeat">
+      <a:schemeClr val="dk1"/>
+    </dgm:txFillClrLst>
+    <dgm:txEffectClrLst/>
+  </dgm:styleLbl>
+  <dgm:styleLbl name="bgShp">
+    <dgm:fillClrLst meth="repeat">
+      <a:schemeClr val="accent3">
+        <a:tint val="40000"/>
+      </a:schemeClr>
+    </dgm:fillClrLst>
+    <dgm:linClrLst meth="repeat">
+      <a:schemeClr val="accent3"/>
+    </dgm:linClrLst>
+    <dgm:effectClrLst/>
+    <dgm:txLinClrLst/>
+    <dgm:txFillClrLst meth="repeat">
+      <a:schemeClr val="dk1"/>
+    </dgm:txFillClrLst>
+    <dgm:txEffectClrLst/>
+  </dgm:styleLbl>
+  <dgm:styleLbl name="dkBgShp">
+    <dgm:fillClrLst meth="repeat">
+      <a:schemeClr val="accent3">
+        <a:shade val="80000"/>
+      </a:schemeClr>
+    </dgm:fillClrLst>
+    <dgm:linClrLst meth="repeat">
+      <a:schemeClr val="accent3"/>
+    </dgm:linClrLst>
+    <dgm:effectClrLst/>
+    <dgm:txLinClrLst/>
+    <dgm:txFillClrLst meth="repeat">
+      <a:schemeClr val="lt1"/>
+    </dgm:txFillClrLst>
+    <dgm:txEffectClrLst/>
+  </dgm:styleLbl>
+  <dgm:styleLbl name="trBgShp">
+    <dgm:fillClrLst meth="repeat">
+      <a:schemeClr val="accent3">
+        <a:tint val="50000"/>
+        <a:alpha val="40000"/>
+      </a:schemeClr>
+    </dgm:fillClrLst>
+    <dgm:linClrLst meth="repeat">
+      <a:schemeClr val="accent3"/>
+    </dgm:linClrLst>
+    <dgm:effectClrLst/>
+    <dgm:txLinClrLst/>
+    <dgm:txFillClrLst meth="repeat">
+      <a:schemeClr val="lt1"/>
+    </dgm:txFillClrLst>
+    <dgm:txEffectClrLst/>
+  </dgm:styleLbl>
+  <dgm:styleLbl name="fgShp">
+    <dgm:fillClrLst meth="repeat">
+      <a:schemeClr val="accent3">
+        <a:tint val="60000"/>
+      </a:schemeClr>
+    </dgm:fillClrLst>
+    <dgm:linClrLst meth="repeat">
+      <a:schemeClr val="lt1"/>
+    </dgm:linClrLst>
+    <dgm:effectClrLst/>
+    <dgm:txLinClrLst/>
+    <dgm:txFillClrLst meth="repeat">
+      <a:schemeClr val="dk1"/>
+    </dgm:txFillClrLst>
+    <dgm:txEffectClrLst/>
+  </dgm:styleLbl>
+  <dgm:styleLbl name="revTx">
+    <dgm:fillClrLst meth="repeat">
+      <a:schemeClr val="lt1">
+        <a:alpha val="0"/>
+      </a:schemeClr>
+    </dgm:fillClrLst>
+    <dgm:linClrLst meth="repeat">
+      <a:schemeClr val="dk1">
+        <a:alpha val="0"/>
+      </a:schemeClr>
+    </dgm:linClrLst>
+    <dgm:effectClrLst/>
+    <dgm:txLinClrLst/>
+    <dgm:txFillClrLst meth="repeat">
+      <a:schemeClr val="tx1"/>
+    </dgm:txFillClrLst>
+    <dgm:txEffectClrLst/>
+  </dgm:styleLbl>
+</dgm:colorsDef>
+</file>
+
+<file path=ppt/diagrams/colors2.xml><?xml version="1.0" encoding="utf-8"?>
+<dgm:colorsDef xmlns:dgm="http://schemas.openxmlformats.org/drawingml/2006/diagram" xmlns:a="http://schemas.openxmlformats.org/drawingml/2006/main" uniqueId="urn:microsoft.com/office/officeart/2005/8/colors/accent1_2">
+  <dgm:title val=""/>
+  <dgm:desc val=""/>
+  <dgm:catLst>
+    <dgm:cat type="accent1" pri="11200"/>
+  </dgm:catLst>
+  <dgm:styleLbl name="node0">
+    <dgm:fillClrLst meth="repeat">
+      <a:schemeClr val="accent1"/>
+    </dgm:fillClrLst>
+    <dgm:linClrLst meth="repeat">
+      <a:schemeClr val="lt1"/>
+    </dgm:linClrLst>
+    <dgm:effectClrLst/>
+    <dgm:txLinClrLst/>
+    <dgm:txFillClrLst/>
+    <dgm:txEffectClrLst/>
+  </dgm:styleLbl>
+  <dgm:styleLbl name="alignNode1">
+    <dgm:fillClrLst meth="repeat">
+      <a:schemeClr val="accent1"/>
+    </dgm:fillClrLst>
+    <dgm:linClrLst meth="repeat">
+      <a:schemeClr val="accent1"/>
+    </dgm:linClrLst>
+    <dgm:effectClrLst/>
+    <dgm:txLinClrLst/>
+    <dgm:txFillClrLst/>
+    <dgm:txEffectClrLst/>
+  </dgm:styleLbl>
+  <dgm:styleLbl name="node1">
+    <dgm:fillClrLst meth="repeat">
+      <a:schemeClr val="accent1"/>
+    </dgm:fillClrLst>
+    <dgm:linClrLst meth="repeat">
+      <a:schemeClr val="lt1"/>
+    </dgm:linClrLst>
+    <dgm:effectClrLst/>
+    <dgm:txLinClrLst/>
+    <dgm:txFillClrLst/>
+    <dgm:txEffectClrLst/>
+  </dgm:styleLbl>
+  <dgm:styleLbl name="lnNode1">
+    <dgm:fillClrLst meth="repeat">
+      <a:schemeClr val="accent1"/>
+    </dgm:fillClrLst>
+    <dgm:linClrLst meth="repeat">
+      <a:schemeClr val="lt1"/>
+    </dgm:linClrLst>
+    <dgm:effectClrLst/>
+    <dgm:txLinClrLst/>
+    <dgm:txFillClrLst/>
+    <dgm:txEffectClrLst/>
+  </dgm:styleLbl>
+  <dgm:styleLbl name="vennNode1">
+    <dgm:fillClrLst meth="repeat">
+      <a:schemeClr val="accent1">
+        <a:alpha val="50000"/>
+      </a:schemeClr>
+    </dgm:fillClrLst>
+    <dgm:linClrLst meth="repeat">
+      <a:schemeClr val="lt1"/>
+    </dgm:linClrLst>
+    <dgm:effectClrLst/>
+    <dgm:txLinClrLst/>
+    <dgm:txFillClrLst/>
+    <dgm:txEffectClrLst/>
+  </dgm:styleLbl>
+  <dgm:styleLbl name="node2">
+    <dgm:fillClrLst meth="repeat">
+      <a:schemeClr val="accent1"/>
+    </dgm:fillClrLst>
+    <dgm:linClrLst meth="repeat">
+      <a:schemeClr val="lt1"/>
+    </dgm:linClrLst>
+    <dgm:effectClrLst/>
+    <dgm:txLinClrLst/>
+    <dgm:txFillClrLst/>
+    <dgm:txEffectClrLst/>
+  </dgm:styleLbl>
+  <dgm:styleLbl name="node3">
+    <dgm:fillClrLst meth="repeat">
+      <a:schemeClr val="accent1"/>
+    </dgm:fillClrLst>
+    <dgm:linClrLst meth="repeat">
+      <a:schemeClr val="lt1"/>
+    </dgm:linClrLst>
+    <dgm:effectClrLst/>
+    <dgm:txLinClrLst/>
+    <dgm:txFillClrLst/>
+    <dgm:txEffectClrLst/>
+  </dgm:styleLbl>
+  <dgm:styleLbl name="node4">
+    <dgm:fillClrLst meth="repeat">
+      <a:schemeClr val="accent1"/>
+    </dgm:fillClrLst>
+    <dgm:linClrLst meth="repeat">
+      <a:schemeClr val="lt1"/>
+    </dgm:linClrLst>
+    <dgm:effectClrLst/>
+    <dgm:txLinClrLst/>
+    <dgm:txFillClrLst/>
+    <dgm:txEffectClrLst/>
+  </dgm:styleLbl>
+  <dgm:styleLbl name="fgImgPlace1">
+    <dgm:fillClrLst meth="repeat">
+      <a:schemeClr val="accent1">
+        <a:tint val="50000"/>
+      </a:schemeClr>
+    </dgm:fillClrLst>
+    <dgm:linClrLst meth="repeat">
+      <a:schemeClr val="lt1"/>
+    </dgm:linClrLst>
+    <dgm:effectClrLst/>
+    <dgm:txLinClrLst/>
+    <dgm:txFillClrLst meth="repeat">
+      <a:schemeClr val="lt1"/>
+    </dgm:txFillClrLst>
+    <dgm:txEffectClrLst/>
+  </dgm:styleLbl>
+  <dgm:styleLbl name="alignImgPlace1">
+    <dgm:fillClrLst meth="repeat">
+      <a:schemeClr val="accent1">
+        <a:tint val="50000"/>
+      </a:schemeClr>
+    </dgm:fillClrLst>
+    <dgm:linClrLst meth="repeat">
+      <a:schemeClr val="lt1"/>
+    </dgm:linClrLst>
+    <dgm:effectClrLst/>
+    <dgm:txLinClrLst/>
+    <dgm:txFillClrLst meth="repeat">
+      <a:schemeClr val="lt1"/>
+    </dgm:txFillClrLst>
+    <dgm:txEffectClrLst/>
+  </dgm:styleLbl>
+  <dgm:styleLbl name="bgImgPlace1">
+    <dgm:fillClrLst meth="repeat">
+      <a:schemeClr val="accent1">
+        <a:tint val="50000"/>
+      </a:schemeClr>
+    </dgm:fillClrLst>
+    <dgm:linClrLst meth="repeat">
+      <a:schemeClr val="lt1"/>
+    </dgm:linClrLst>
+    <dgm:effectClrLst/>
+    <dgm:txLinClrLst/>
+    <dgm:txFillClrLst meth="repeat">
+      <a:schemeClr val="lt1"/>
+    </dgm:txFillClrLst>
+    <dgm:txEffectClrLst/>
+  </dgm:styleLbl>
+  <dgm:styleLbl name="sibTrans2D1">
+    <dgm:fillClrLst meth="repeat">
+      <a:schemeClr val="accent1">
+        <a:tint val="60000"/>
+      </a:schemeClr>
+    </dgm:fillClrLst>
+    <dgm:linClrLst meth="repeat">
+      <a:schemeClr val="accent1">
+        <a:tint val="60000"/>
+      </a:schemeClr>
+    </dgm:linClrLst>
+    <dgm:effectClrLst/>
+    <dgm:txLinClrLst/>
+    <dgm:txFillClrLst/>
+    <dgm:txEffectClrLst/>
+  </dgm:styleLbl>
+  <dgm:styleLbl name="fgSibTrans2D1">
+    <dgm:fillClrLst meth="repeat">
+      <a:schemeClr val="accent1">
+        <a:tint val="60000"/>
+      </a:schemeClr>
+    </dgm:fillClrLst>
+    <dgm:linClrLst meth="repeat">
+      <a:schemeClr val="accent1">
+        <a:tint val="60000"/>
+      </a:schemeClr>
+    </dgm:linClrLst>
+    <dgm:effectClrLst/>
+    <dgm:txLinClrLst/>
+    <dgm:txFillClrLst/>
+    <dgm:txEffectClrLst/>
+  </dgm:styleLbl>
+  <dgm:styleLbl name="bgSibTrans2D1">
+    <dgm:fillClrLst meth="repeat">
+      <a:schemeClr val="accent1">
+        <a:tint val="60000"/>
+      </a:schemeClr>
+    </dgm:fillClrLst>
+    <dgm:linClrLst meth="repeat">
+      <a:schemeClr val="accent1">
+        <a:tint val="60000"/>
+      </a:schemeClr>
+    </dgm:linClrLst>
+    <dgm:effectClrLst/>
+    <dgm:txLinClrLst/>
+    <dgm:txFillClrLst/>
+    <dgm:txEffectClrLst/>
+  </dgm:styleLbl>
+  <dgm:styleLbl name="sibTrans1D1">
+    <dgm:fillClrLst meth="repeat">
+      <a:schemeClr val="accent1"/>
+    </dgm:fillClrLst>
+    <dgm:linClrLst meth="repeat">
+      <a:schemeClr val="accent1"/>
+    </dgm:linClrLst>
+    <dgm:effectClrLst/>
+    <dgm:txLinClrLst/>
+    <dgm:txFillClrLst meth="repeat">
+      <a:schemeClr val="tx1"/>
+    </dgm:txFillClrLst>
+    <dgm:txEffectClrLst/>
+  </dgm:styleLbl>
+  <dgm:styleLbl name="callout">
+    <dgm:fillClrLst meth="repeat">
+      <a:schemeClr val="accent1"/>
+    </dgm:fillClrLst>
+    <dgm:linClrLst meth="repeat">
+      <a:schemeClr val="accent1">
+        <a:tint val="50000"/>
+      </a:schemeClr>
+    </dgm:linClrLst>
+    <dgm:effectClrLst/>
+    <dgm:txLinClrLst/>
+    <dgm:txFillClrLst meth="repeat">
+      <a:schemeClr val="tx1"/>
+    </dgm:txFillClrLst>
+    <dgm:txEffectClrLst/>
+  </dgm:styleLbl>
+  <dgm:styleLbl name="asst0">
+    <dgm:fillClrLst meth="repeat">
+      <a:schemeClr val="accent1"/>
+    </dgm:fillClrLst>
+    <dgm:linClrLst meth="repeat">
+      <a:schemeClr val="lt1"/>
+    </dgm:linClrLst>
+    <dgm:effectClrLst/>
+    <dgm:txLinClrLst/>
+    <dgm:txFillClrLst/>
+    <dgm:txEffectClrLst/>
+  </dgm:styleLbl>
+  <dgm:styleLbl name="asst1">
+    <dgm:fillClrLst meth="repeat">
+      <a:schemeClr val="accent1"/>
+    </dgm:fillClrLst>
+    <dgm:linClrLst meth="repeat">
+      <a:schemeClr val="lt1"/>
+    </dgm:linClrLst>
+    <dgm:effectClrLst/>
+    <dgm:txLinClrLst/>
+    <dgm:txFillClrLst/>
+    <dgm:txEffectClrLst/>
+  </dgm:styleLbl>
+  <dgm:styleLbl name="asst2">
+    <dgm:fillClrLst meth="repeat">
+      <a:schemeClr val="accent1"/>
+    </dgm:fillClrLst>
+    <dgm:linClrLst meth="repeat">
+      <a:schemeClr val="lt1"/>
+    </dgm:linClrLst>
+    <dgm:effectClrLst/>
+    <dgm:txLinClrLst/>
+    <dgm:txFillClrLst/>
+    <dgm:txEffectClrLst/>
+  </dgm:styleLbl>
+  <dgm:styleLbl name="asst3">
+    <dgm:fillClrLst meth="repeat">
+      <a:schemeClr val="accent1"/>
+    </dgm:fillClrLst>
+    <dgm:linClrLst meth="repeat">
+      <a:schemeClr val="lt1"/>
+    </dgm:linClrLst>
+    <dgm:effectClrLst/>
+    <dgm:txLinClrLst/>
+    <dgm:txFillClrLst/>
+    <dgm:txEffectClrLst/>
+  </dgm:styleLbl>
+  <dgm:styleLbl name="asst4">
+    <dgm:fillClrLst meth="repeat">
+      <a:schemeClr val="accent1"/>
+    </dgm:fillClrLst>
+    <dgm:linClrLst meth="repeat">
+      <a:schemeClr val="lt1"/>
+    </dgm:linClrLst>
+    <dgm:effectClrLst/>
+    <dgm:txLinClrLst/>
+    <dgm:txFillClrLst/>
+    <dgm:txEffectClrLst/>
+  </dgm:styleLbl>
+  <dgm:styleLbl name="parChTrans2D1">
+    <dgm:fillClrLst meth="repeat">
+      <a:schemeClr val="accent1">
+        <a:tint val="60000"/>
+      </a:schemeClr>
+    </dgm:fillClrLst>
+    <dgm:linClrLst meth="repeat">
+      <a:schemeClr val="accent1">
+        <a:tint val="60000"/>
+      </a:schemeClr>
+    </dgm:linClrLst>
+    <dgm:effectClrLst/>
+    <dgm:txLinClrLst/>
+    <dgm:txFillClrLst meth="repeat">
+      <a:schemeClr val="lt1"/>
+    </dgm:txFillClrLst>
+    <dgm:txEffectClrLst/>
+  </dgm:styleLbl>
+  <dgm:styleLbl name="parChTrans2D2">
+    <dgm:fillClrLst meth="repeat">
+      <a:schemeClr val="accent1"/>
+    </dgm:fillClrLst>
+    <dgm:linClrLst meth="repeat">
+      <a:schemeClr val="accent1"/>
+    </dgm:linClrLst>
+    <dgm:effectClrLst/>
+    <dgm:txLinClrLst/>
+    <dgm:txFillClrLst meth="repeat">
+      <a:schemeClr val="lt1"/>
+    </dgm:txFillClrLst>
+    <dgm:txEffectClrLst/>
+  </dgm:styleLbl>
+  <dgm:styleLbl name="parChTrans2D3">
+    <dgm:fillClrLst meth="repeat">
+      <a:schemeClr val="accent1"/>
+    </dgm:fillClrLst>
+    <dgm:linClrLst meth="repeat">
+      <a:schemeClr val="accent1"/>
+    </dgm:linClrLst>
+    <dgm:effectClrLst/>
+    <dgm:txLinClrLst/>
+    <dgm:txFillClrLst meth="repeat">
+      <a:schemeClr val="lt1"/>
+    </dgm:txFillClrLst>
+    <dgm:txEffectClrLst/>
+  </dgm:styleLbl>
+  <dgm:styleLbl name="parChTrans2D4">
+    <dgm:fillClrLst meth="repeat">
+      <a:schemeClr val="accent1"/>
+    </dgm:fillClrLst>
+    <dgm:linClrLst meth="repeat">
+      <a:schemeClr val="accent1"/>
+    </dgm:linClrLst>
+    <dgm:effectClrLst/>
+    <dgm:txLinClrLst/>
+    <dgm:txFillClrLst meth="repeat">
+      <a:schemeClr val="lt1"/>
+    </dgm:txFillClrLst>
+    <dgm:txEffectClrLst/>
+  </dgm:styleLbl>
+  <dgm:styleLbl name="parChTrans1D1">
+    <dgm:fillClrLst meth="repeat">
+      <a:schemeClr val="accent1"/>
+    </dgm:fillClrLst>
+    <dgm:linClrLst meth="repeat">
+      <a:schemeClr val="accent1">
+        <a:shade val="60000"/>
+      </a:schemeClr>
+    </dgm:linClrLst>
+    <dgm:effectClrLst/>
+    <dgm:txLinClrLst/>
+    <dgm:txFillClrLst meth="repeat">
+      <a:schemeClr val="tx1"/>
+    </dgm:txFillClrLst>
+    <dgm:txEffectClrLst/>
+  </dgm:styleLbl>
+  <dgm:styleLbl name="parChTrans1D2">
+    <dgm:fillClrLst meth="repeat">
+      <a:schemeClr val="accent1"/>
+    </dgm:fillClrLst>
+    <dgm:linClrLst meth="repeat">
+      <a:schemeClr val="accent1">
+        <a:shade val="60000"/>
+      </a:schemeClr>
+    </dgm:linClrLst>
+    <dgm:effectClrLst/>
+    <dgm:txLinClrLst/>
+    <dgm:txFillClrLst meth="repeat">
+      <a:schemeClr val="tx1"/>
+    </dgm:txFillClrLst>
+    <dgm:txEffectClrLst/>
+  </dgm:styleLbl>
+  <dgm:styleLbl name="parChTrans1D3">
+    <dgm:fillClrLst meth="repeat">
+      <a:schemeClr val="accent1"/>
+    </dgm:fillClrLst>
+    <dgm:linClrLst meth="repeat">
+      <a:schemeClr val="accent1">
+        <a:shade val="80000"/>
+      </a:schemeClr>
+    </dgm:linClrLst>
+    <dgm:effectClrLst/>
+    <dgm:txLinClrLst/>
+    <dgm:txFillClrLst meth="repeat">
+      <a:schemeClr val="tx1"/>
+    </dgm:txFillClrLst>
+    <dgm:txEffectClrLst/>
+  </dgm:styleLbl>
+  <dgm:styleLbl name="parChTrans1D4">
+    <dgm:fillClrLst meth="repeat">
+      <a:schemeClr val="accent1"/>
+    </dgm:fillClrLst>
+    <dgm:linClrLst meth="repeat">
+      <a:schemeClr val="accent1">
+        <a:shade val="80000"/>
+      </a:schemeClr>
+    </dgm:linClrLst>
+    <dgm:effectClrLst/>
+    <dgm:txLinClrLst/>
+    <dgm:txFillClrLst meth="repeat">
+      <a:schemeClr val="tx1"/>
+    </dgm:txFillClrLst>
+    <dgm:txEffectClrLst/>
+  </dgm:styleLbl>
+  <dgm:styleLbl name="fgAcc1">
+    <dgm:fillClrLst meth="repeat">
+      <a:schemeClr val="lt1">
+        <a:alpha val="90000"/>
+      </a:schemeClr>
+    </dgm:fillClrLst>
+    <dgm:linClrLst meth="repeat">
+      <a:schemeClr val="accent1"/>
+    </dgm:linClrLst>
+    <dgm:effectClrLst/>
+    <dgm:txLinClrLst/>
+    <dgm:txFillClrLst meth="repeat">
+      <a:schemeClr val="dk1"/>
+    </dgm:txFillClrLst>
+    <dgm:txEffectClrLst/>
+  </dgm:styleLbl>
+  <dgm:styleLbl name="conFgAcc1">
+    <dgm:fillClrLst meth="repeat">
+      <a:schemeClr val="lt1">
+        <a:alpha val="90000"/>
+      </a:schemeClr>
+    </dgm:fillClrLst>
+    <dgm:linClrLst meth="repeat">
+      <a:schemeClr val="accent1"/>
+    </dgm:linClrLst>
+    <dgm:effectClrLst/>
+    <dgm:txLinClrLst/>
+    <dgm:txFillClrLst meth="repeat">
+      <a:schemeClr val="dk1"/>
+    </dgm:txFillClrLst>
+    <dgm:txEffectClrLst/>
+  </dgm:styleLbl>
+  <dgm:styleLbl name="alignAcc1">
+    <dgm:fillClrLst meth="repeat">
+      <a:schemeClr val="lt1">
+        <a:alpha val="90000"/>
+      </a:schemeClr>
+    </dgm:fillClrLst>
+    <dgm:linClrLst meth="repeat">
+      <a:schemeClr val="accent1"/>
+    </dgm:linClrLst>
+    <dgm:effectClrLst/>
+    <dgm:txLinClrLst/>
+    <dgm:txFillClrLst meth="repeat">
+      <a:schemeClr val="dk1"/>
+    </dgm:txFillClrLst>
+    <dgm:txEffectClrLst/>
+  </dgm:styleLbl>
+  <dgm:styleLbl name="trAlignAcc1">
+    <dgm:fillClrLst meth="repeat">
+      <a:schemeClr val="lt1">
+        <a:alpha val="40000"/>
+      </a:schemeClr>
+    </dgm:fillClrLst>
+    <dgm:linClrLst meth="repeat">
+      <a:schemeClr val="accent1"/>
+    </dgm:linClrLst>
+    <dgm:effectClrLst/>
+    <dgm:txLinClrLst/>
+    <dgm:txFillClrLst meth="repeat">
+      <a:schemeClr val="dk1"/>
+    </dgm:txFillClrLst>
+    <dgm:txEffectClrLst/>
+  </dgm:styleLbl>
+  <dgm:styleLbl name="bgAcc1">
+    <dgm:fillClrLst meth="repeat">
+      <a:schemeClr val="lt1">
+        <a:alpha val="90000"/>
+      </a:schemeClr>
+    </dgm:fillClrLst>
+    <dgm:linClrLst meth="repeat">
+      <a:schemeClr val="accent1"/>
+    </dgm:linClrLst>
+    <dgm:effectClrLst/>
+    <dgm:txLinClrLst/>
+    <dgm:txFillClrLst meth="repeat">
+      <a:schemeClr val="dk1"/>
+    </dgm:txFillClrLst>
+    <dgm:txEffectClrLst/>
+  </dgm:styleLbl>
+  <dgm:styleLbl name="solidFgAcc1">
+    <dgm:fillClrLst meth="repeat">
+      <a:schemeClr val="lt1"/>
+    </dgm:fillClrLst>
+    <dgm:linClrLst meth="repeat">
+      <a:schemeClr val="accent1"/>
+    </dgm:linClrLst>
+    <dgm:effectClrLst/>
+    <dgm:txLinClrLst/>
+    <dgm:txFillClrLst meth="repeat">
+      <a:schemeClr val="dk1"/>
+    </dgm:txFillClrLst>
+    <dgm:txEffectClrLst/>
+  </dgm:styleLbl>
+  <dgm:styleLbl name="solidAlignAcc1">
+    <dgm:fillClrLst meth="repeat">
+      <a:schemeClr val="lt1"/>
+    </dgm:fillClrLst>
+    <dgm:linClrLst meth="repeat">
+      <a:schemeClr val="accent1"/>
+    </dgm:linClrLst>
+    <dgm:effectClrLst/>
+    <dgm:txLinClrLst/>
+    <dgm:txFillClrLst meth="repeat">
+      <a:schemeClr val="dk1"/>
+    </dgm:txFillClrLst>
+    <dgm:txEffectClrLst/>
+  </dgm:styleLbl>
+  <dgm:styleLbl name="solidBgAcc1">
+    <dgm:fillClrLst meth="repeat">
+      <a:schemeClr val="lt1"/>
+    </dgm:fillClrLst>
+    <dgm:linClrLst meth="repeat">
+      <a:schemeClr val="accent1"/>
+    </dgm:linClrLst>
+    <dgm:effectClrLst/>
+    <dgm:txLinClrLst/>
+    <dgm:txFillClrLst meth="repeat">
+      <a:schemeClr val="dk1"/>
+    </dgm:txFillClrLst>
+    <dgm:txEffectClrLst/>
+  </dgm:styleLbl>
+  <dgm:styleLbl name="fgAccFollowNode1">
+    <dgm:fillClrLst meth="repeat">
+      <a:schemeClr val="accent1">
+        <a:alpha val="90000"/>
+        <a:tint val="40000"/>
+      </a:schemeClr>
+    </dgm:fillClrLst>
+    <dgm:linClrLst meth="repeat">
+      <a:schemeClr val="accent1">
+        <a:alpha val="90000"/>
+        <a:tint val="40000"/>
+      </a:schemeClr>
+    </dgm:linClrLst>
+    <dgm:effectClrLst/>
+    <dgm:txLinClrLst/>
+    <dgm:txFillClrLst meth="repeat">
+      <a:schemeClr val="dk1"/>
+    </dgm:txFillClrLst>
+    <dgm:txEffectClrLst/>
+  </dgm:styleLbl>
+  <dgm:styleLbl name="alignAccFollowNode1">
+    <dgm:fillClrLst meth="repeat">
+      <a:schemeClr val="accent1">
+        <a:alpha val="90000"/>
+        <a:tint val="40000"/>
+      </a:schemeClr>
+    </dgm:fillClrLst>
+    <dgm:linClrLst meth="repeat">
+      <a:schemeClr val="accent1">
+        <a:alpha val="90000"/>
+        <a:tint val="40000"/>
+      </a:schemeClr>
+    </dgm:linClrLst>
+    <dgm:effectClrLst/>
+    <dgm:txLinClrLst/>
+    <dgm:txFillClrLst meth="repeat">
+      <a:schemeClr val="dk1"/>
+    </dgm:txFillClrLst>
+    <dgm:txEffectClrLst/>
+  </dgm:styleLbl>
+  <dgm:styleLbl name="bgAccFollowNode1">
+    <dgm:fillClrLst meth="repeat">
+      <a:schemeClr val="accent1">
+        <a:alpha val="90000"/>
+        <a:tint val="40000"/>
+      </a:schemeClr>
+    </dgm:fillClrLst>
+    <dgm:linClrLst meth="repeat">
+      <a:schemeClr val="accent1">
+        <a:alpha val="90000"/>
+        <a:tint val="40000"/>
+      </a:schemeClr>
+    </dgm:linClrLst>
+    <dgm:effectClrLst/>
+    <dgm:txLinClrLst/>
+    <dgm:txFillClrLst meth="repeat">
+      <a:schemeClr val="dk1"/>
+    </dgm:txFillClrLst>
+    <dgm:txEffectClrLst/>
+  </dgm:styleLbl>
+  <dgm:styleLbl name="fgAcc0">
+    <dgm:fillClrLst meth="repeat">
+      <a:schemeClr val="lt1">
+        <a:alpha val="90000"/>
+      </a:schemeClr>
+    </dgm:fillClrLst>
+    <dgm:linClrLst meth="repeat">
+      <a:schemeClr val="accent1"/>
+    </dgm:linClrLst>
+    <dgm:effectClrLst/>
+    <dgm:txLinClrLst/>
+    <dgm:txFillClrLst meth="repeat">
+      <a:schemeClr val="dk1"/>
+    </dgm:txFillClrLst>
+    <dgm:txEffectClrLst/>
+  </dgm:styleLbl>
+  <dgm:styleLbl name="fgAcc2">
+    <dgm:fillClrLst meth="repeat">
+      <a:schemeClr val="lt1">
+        <a:alpha val="90000"/>
+      </a:schemeClr>
+    </dgm:fillClrLst>
+    <dgm:linClrLst meth="repeat">
+      <a:schemeClr val="accent1"/>
+    </dgm:linClrLst>
+    <dgm:effectClrLst/>
+    <dgm:txLinClrLst/>
+    <dgm:txFillClrLst meth="repeat">
+      <a:schemeClr val="dk1"/>
+    </dgm:txFillClrLst>
+    <dgm:txEffectClrLst/>
+  </dgm:styleLbl>
+  <dgm:styleLbl name="fgAcc3">
+    <dgm:fillClrLst meth="repeat">
+      <a:schemeClr val="lt1">
+        <a:alpha val="90000"/>
+      </a:schemeClr>
+    </dgm:fillClrLst>
+    <dgm:linClrLst meth="repeat">
+      <a:schemeClr val="accent1"/>
+    </dgm:linClrLst>
+    <dgm:effectClrLst/>
+    <dgm:txLinClrLst/>
+    <dgm:txFillClrLst meth="repeat">
+      <a:schemeClr val="dk1"/>
+    </dgm:txFillClrLst>
+    <dgm:txEffectClrLst/>
+  </dgm:styleLbl>
+  <dgm:styleLbl name="fgAcc4">
+    <dgm:fillClrLst meth="repeat">
+      <a:schemeClr val="lt1">
+        <a:alpha val="90000"/>
+      </a:schemeClr>
+    </dgm:fillClrLst>
+    <dgm:linClrLst meth="repeat">
+      <a:schemeClr val="accent1"/>
+    </dgm:linClrLst>
+    <dgm:effectClrLst/>
+    <dgm:txLinClrLst/>
+    <dgm:txFillClrLst meth="repeat">
+      <a:schemeClr val="dk1"/>
+    </dgm:txFillClrLst>
+    <dgm:txEffectClrLst/>
+  </dgm:styleLbl>
+  <dgm:styleLbl name="bgShp">
+    <dgm:fillClrLst meth="repeat">
+      <a:schemeClr val="accent1">
+        <a:tint val="40000"/>
+      </a:schemeClr>
+    </dgm:fillClrLst>
+    <dgm:linClrLst meth="repeat">
+      <a:schemeClr val="accent1"/>
+    </dgm:linClrLst>
+    <dgm:effectClrLst/>
+    <dgm:txLinClrLst/>
+    <dgm:txFillClrLst meth="repeat">
+      <a:schemeClr val="dk1"/>
+    </dgm:txFillClrLst>
+    <dgm:txEffectClrLst/>
+  </dgm:styleLbl>
+  <dgm:styleLbl name="dkBgShp">
+    <dgm:fillClrLst meth="repeat">
+      <a:schemeClr val="accent1">
+        <a:shade val="80000"/>
+      </a:schemeClr>
+    </dgm:fillClrLst>
+    <dgm:linClrLst meth="repeat">
+      <a:schemeClr val="accent1"/>
+    </dgm:linClrLst>
+    <dgm:effectClrLst/>
+    <dgm:txLinClrLst/>
+    <dgm:txFillClrLst meth="repeat">
+      <a:schemeClr val="lt1"/>
+    </dgm:txFillClrLst>
+    <dgm:txEffectClrLst/>
+  </dgm:styleLbl>
+  <dgm:styleLbl name="trBgShp">
+    <dgm:fillClrLst meth="repeat">
+      <a:schemeClr val="accent1">
+        <a:tint val="50000"/>
+        <a:alpha val="40000"/>
+      </a:schemeClr>
+    </dgm:fillClrLst>
+    <dgm:linClrLst meth="repeat">
+      <a:schemeClr val="accent1"/>
+    </dgm:linClrLst>
+    <dgm:effectClrLst/>
+    <dgm:txLinClrLst/>
+    <dgm:txFillClrLst meth="repeat">
+      <a:schemeClr val="lt1"/>
+    </dgm:txFillClrLst>
+    <dgm:txEffectClrLst/>
+  </dgm:styleLbl>
+  <dgm:styleLbl name="fgShp">
+    <dgm:fillClrLst meth="repeat">
+      <a:schemeClr val="accent1">
+        <a:tint val="60000"/>
+      </a:schemeClr>
+    </dgm:fillClrLst>
+    <dgm:linClrLst meth="repeat">
+      <a:schemeClr val="lt1"/>
+    </dgm:linClrLst>
+    <dgm:effectClrLst/>
+    <dgm:txLinClrLst/>
+    <dgm:txFillClrLst meth="repeat">
+      <a:schemeClr val="dk1"/>
+    </dgm:txFillClrLst>
+    <dgm:txEffectClrLst/>
+  </dgm:styleLbl>
+  <dgm:styleLbl name="revTx">
+    <dgm:fillClrLst meth="repeat">
+      <a:schemeClr val="lt1">
+        <a:alpha val="0"/>
+      </a:schemeClr>
+    </dgm:fillClrLst>
+    <dgm:linClrLst meth="repeat">
+      <a:schemeClr val="dk1">
+        <a:alpha val="0"/>
+      </a:schemeClr>
+    </dgm:linClrLst>
+    <dgm:effectClrLst/>
+    <dgm:txLinClrLst/>
+    <dgm:txFillClrLst meth="repeat">
+      <a:schemeClr val="tx1"/>
+    </dgm:txFillClrLst>
+    <dgm:txEffectClrLst/>
+  </dgm:styleLbl>
+</dgm:colorsDef>
+</file>
+
+<file path=ppt/diagrams/data1.xml><?xml version="1.0" encoding="utf-8"?>
+<dgm:dataModel xmlns:dgm="http://schemas.openxmlformats.org/drawingml/2006/diagram" xmlns:a="http://schemas.openxmlformats.org/drawingml/2006/main">
+  <dgm:ptLst>
+    <dgm:pt modelId="{D3B33861-0D0F-4C44-9304-62A4319FB8BE}" type="doc">
+      <dgm:prSet loTypeId="urn:microsoft.com/office/officeart/2005/8/layout/hList1" loCatId="list" qsTypeId="urn:microsoft.com/office/officeart/2005/8/quickstyle/simple2" qsCatId="simple" csTypeId="urn:microsoft.com/office/officeart/2005/8/colors/accent3_2" csCatId="accent3"/>
+      <dgm:spPr/>
+      <dgm:t>
+        <a:bodyPr/>
+        <a:lstStyle/>
+        <a:p>
+          <a:endParaRPr lang="en-US"/>
+        </a:p>
+      </dgm:t>
+    </dgm:pt>
+    <dgm:pt modelId="{D66EE57A-13F8-4585-BB1A-B4F0B09EEFFF}">
+      <dgm:prSet/>
+      <dgm:spPr/>
+      <dgm:t>
+        <a:bodyPr/>
+        <a:lstStyle/>
+        <a:p>
+          <a:r>
+            <a:rPr lang="en-US" b="0" i="0"/>
+            <a:t>The Importance of Training the Human</a:t>
+          </a:r>
+          <a:endParaRPr lang="en-US"/>
+        </a:p>
+      </dgm:t>
+    </dgm:pt>
+    <dgm:pt modelId="{3F5C796B-E544-46CB-B296-FC721B96FB04}" type="parTrans" cxnId="{4F90C632-B01E-41B5-8836-AC384F928E57}">
+      <dgm:prSet/>
+      <dgm:spPr/>
+      <dgm:t>
+        <a:bodyPr/>
+        <a:lstStyle/>
+        <a:p>
+          <a:endParaRPr lang="en-US"/>
+        </a:p>
+      </dgm:t>
+    </dgm:pt>
+    <dgm:pt modelId="{02BB7F33-7C17-4F45-B217-79AC030FAA63}" type="sibTrans" cxnId="{4F90C632-B01E-41B5-8836-AC384F928E57}">
+      <dgm:prSet/>
+      <dgm:spPr/>
+      <dgm:t>
+        <a:bodyPr/>
+        <a:lstStyle/>
+        <a:p>
+          <a:endParaRPr lang="en-US"/>
+        </a:p>
+      </dgm:t>
+    </dgm:pt>
+    <dgm:pt modelId="{3F66F250-ADF8-445F-8421-D5F9CC78D264}">
+      <dgm:prSet/>
+      <dgm:spPr/>
+      <dgm:t>
+        <a:bodyPr/>
+        <a:lstStyle/>
+        <a:p>
+          <a:r>
+            <a:rPr lang="en-US" b="0" i="0"/>
+            <a:t>Phishing preventive strategies include technical tools and non-technical skills relevant to the human behave. Technical tools do not have a perfect success rate, facilitating the need to reinforce the human as well with training (Jampen et al., 2020). </a:t>
+          </a:r>
+          <a:endParaRPr lang="en-US"/>
+        </a:p>
+      </dgm:t>
+    </dgm:pt>
+    <dgm:pt modelId="{051C110D-4061-4CE4-9181-6779FEEF3D9E}" type="parTrans" cxnId="{1AAA6366-FB28-4337-AB0A-00F081A6DBBB}">
+      <dgm:prSet/>
+      <dgm:spPr/>
+      <dgm:t>
+        <a:bodyPr/>
+        <a:lstStyle/>
+        <a:p>
+          <a:endParaRPr lang="en-US"/>
+        </a:p>
+      </dgm:t>
+    </dgm:pt>
+    <dgm:pt modelId="{A6F03F95-BCF4-4023-9514-14AFD28875D8}" type="sibTrans" cxnId="{1AAA6366-FB28-4337-AB0A-00F081A6DBBB}">
+      <dgm:prSet/>
+      <dgm:spPr/>
+      <dgm:t>
+        <a:bodyPr/>
+        <a:lstStyle/>
+        <a:p>
+          <a:endParaRPr lang="en-US"/>
+        </a:p>
+      </dgm:t>
+    </dgm:pt>
+    <dgm:pt modelId="{1CBFEB22-BD14-4C1C-8E1A-CAA027258FD9}">
+      <dgm:prSet/>
+      <dgm:spPr/>
+      <dgm:t>
+        <a:bodyPr/>
+        <a:lstStyle/>
+        <a:p>
+          <a:r>
+            <a:rPr lang="en-US" b="0" i="0"/>
+            <a:t>Perceived Usefulness of Phishing Training</a:t>
+          </a:r>
+          <a:endParaRPr lang="en-US"/>
+        </a:p>
+      </dgm:t>
+    </dgm:pt>
+    <dgm:pt modelId="{EEDC58E8-D0D2-4511-B5A7-F45ED7FC8DFC}" type="parTrans" cxnId="{8DBB5B9F-6963-4DEA-8ADA-067EC7EE793E}">
+      <dgm:prSet/>
+      <dgm:spPr/>
+      <dgm:t>
+        <a:bodyPr/>
+        <a:lstStyle/>
+        <a:p>
+          <a:endParaRPr lang="en-US"/>
+        </a:p>
+      </dgm:t>
+    </dgm:pt>
+    <dgm:pt modelId="{017DD37E-53D2-4FD5-AD30-FDEA73818082}" type="sibTrans" cxnId="{8DBB5B9F-6963-4DEA-8ADA-067EC7EE793E}">
+      <dgm:prSet/>
+      <dgm:spPr/>
+      <dgm:t>
+        <a:bodyPr/>
+        <a:lstStyle/>
+        <a:p>
+          <a:endParaRPr lang="en-US"/>
+        </a:p>
+      </dgm:t>
+    </dgm:pt>
+    <dgm:pt modelId="{6BD864BE-CD02-4D75-8898-D6AE5677C3CF}">
+      <dgm:prSet/>
+      <dgm:spPr/>
+      <dgm:t>
+        <a:bodyPr/>
+        <a:lstStyle/>
+        <a:p>
+          <a:r>
+            <a:rPr lang="en-US" b="0" i="0"/>
+            <a:t>Participants that placed little trust in the usefulness of their phishing detection tools and instead relied on intuition noticeably fell for significantly more phishing attempts (Abbasi et al., 2016). </a:t>
+          </a:r>
+          <a:endParaRPr lang="en-US"/>
+        </a:p>
+      </dgm:t>
+    </dgm:pt>
+    <dgm:pt modelId="{BE64F208-3A89-46F9-B7B8-290DEC174A1A}" type="parTrans" cxnId="{A7DDAAE9-5853-4203-AA31-60A3F9BFD810}">
+      <dgm:prSet/>
+      <dgm:spPr/>
+      <dgm:t>
+        <a:bodyPr/>
+        <a:lstStyle/>
+        <a:p>
+          <a:endParaRPr lang="en-US"/>
+        </a:p>
+      </dgm:t>
+    </dgm:pt>
+    <dgm:pt modelId="{805D802F-9847-4EA2-BAA8-A8FCD597D38F}" type="sibTrans" cxnId="{A7DDAAE9-5853-4203-AA31-60A3F9BFD810}">
+      <dgm:prSet/>
+      <dgm:spPr/>
+      <dgm:t>
+        <a:bodyPr/>
+        <a:lstStyle/>
+        <a:p>
+          <a:endParaRPr lang="en-US"/>
+        </a:p>
+      </dgm:t>
+    </dgm:pt>
+    <dgm:pt modelId="{B217FD64-68AB-4919-8B58-990226C7AD4E}">
+      <dgm:prSet/>
+      <dgm:spPr/>
+      <dgm:t>
+        <a:bodyPr/>
+        <a:lstStyle/>
+        <a:p>
+          <a:r>
+            <a:rPr lang="en-US" b="0" i="0"/>
+            <a:t>Perceived Ease of Use of Phishing Training</a:t>
+          </a:r>
+          <a:endParaRPr lang="en-US"/>
+        </a:p>
+      </dgm:t>
+    </dgm:pt>
+    <dgm:pt modelId="{B1883EAE-FE88-400F-BFE3-2802979F7630}" type="parTrans" cxnId="{565E829A-F8E5-40EC-8D40-90EC5D6613DF}">
+      <dgm:prSet/>
+      <dgm:spPr/>
+      <dgm:t>
+        <a:bodyPr/>
+        <a:lstStyle/>
+        <a:p>
+          <a:endParaRPr lang="en-US"/>
+        </a:p>
+      </dgm:t>
+    </dgm:pt>
+    <dgm:pt modelId="{0BDFF984-7B0A-47BD-B014-743EFB8F57D6}" type="sibTrans" cxnId="{565E829A-F8E5-40EC-8D40-90EC5D6613DF}">
+      <dgm:prSet/>
+      <dgm:spPr/>
+      <dgm:t>
+        <a:bodyPr/>
+        <a:lstStyle/>
+        <a:p>
+          <a:endParaRPr lang="en-US"/>
+        </a:p>
+      </dgm:t>
+    </dgm:pt>
+    <dgm:pt modelId="{668907C5-EE0A-4446-B045-7936609DB5EA}">
+      <dgm:prSet/>
+      <dgm:spPr/>
+      <dgm:t>
+        <a:bodyPr/>
+        <a:lstStyle/>
+        <a:p>
+          <a:r>
+            <a:rPr lang="en-US" b="0" i="0"/>
+            <a:t>Participants may develop improper cybersecurity habits, actively seek workarounds, or be prone to making more frequent errors from cyber fatigue in both directions of how they perceive difficulty and frequency (Reeves et al., 2021)</a:t>
+          </a:r>
+          <a:endParaRPr lang="en-US"/>
+        </a:p>
+      </dgm:t>
+    </dgm:pt>
+    <dgm:pt modelId="{94902118-AF24-4EEE-BECD-6DD12A675247}" type="parTrans" cxnId="{65816A21-91BB-4AAC-8DEB-B5F433357D13}">
+      <dgm:prSet/>
+      <dgm:spPr/>
+      <dgm:t>
+        <a:bodyPr/>
+        <a:lstStyle/>
+        <a:p>
+          <a:endParaRPr lang="en-US"/>
+        </a:p>
+      </dgm:t>
+    </dgm:pt>
+    <dgm:pt modelId="{2426D2E3-3FD6-416B-A7D0-D8D281F71DFE}" type="sibTrans" cxnId="{65816A21-91BB-4AAC-8DEB-B5F433357D13}">
+      <dgm:prSet/>
+      <dgm:spPr/>
+      <dgm:t>
+        <a:bodyPr/>
+        <a:lstStyle/>
+        <a:p>
+          <a:endParaRPr lang="en-US"/>
+        </a:p>
+      </dgm:t>
+    </dgm:pt>
+    <dgm:pt modelId="{CC410C1A-2633-4A8C-9E7F-F50FC06A6860}" type="pres">
+      <dgm:prSet presAssocID="{D3B33861-0D0F-4C44-9304-62A4319FB8BE}" presName="Name0" presStyleCnt="0">
+        <dgm:presLayoutVars>
+          <dgm:dir/>
+          <dgm:animLvl val="lvl"/>
+          <dgm:resizeHandles val="exact"/>
+        </dgm:presLayoutVars>
+      </dgm:prSet>
+      <dgm:spPr/>
+    </dgm:pt>
+    <dgm:pt modelId="{F540B134-E186-454B-A123-919E30CBF7A9}" type="pres">
+      <dgm:prSet presAssocID="{D66EE57A-13F8-4585-BB1A-B4F0B09EEFFF}" presName="composite" presStyleCnt="0"/>
+      <dgm:spPr/>
+    </dgm:pt>
+    <dgm:pt modelId="{BEC84A56-E362-4DFB-9938-53900EC23BBE}" type="pres">
+      <dgm:prSet presAssocID="{D66EE57A-13F8-4585-BB1A-B4F0B09EEFFF}" presName="parTx" presStyleLbl="alignNode1" presStyleIdx="0" presStyleCnt="3">
+        <dgm:presLayoutVars>
+          <dgm:chMax val="0"/>
+          <dgm:chPref val="0"/>
+          <dgm:bulletEnabled val="1"/>
+        </dgm:presLayoutVars>
+      </dgm:prSet>
+      <dgm:spPr/>
+    </dgm:pt>
+    <dgm:pt modelId="{DF5125E2-BC21-40E3-9B7E-67B340849CEF}" type="pres">
+      <dgm:prSet presAssocID="{D66EE57A-13F8-4585-BB1A-B4F0B09EEFFF}" presName="desTx" presStyleLbl="alignAccFollowNode1" presStyleIdx="0" presStyleCnt="3">
+        <dgm:presLayoutVars>
+          <dgm:bulletEnabled val="1"/>
+        </dgm:presLayoutVars>
+      </dgm:prSet>
+      <dgm:spPr/>
+    </dgm:pt>
+    <dgm:pt modelId="{B07FABF9-76E5-4AD5-9531-911CE48F01C6}" type="pres">
+      <dgm:prSet presAssocID="{02BB7F33-7C17-4F45-B217-79AC030FAA63}" presName="space" presStyleCnt="0"/>
+      <dgm:spPr/>
+    </dgm:pt>
+    <dgm:pt modelId="{6B295436-0F3D-4960-A515-C671F83A6A5C}" type="pres">
+      <dgm:prSet presAssocID="{1CBFEB22-BD14-4C1C-8E1A-CAA027258FD9}" presName="composite" presStyleCnt="0"/>
+      <dgm:spPr/>
+    </dgm:pt>
+    <dgm:pt modelId="{02A34C0D-A1B9-4643-939E-1B52D8116EB3}" type="pres">
+      <dgm:prSet presAssocID="{1CBFEB22-BD14-4C1C-8E1A-CAA027258FD9}" presName="parTx" presStyleLbl="alignNode1" presStyleIdx="1" presStyleCnt="3">
+        <dgm:presLayoutVars>
+          <dgm:chMax val="0"/>
+          <dgm:chPref val="0"/>
+          <dgm:bulletEnabled val="1"/>
+        </dgm:presLayoutVars>
+      </dgm:prSet>
+      <dgm:spPr/>
+    </dgm:pt>
+    <dgm:pt modelId="{07B0CB94-BB5B-48D1-A06E-E5D796B9E5FF}" type="pres">
+      <dgm:prSet presAssocID="{1CBFEB22-BD14-4C1C-8E1A-CAA027258FD9}" presName="desTx" presStyleLbl="alignAccFollowNode1" presStyleIdx="1" presStyleCnt="3">
+        <dgm:presLayoutVars>
+          <dgm:bulletEnabled val="1"/>
+        </dgm:presLayoutVars>
+      </dgm:prSet>
+      <dgm:spPr/>
+    </dgm:pt>
+    <dgm:pt modelId="{481566FD-5235-4A60-BF68-AAF0B35BC5D3}" type="pres">
+      <dgm:prSet presAssocID="{017DD37E-53D2-4FD5-AD30-FDEA73818082}" presName="space" presStyleCnt="0"/>
+      <dgm:spPr/>
+    </dgm:pt>
+    <dgm:pt modelId="{2375D2A3-BD83-4F68-9888-79DB9D37F096}" type="pres">
+      <dgm:prSet presAssocID="{B217FD64-68AB-4919-8B58-990226C7AD4E}" presName="composite" presStyleCnt="0"/>
+      <dgm:spPr/>
+    </dgm:pt>
+    <dgm:pt modelId="{E8B0D36F-50B4-461D-BB27-1AAC41A0E7B2}" type="pres">
+      <dgm:prSet presAssocID="{B217FD64-68AB-4919-8B58-990226C7AD4E}" presName="parTx" presStyleLbl="alignNode1" presStyleIdx="2" presStyleCnt="3">
+        <dgm:presLayoutVars>
+          <dgm:chMax val="0"/>
+          <dgm:chPref val="0"/>
+          <dgm:bulletEnabled val="1"/>
+        </dgm:presLayoutVars>
+      </dgm:prSet>
+      <dgm:spPr/>
+    </dgm:pt>
+    <dgm:pt modelId="{D9E32CE9-1883-4BD5-92AA-7B051C69C91F}" type="pres">
+      <dgm:prSet presAssocID="{B217FD64-68AB-4919-8B58-990226C7AD4E}" presName="desTx" presStyleLbl="alignAccFollowNode1" presStyleIdx="2" presStyleCnt="3">
+        <dgm:presLayoutVars>
+          <dgm:bulletEnabled val="1"/>
+        </dgm:presLayoutVars>
+      </dgm:prSet>
+      <dgm:spPr/>
+    </dgm:pt>
+  </dgm:ptLst>
+  <dgm:cxnLst>
+    <dgm:cxn modelId="{AE50271C-435E-4E59-A02B-82F1A0587CF5}" type="presOf" srcId="{3F66F250-ADF8-445F-8421-D5F9CC78D264}" destId="{DF5125E2-BC21-40E3-9B7E-67B340849CEF}" srcOrd="0" destOrd="0" presId="urn:microsoft.com/office/officeart/2005/8/layout/hList1"/>
+    <dgm:cxn modelId="{65816A21-91BB-4AAC-8DEB-B5F433357D13}" srcId="{B217FD64-68AB-4919-8B58-990226C7AD4E}" destId="{668907C5-EE0A-4446-B045-7936609DB5EA}" srcOrd="0" destOrd="0" parTransId="{94902118-AF24-4EEE-BECD-6DD12A675247}" sibTransId="{2426D2E3-3FD6-416B-A7D0-D8D281F71DFE}"/>
+    <dgm:cxn modelId="{F5D2E12E-F8CC-4B74-89D8-DC4C56440F76}" type="presOf" srcId="{D3B33861-0D0F-4C44-9304-62A4319FB8BE}" destId="{CC410C1A-2633-4A8C-9E7F-F50FC06A6860}" srcOrd="0" destOrd="0" presId="urn:microsoft.com/office/officeart/2005/8/layout/hList1"/>
+    <dgm:cxn modelId="{4F90C632-B01E-41B5-8836-AC384F928E57}" srcId="{D3B33861-0D0F-4C44-9304-62A4319FB8BE}" destId="{D66EE57A-13F8-4585-BB1A-B4F0B09EEFFF}" srcOrd="0" destOrd="0" parTransId="{3F5C796B-E544-46CB-B296-FC721B96FB04}" sibTransId="{02BB7F33-7C17-4F45-B217-79AC030FAA63}"/>
+    <dgm:cxn modelId="{1AAA6366-FB28-4337-AB0A-00F081A6DBBB}" srcId="{D66EE57A-13F8-4585-BB1A-B4F0B09EEFFF}" destId="{3F66F250-ADF8-445F-8421-D5F9CC78D264}" srcOrd="0" destOrd="0" parTransId="{051C110D-4061-4CE4-9181-6779FEEF3D9E}" sibTransId="{A6F03F95-BCF4-4023-9514-14AFD28875D8}"/>
+    <dgm:cxn modelId="{8E02EC6B-BB94-48CF-9077-5DFCC52A81DF}" type="presOf" srcId="{668907C5-EE0A-4446-B045-7936609DB5EA}" destId="{D9E32CE9-1883-4BD5-92AA-7B051C69C91F}" srcOrd="0" destOrd="0" presId="urn:microsoft.com/office/officeart/2005/8/layout/hList1"/>
+    <dgm:cxn modelId="{04BCE672-A800-4D90-AD2D-A21D325A7F79}" type="presOf" srcId="{B217FD64-68AB-4919-8B58-990226C7AD4E}" destId="{E8B0D36F-50B4-461D-BB27-1AAC41A0E7B2}" srcOrd="0" destOrd="0" presId="urn:microsoft.com/office/officeart/2005/8/layout/hList1"/>
+    <dgm:cxn modelId="{69AFD875-2133-4D5F-B1E6-FE557B898A01}" type="presOf" srcId="{6BD864BE-CD02-4D75-8898-D6AE5677C3CF}" destId="{07B0CB94-BB5B-48D1-A06E-E5D796B9E5FF}" srcOrd="0" destOrd="0" presId="urn:microsoft.com/office/officeart/2005/8/layout/hList1"/>
+    <dgm:cxn modelId="{BC572E93-DB18-4DD1-8AAA-1F8B111BD57A}" type="presOf" srcId="{D66EE57A-13F8-4585-BB1A-B4F0B09EEFFF}" destId="{BEC84A56-E362-4DFB-9938-53900EC23BBE}" srcOrd="0" destOrd="0" presId="urn:microsoft.com/office/officeart/2005/8/layout/hList1"/>
+    <dgm:cxn modelId="{565E829A-F8E5-40EC-8D40-90EC5D6613DF}" srcId="{D3B33861-0D0F-4C44-9304-62A4319FB8BE}" destId="{B217FD64-68AB-4919-8B58-990226C7AD4E}" srcOrd="2" destOrd="0" parTransId="{B1883EAE-FE88-400F-BFE3-2802979F7630}" sibTransId="{0BDFF984-7B0A-47BD-B014-743EFB8F57D6}"/>
+    <dgm:cxn modelId="{8DBB5B9F-6963-4DEA-8ADA-067EC7EE793E}" srcId="{D3B33861-0D0F-4C44-9304-62A4319FB8BE}" destId="{1CBFEB22-BD14-4C1C-8E1A-CAA027258FD9}" srcOrd="1" destOrd="0" parTransId="{EEDC58E8-D0D2-4511-B5A7-F45ED7FC8DFC}" sibTransId="{017DD37E-53D2-4FD5-AD30-FDEA73818082}"/>
+    <dgm:cxn modelId="{19A8B6A8-F088-4085-9A2A-8A8068B57888}" type="presOf" srcId="{1CBFEB22-BD14-4C1C-8E1A-CAA027258FD9}" destId="{02A34C0D-A1B9-4643-939E-1B52D8116EB3}" srcOrd="0" destOrd="0" presId="urn:microsoft.com/office/officeart/2005/8/layout/hList1"/>
+    <dgm:cxn modelId="{A7DDAAE9-5853-4203-AA31-60A3F9BFD810}" srcId="{1CBFEB22-BD14-4C1C-8E1A-CAA027258FD9}" destId="{6BD864BE-CD02-4D75-8898-D6AE5677C3CF}" srcOrd="0" destOrd="0" parTransId="{BE64F208-3A89-46F9-B7B8-290DEC174A1A}" sibTransId="{805D802F-9847-4EA2-BAA8-A8FCD597D38F}"/>
+    <dgm:cxn modelId="{28EFBC16-09BA-4767-B351-25B53B23F819}" type="presParOf" srcId="{CC410C1A-2633-4A8C-9E7F-F50FC06A6860}" destId="{F540B134-E186-454B-A123-919E30CBF7A9}" srcOrd="0" destOrd="0" presId="urn:microsoft.com/office/officeart/2005/8/layout/hList1"/>
+    <dgm:cxn modelId="{15FFDE25-E6B8-4847-A220-9F385091290A}" type="presParOf" srcId="{F540B134-E186-454B-A123-919E30CBF7A9}" destId="{BEC84A56-E362-4DFB-9938-53900EC23BBE}" srcOrd="0" destOrd="0" presId="urn:microsoft.com/office/officeart/2005/8/layout/hList1"/>
+    <dgm:cxn modelId="{A3D4BD59-D056-436C-92EF-4B43B4FCCFD1}" type="presParOf" srcId="{F540B134-E186-454B-A123-919E30CBF7A9}" destId="{DF5125E2-BC21-40E3-9B7E-67B340849CEF}" srcOrd="1" destOrd="0" presId="urn:microsoft.com/office/officeart/2005/8/layout/hList1"/>
+    <dgm:cxn modelId="{BF30D49D-F7DC-4270-9256-69EB592D5AD2}" type="presParOf" srcId="{CC410C1A-2633-4A8C-9E7F-F50FC06A6860}" destId="{B07FABF9-76E5-4AD5-9531-911CE48F01C6}" srcOrd="1" destOrd="0" presId="urn:microsoft.com/office/officeart/2005/8/layout/hList1"/>
+    <dgm:cxn modelId="{F025448B-2686-4A2A-ADC1-316340DEAF05}" type="presParOf" srcId="{CC410C1A-2633-4A8C-9E7F-F50FC06A6860}" destId="{6B295436-0F3D-4960-A515-C671F83A6A5C}" srcOrd="2" destOrd="0" presId="urn:microsoft.com/office/officeart/2005/8/layout/hList1"/>
+    <dgm:cxn modelId="{32432A4A-19BB-47B2-92E1-E211E0E5EC2C}" type="presParOf" srcId="{6B295436-0F3D-4960-A515-C671F83A6A5C}" destId="{02A34C0D-A1B9-4643-939E-1B52D8116EB3}" srcOrd="0" destOrd="0" presId="urn:microsoft.com/office/officeart/2005/8/layout/hList1"/>
+    <dgm:cxn modelId="{AFF39DF8-B246-45DD-946E-EDBC8108F995}" type="presParOf" srcId="{6B295436-0F3D-4960-A515-C671F83A6A5C}" destId="{07B0CB94-BB5B-48D1-A06E-E5D796B9E5FF}" srcOrd="1" destOrd="0" presId="urn:microsoft.com/office/officeart/2005/8/layout/hList1"/>
+    <dgm:cxn modelId="{E727FD03-D792-42CC-944B-99CC1C212647}" type="presParOf" srcId="{CC410C1A-2633-4A8C-9E7F-F50FC06A6860}" destId="{481566FD-5235-4A60-BF68-AAF0B35BC5D3}" srcOrd="3" destOrd="0" presId="urn:microsoft.com/office/officeart/2005/8/layout/hList1"/>
+    <dgm:cxn modelId="{414B5E35-1A96-417A-A3F0-D1ED39D1C78E}" type="presParOf" srcId="{CC410C1A-2633-4A8C-9E7F-F50FC06A6860}" destId="{2375D2A3-BD83-4F68-9888-79DB9D37F096}" srcOrd="4" destOrd="0" presId="urn:microsoft.com/office/officeart/2005/8/layout/hList1"/>
+    <dgm:cxn modelId="{11003460-1679-461C-9A8C-D73CC43845F1}" type="presParOf" srcId="{2375D2A3-BD83-4F68-9888-79DB9D37F096}" destId="{E8B0D36F-50B4-461D-BB27-1AAC41A0E7B2}" srcOrd="0" destOrd="0" presId="urn:microsoft.com/office/officeart/2005/8/layout/hList1"/>
+    <dgm:cxn modelId="{E5851DE2-65AC-4F9D-8175-F8486767DFA9}" type="presParOf" srcId="{2375D2A3-BD83-4F68-9888-79DB9D37F096}" destId="{D9E32CE9-1883-4BD5-92AA-7B051C69C91F}" srcOrd="1" destOrd="0" presId="urn:microsoft.com/office/officeart/2005/8/layout/hList1"/>
+  </dgm:cxnLst>
+  <dgm:bg/>
+  <dgm:whole/>
+  <dgm:extLst>
+    <a:ext uri="http://schemas.microsoft.com/office/drawing/2008/diagram">
+      <dsp:dataModelExt xmlns:dsp="http://schemas.microsoft.com/office/drawing/2008/diagram" relId="rId6" minVer="http://schemas.openxmlformats.org/drawingml/2006/diagram"/>
+    </a:ext>
+  </dgm:extLst>
+</dgm:dataModel>
+</file>
+
+<file path=ppt/diagrams/data2.xml><?xml version="1.0" encoding="utf-8"?>
+<dgm:dataModel xmlns:dgm="http://schemas.openxmlformats.org/drawingml/2006/diagram" xmlns:a="http://schemas.openxmlformats.org/drawingml/2006/main">
+  <dgm:ptLst>
+    <dgm:pt modelId="{17345BF5-6AB2-4C5E-83EF-3FB0575B8979}" type="doc">
+      <dgm:prSet loTypeId="urn:microsoft.com/office/officeart/2005/8/layout/hierarchy1" loCatId="hierarchy" qsTypeId="urn:microsoft.com/office/officeart/2005/8/quickstyle/simple2" qsCatId="simple" csTypeId="urn:microsoft.com/office/officeart/2005/8/colors/accent1_2" csCatId="accent1" phldr="1"/>
+      <dgm:spPr/>
+      <dgm:t>
+        <a:bodyPr/>
+        <a:lstStyle/>
+        <a:p>
+          <a:endParaRPr lang="en-US"/>
+        </a:p>
+      </dgm:t>
+    </dgm:pt>
+    <dgm:pt modelId="{9037746B-DD3A-4277-BFDC-9F24DB7148D7}">
+      <dgm:prSet/>
+      <dgm:spPr/>
+      <dgm:t>
+        <a:bodyPr/>
+        <a:lstStyle/>
+        <a:p>
+          <a:r>
+            <a:rPr lang="en-US" b="0" i="0" dirty="0"/>
+            <a:t>Research on the perceived usefulness of phishing prevention only covered using technical tools and not training the human</a:t>
+          </a:r>
+          <a:endParaRPr lang="en-US" dirty="0"/>
+        </a:p>
+      </dgm:t>
+    </dgm:pt>
+    <dgm:pt modelId="{3BA85B2A-3585-4886-8F54-7598B6CA9E9F}" type="parTrans" cxnId="{8AC0204C-CF29-4E00-976B-05098B5A520A}">
+      <dgm:prSet/>
+      <dgm:spPr/>
+      <dgm:t>
+        <a:bodyPr/>
+        <a:lstStyle/>
+        <a:p>
+          <a:endParaRPr lang="en-US"/>
+        </a:p>
+      </dgm:t>
+    </dgm:pt>
+    <dgm:pt modelId="{DD33A215-4B62-4CCF-8A8C-24DE2D0B80E5}" type="sibTrans" cxnId="{8AC0204C-CF29-4E00-976B-05098B5A520A}">
+      <dgm:prSet/>
+      <dgm:spPr/>
+      <dgm:t>
+        <a:bodyPr/>
+        <a:lstStyle/>
+        <a:p>
+          <a:endParaRPr lang="en-US"/>
+        </a:p>
+      </dgm:t>
+    </dgm:pt>
+    <dgm:pt modelId="{8217C78B-16C0-41AF-83CF-58DEBE62DB5C}">
+      <dgm:prSet/>
+      <dgm:spPr/>
+      <dgm:t>
+        <a:bodyPr/>
+        <a:lstStyle/>
+        <a:p>
+          <a:r>
+            <a:rPr lang="en-US" b="0" i="0" dirty="0"/>
+            <a:t>The perceived ease of use literature covered dis not focus specifically on phishing training nor did it employ self-report measures for a qualitative understanding</a:t>
+          </a:r>
+          <a:endParaRPr lang="en-US" dirty="0"/>
+        </a:p>
+      </dgm:t>
+    </dgm:pt>
+    <dgm:pt modelId="{11A6CDCD-1FAB-4C9D-BE91-BE77AA518A24}" type="parTrans" cxnId="{12316A88-99CE-4265-ABEB-C84E0E652958}">
+      <dgm:prSet/>
+      <dgm:spPr/>
+      <dgm:t>
+        <a:bodyPr/>
+        <a:lstStyle/>
+        <a:p>
+          <a:endParaRPr lang="en-US"/>
+        </a:p>
+      </dgm:t>
+    </dgm:pt>
+    <dgm:pt modelId="{159729C8-C4AC-4B2F-8270-292900CA4B41}" type="sibTrans" cxnId="{12316A88-99CE-4265-ABEB-C84E0E652958}">
+      <dgm:prSet/>
+      <dgm:spPr/>
+      <dgm:t>
+        <a:bodyPr/>
+        <a:lstStyle/>
+        <a:p>
+          <a:endParaRPr lang="en-US"/>
+        </a:p>
+      </dgm:t>
+    </dgm:pt>
+    <dgm:pt modelId="{55DCE285-3206-427D-83C1-50879C4DAE9A}" type="pres">
+      <dgm:prSet presAssocID="{17345BF5-6AB2-4C5E-83EF-3FB0575B8979}" presName="hierChild1" presStyleCnt="0">
+        <dgm:presLayoutVars>
+          <dgm:chPref val="1"/>
+          <dgm:dir/>
+          <dgm:animOne val="branch"/>
+          <dgm:animLvl val="lvl"/>
+          <dgm:resizeHandles/>
+        </dgm:presLayoutVars>
+      </dgm:prSet>
+      <dgm:spPr/>
+    </dgm:pt>
+    <dgm:pt modelId="{E06DC223-3581-4EF2-95FC-FBF7B3FE73B1}" type="pres">
+      <dgm:prSet presAssocID="{9037746B-DD3A-4277-BFDC-9F24DB7148D7}" presName="hierRoot1" presStyleCnt="0"/>
+      <dgm:spPr/>
+    </dgm:pt>
+    <dgm:pt modelId="{2F6E8884-1454-408F-9ED7-4AD6CB47597B}" type="pres">
+      <dgm:prSet presAssocID="{9037746B-DD3A-4277-BFDC-9F24DB7148D7}" presName="composite" presStyleCnt="0"/>
+      <dgm:spPr/>
+    </dgm:pt>
+    <dgm:pt modelId="{756009B5-D224-4351-90E5-98ED528ECCC7}" type="pres">
+      <dgm:prSet presAssocID="{9037746B-DD3A-4277-BFDC-9F24DB7148D7}" presName="background" presStyleLbl="node0" presStyleIdx="0" presStyleCnt="2"/>
+      <dgm:spPr/>
+    </dgm:pt>
+    <dgm:pt modelId="{89CDC9D9-565F-447E-B858-466E0A9FAB47}" type="pres">
+      <dgm:prSet presAssocID="{9037746B-DD3A-4277-BFDC-9F24DB7148D7}" presName="text" presStyleLbl="fgAcc0" presStyleIdx="0" presStyleCnt="2">
+        <dgm:presLayoutVars>
+          <dgm:chPref val="3"/>
+        </dgm:presLayoutVars>
+      </dgm:prSet>
+      <dgm:spPr/>
+    </dgm:pt>
+    <dgm:pt modelId="{0CCF9131-2683-46B6-9BD8-EBC37C849324}" type="pres">
+      <dgm:prSet presAssocID="{9037746B-DD3A-4277-BFDC-9F24DB7148D7}" presName="hierChild2" presStyleCnt="0"/>
+      <dgm:spPr/>
+    </dgm:pt>
+    <dgm:pt modelId="{9143DE2A-A516-4994-82A3-50CEEFFC0236}" type="pres">
+      <dgm:prSet presAssocID="{8217C78B-16C0-41AF-83CF-58DEBE62DB5C}" presName="hierRoot1" presStyleCnt="0"/>
+      <dgm:spPr/>
+    </dgm:pt>
+    <dgm:pt modelId="{20D8AB6B-C3F0-4771-ADD8-2FEA3D3845CE}" type="pres">
+      <dgm:prSet presAssocID="{8217C78B-16C0-41AF-83CF-58DEBE62DB5C}" presName="composite" presStyleCnt="0"/>
+      <dgm:spPr/>
+    </dgm:pt>
+    <dgm:pt modelId="{5C3E0875-B94A-4BD8-BE2D-003F30BBEB01}" type="pres">
+      <dgm:prSet presAssocID="{8217C78B-16C0-41AF-83CF-58DEBE62DB5C}" presName="background" presStyleLbl="node0" presStyleIdx="1" presStyleCnt="2"/>
+      <dgm:spPr/>
+    </dgm:pt>
+    <dgm:pt modelId="{A6292830-5A15-478A-B587-6EB40F23FBA7}" type="pres">
+      <dgm:prSet presAssocID="{8217C78B-16C0-41AF-83CF-58DEBE62DB5C}" presName="text" presStyleLbl="fgAcc0" presStyleIdx="1" presStyleCnt="2">
+        <dgm:presLayoutVars>
+          <dgm:chPref val="3"/>
+        </dgm:presLayoutVars>
+      </dgm:prSet>
+      <dgm:spPr/>
+    </dgm:pt>
+    <dgm:pt modelId="{970FCD5B-90EF-485A-BE0D-8C0C520BB70C}" type="pres">
+      <dgm:prSet presAssocID="{8217C78B-16C0-41AF-83CF-58DEBE62DB5C}" presName="hierChild2" presStyleCnt="0"/>
+      <dgm:spPr/>
+    </dgm:pt>
+  </dgm:ptLst>
+  <dgm:cxnLst>
+    <dgm:cxn modelId="{410B1104-C705-4855-A061-B9D0D44C3CF1}" type="presOf" srcId="{17345BF5-6AB2-4C5E-83EF-3FB0575B8979}" destId="{55DCE285-3206-427D-83C1-50879C4DAE9A}" srcOrd="0" destOrd="0" presId="urn:microsoft.com/office/officeart/2005/8/layout/hierarchy1"/>
+    <dgm:cxn modelId="{8AC0204C-CF29-4E00-976B-05098B5A520A}" srcId="{17345BF5-6AB2-4C5E-83EF-3FB0575B8979}" destId="{9037746B-DD3A-4277-BFDC-9F24DB7148D7}" srcOrd="0" destOrd="0" parTransId="{3BA85B2A-3585-4886-8F54-7598B6CA9E9F}" sibTransId="{DD33A215-4B62-4CCF-8A8C-24DE2D0B80E5}"/>
+    <dgm:cxn modelId="{12316A88-99CE-4265-ABEB-C84E0E652958}" srcId="{17345BF5-6AB2-4C5E-83EF-3FB0575B8979}" destId="{8217C78B-16C0-41AF-83CF-58DEBE62DB5C}" srcOrd="1" destOrd="0" parTransId="{11A6CDCD-1FAB-4C9D-BE91-BE77AA518A24}" sibTransId="{159729C8-C4AC-4B2F-8270-292900CA4B41}"/>
+    <dgm:cxn modelId="{9D2C70BC-17F5-4BE6-8E60-A71A25CF9701}" type="presOf" srcId="{8217C78B-16C0-41AF-83CF-58DEBE62DB5C}" destId="{A6292830-5A15-478A-B587-6EB40F23FBA7}" srcOrd="0" destOrd="0" presId="urn:microsoft.com/office/officeart/2005/8/layout/hierarchy1"/>
+    <dgm:cxn modelId="{DBDDFECE-21F5-4BD9-98BB-E2F70436A27F}" type="presOf" srcId="{9037746B-DD3A-4277-BFDC-9F24DB7148D7}" destId="{89CDC9D9-565F-447E-B858-466E0A9FAB47}" srcOrd="0" destOrd="0" presId="urn:microsoft.com/office/officeart/2005/8/layout/hierarchy1"/>
+    <dgm:cxn modelId="{E6F0F5B2-3E31-4955-BAB2-0735E3951712}" type="presParOf" srcId="{55DCE285-3206-427D-83C1-50879C4DAE9A}" destId="{E06DC223-3581-4EF2-95FC-FBF7B3FE73B1}" srcOrd="0" destOrd="0" presId="urn:microsoft.com/office/officeart/2005/8/layout/hierarchy1"/>
+    <dgm:cxn modelId="{6E1C99D9-0A69-4036-B5E8-BA090B54545F}" type="presParOf" srcId="{E06DC223-3581-4EF2-95FC-FBF7B3FE73B1}" destId="{2F6E8884-1454-408F-9ED7-4AD6CB47597B}" srcOrd="0" destOrd="0" presId="urn:microsoft.com/office/officeart/2005/8/layout/hierarchy1"/>
+    <dgm:cxn modelId="{D1CAB92F-0E3B-4D57-84DE-3878B76759E0}" type="presParOf" srcId="{2F6E8884-1454-408F-9ED7-4AD6CB47597B}" destId="{756009B5-D224-4351-90E5-98ED528ECCC7}" srcOrd="0" destOrd="0" presId="urn:microsoft.com/office/officeart/2005/8/layout/hierarchy1"/>
+    <dgm:cxn modelId="{D00AAE66-E24E-4130-BA3C-E8464243518D}" type="presParOf" srcId="{2F6E8884-1454-408F-9ED7-4AD6CB47597B}" destId="{89CDC9D9-565F-447E-B858-466E0A9FAB47}" srcOrd="1" destOrd="0" presId="urn:microsoft.com/office/officeart/2005/8/layout/hierarchy1"/>
+    <dgm:cxn modelId="{D37DB584-B8FE-415C-B5B9-293E3522FE54}" type="presParOf" srcId="{E06DC223-3581-4EF2-95FC-FBF7B3FE73B1}" destId="{0CCF9131-2683-46B6-9BD8-EBC37C849324}" srcOrd="1" destOrd="0" presId="urn:microsoft.com/office/officeart/2005/8/layout/hierarchy1"/>
+    <dgm:cxn modelId="{3EB8BA4C-064C-4215-9022-18188E30AFC6}" type="presParOf" srcId="{55DCE285-3206-427D-83C1-50879C4DAE9A}" destId="{9143DE2A-A516-4994-82A3-50CEEFFC0236}" srcOrd="1" destOrd="0" presId="urn:microsoft.com/office/officeart/2005/8/layout/hierarchy1"/>
+    <dgm:cxn modelId="{AE6ABBA5-4FED-4D4C-85BD-F3A92AC9CC03}" type="presParOf" srcId="{9143DE2A-A516-4994-82A3-50CEEFFC0236}" destId="{20D8AB6B-C3F0-4771-ADD8-2FEA3D3845CE}" srcOrd="0" destOrd="0" presId="urn:microsoft.com/office/officeart/2005/8/layout/hierarchy1"/>
+    <dgm:cxn modelId="{72707D30-1D9C-474B-89BB-A9F864A8D98C}" type="presParOf" srcId="{20D8AB6B-C3F0-4771-ADD8-2FEA3D3845CE}" destId="{5C3E0875-B94A-4BD8-BE2D-003F30BBEB01}" srcOrd="0" destOrd="0" presId="urn:microsoft.com/office/officeart/2005/8/layout/hierarchy1"/>
+    <dgm:cxn modelId="{D155F0F6-0A87-4793-BB77-A7305B5D76E7}" type="presParOf" srcId="{20D8AB6B-C3F0-4771-ADD8-2FEA3D3845CE}" destId="{A6292830-5A15-478A-B587-6EB40F23FBA7}" srcOrd="1" destOrd="0" presId="urn:microsoft.com/office/officeart/2005/8/layout/hierarchy1"/>
+    <dgm:cxn modelId="{F276BE40-BE07-4C77-A143-AE686D2AC6F2}" type="presParOf" srcId="{9143DE2A-A516-4994-82A3-50CEEFFC0236}" destId="{970FCD5B-90EF-485A-BE0D-8C0C520BB70C}" srcOrd="1" destOrd="0" presId="urn:microsoft.com/office/officeart/2005/8/layout/hierarchy1"/>
+  </dgm:cxnLst>
+  <dgm:bg/>
+  <dgm:whole/>
+  <dgm:extLst>
+    <a:ext uri="http://schemas.microsoft.com/office/drawing/2008/diagram">
+      <dsp:dataModelExt xmlns:dsp="http://schemas.microsoft.com/office/drawing/2008/diagram" relId="rId6" minVer="http://schemas.openxmlformats.org/drawingml/2006/diagram"/>
+    </a:ext>
+  </dgm:extLst>
+</dgm:dataModel>
+</file>
+
+<file path=ppt/diagrams/drawing1.xml><?xml version="1.0" encoding="utf-8"?>
+<dsp:drawing xmlns:dgm="http://schemas.openxmlformats.org/drawingml/2006/diagram" xmlns:dsp="http://schemas.microsoft.com/office/drawing/2008/diagram" xmlns:a="http://schemas.openxmlformats.org/drawingml/2006/main">
+  <dsp:spTree>
+    <dsp:nvGrpSpPr>
+      <dsp:cNvPr id="0" name=""/>
+      <dsp:cNvGrpSpPr/>
+    </dsp:nvGrpSpPr>
+    <dsp:grpSpPr/>
+    <dsp:sp modelId="{BEC84A56-E362-4DFB-9938-53900EC23BBE}">
+      <dsp:nvSpPr>
+        <dsp:cNvPr id="0" name=""/>
+        <dsp:cNvSpPr/>
+      </dsp:nvSpPr>
+      <dsp:spPr>
+        <a:xfrm>
+          <a:off x="3119" y="197759"/>
+          <a:ext cx="3041449" cy="578890"/>
+        </a:xfrm>
+        <a:prstGeom prst="rect">
+          <a:avLst/>
+        </a:prstGeom>
+        <a:solidFill>
+          <a:schemeClr val="accent3">
+            <a:hueOff val="0"/>
+            <a:satOff val="0"/>
+            <a:lumOff val="0"/>
+            <a:alphaOff val="0"/>
+          </a:schemeClr>
+        </a:solidFill>
+        <a:ln w="12700" cap="flat" cmpd="sng" algn="ctr">
+          <a:solidFill>
+            <a:schemeClr val="accent3">
+              <a:hueOff val="0"/>
+              <a:satOff val="0"/>
+              <a:lumOff val="0"/>
+              <a:alphaOff val="0"/>
+            </a:schemeClr>
+          </a:solidFill>
+          <a:prstDash val="solid"/>
+          <a:miter lim="800000"/>
+        </a:ln>
+        <a:effectLst/>
+      </dsp:spPr>
+      <dsp:style>
+        <a:lnRef idx="2">
+          <a:scrgbClr r="0" g="0" b="0"/>
+        </a:lnRef>
+        <a:fillRef idx="1">
+          <a:scrgbClr r="0" g="0" b="0"/>
+        </a:fillRef>
+        <a:effectRef idx="1">
+          <a:scrgbClr r="0" g="0" b="0"/>
+        </a:effectRef>
+        <a:fontRef idx="minor">
+          <a:schemeClr val="lt1"/>
+        </a:fontRef>
+      </dsp:style>
+      <dsp:txBody>
+        <a:bodyPr spcFirstLastPara="0" vert="horz" wrap="square" lIns="113792" tIns="65024" rIns="113792" bIns="65024" numCol="1" spcCol="1270" anchor="ctr" anchorCtr="0">
+          <a:noAutofit/>
+        </a:bodyPr>
+        <a:lstStyle/>
+        <a:p>
+          <a:pPr marL="0" lvl="0" indent="0" algn="ctr" defTabSz="711200">
+            <a:lnSpc>
+              <a:spcPct val="90000"/>
+            </a:lnSpc>
+            <a:spcBef>
+              <a:spcPct val="0"/>
+            </a:spcBef>
+            <a:spcAft>
+              <a:spcPct val="35000"/>
+            </a:spcAft>
+            <a:buNone/>
+          </a:pPr>
+          <a:r>
+            <a:rPr lang="en-US" sz="1600" b="0" i="0" kern="1200"/>
+            <a:t>The Importance of Training the Human</a:t>
+          </a:r>
+          <a:endParaRPr lang="en-US" sz="1600" kern="1200"/>
+        </a:p>
+      </dsp:txBody>
+      <dsp:txXfrm>
+        <a:off x="3119" y="197759"/>
+        <a:ext cx="3041449" cy="578890"/>
+      </dsp:txXfrm>
+    </dsp:sp>
+    <dsp:sp modelId="{DF5125E2-BC21-40E3-9B7E-67B340849CEF}">
+      <dsp:nvSpPr>
+        <dsp:cNvPr id="0" name=""/>
+        <dsp:cNvSpPr/>
+      </dsp:nvSpPr>
+      <dsp:spPr>
+        <a:xfrm>
+          <a:off x="3119" y="776650"/>
+          <a:ext cx="3041449" cy="2239920"/>
+        </a:xfrm>
+        <a:prstGeom prst="rect">
+          <a:avLst/>
+        </a:prstGeom>
+        <a:solidFill>
+          <a:schemeClr val="accent3">
+            <a:alpha val="90000"/>
+            <a:tint val="40000"/>
+            <a:hueOff val="0"/>
+            <a:satOff val="0"/>
+            <a:lumOff val="0"/>
+            <a:alphaOff val="0"/>
+          </a:schemeClr>
+        </a:solidFill>
+        <a:ln w="12700" cap="flat" cmpd="sng" algn="ctr">
+          <a:solidFill>
+            <a:schemeClr val="accent3">
+              <a:alpha val="90000"/>
+              <a:tint val="40000"/>
+              <a:hueOff val="0"/>
+              <a:satOff val="0"/>
+              <a:lumOff val="0"/>
+              <a:alphaOff val="0"/>
+            </a:schemeClr>
+          </a:solidFill>
+          <a:prstDash val="solid"/>
+          <a:miter lim="800000"/>
+        </a:ln>
+        <a:effectLst/>
+      </dsp:spPr>
+      <dsp:style>
+        <a:lnRef idx="2">
+          <a:scrgbClr r="0" g="0" b="0"/>
+        </a:lnRef>
+        <a:fillRef idx="1">
+          <a:scrgbClr r="0" g="0" b="0"/>
+        </a:fillRef>
+        <a:effectRef idx="0">
+          <a:scrgbClr r="0" g="0" b="0"/>
+        </a:effectRef>
+        <a:fontRef idx="minor"/>
+      </dsp:style>
+      <dsp:txBody>
+        <a:bodyPr spcFirstLastPara="0" vert="horz" wrap="square" lIns="85344" tIns="85344" rIns="113792" bIns="128016" numCol="1" spcCol="1270" anchor="t" anchorCtr="0">
+          <a:noAutofit/>
+        </a:bodyPr>
+        <a:lstStyle/>
+        <a:p>
+          <a:pPr marL="171450" lvl="1" indent="-171450" algn="l" defTabSz="711200">
+            <a:lnSpc>
+              <a:spcPct val="90000"/>
+            </a:lnSpc>
+            <a:spcBef>
+              <a:spcPct val="0"/>
+            </a:spcBef>
+            <a:spcAft>
+              <a:spcPct val="15000"/>
+            </a:spcAft>
+            <a:buChar char="•"/>
+          </a:pPr>
+          <a:r>
+            <a:rPr lang="en-US" sz="1600" b="0" i="0" kern="1200"/>
+            <a:t>Phishing preventive strategies include technical tools and non-technical skills relevant to the human behave. Technical tools do not have a perfect success rate, facilitating the need to reinforce the human as well with training (Jampen et al., 2020). </a:t>
+          </a:r>
+          <a:endParaRPr lang="en-US" sz="1600" kern="1200"/>
+        </a:p>
+      </dsp:txBody>
+      <dsp:txXfrm>
+        <a:off x="3119" y="776650"/>
+        <a:ext cx="3041449" cy="2239920"/>
+      </dsp:txXfrm>
+    </dsp:sp>
+    <dsp:sp modelId="{02A34C0D-A1B9-4643-939E-1B52D8116EB3}">
+      <dsp:nvSpPr>
+        <dsp:cNvPr id="0" name=""/>
+        <dsp:cNvSpPr/>
+      </dsp:nvSpPr>
+      <dsp:spPr>
+        <a:xfrm>
+          <a:off x="3470371" y="197759"/>
+          <a:ext cx="3041449" cy="578890"/>
+        </a:xfrm>
+        <a:prstGeom prst="rect">
+          <a:avLst/>
+        </a:prstGeom>
+        <a:solidFill>
+          <a:schemeClr val="accent3">
+            <a:hueOff val="0"/>
+            <a:satOff val="0"/>
+            <a:lumOff val="0"/>
+            <a:alphaOff val="0"/>
+          </a:schemeClr>
+        </a:solidFill>
+        <a:ln w="12700" cap="flat" cmpd="sng" algn="ctr">
+          <a:solidFill>
+            <a:schemeClr val="accent3">
+              <a:hueOff val="0"/>
+              <a:satOff val="0"/>
+              <a:lumOff val="0"/>
+              <a:alphaOff val="0"/>
+            </a:schemeClr>
+          </a:solidFill>
+          <a:prstDash val="solid"/>
+          <a:miter lim="800000"/>
+        </a:ln>
+        <a:effectLst/>
+      </dsp:spPr>
+      <dsp:style>
+        <a:lnRef idx="2">
+          <a:scrgbClr r="0" g="0" b="0"/>
+        </a:lnRef>
+        <a:fillRef idx="1">
+          <a:scrgbClr r="0" g="0" b="0"/>
+        </a:fillRef>
+        <a:effectRef idx="1">
+          <a:scrgbClr r="0" g="0" b="0"/>
+        </a:effectRef>
+        <a:fontRef idx="minor">
+          <a:schemeClr val="lt1"/>
+        </a:fontRef>
+      </dsp:style>
+      <dsp:txBody>
+        <a:bodyPr spcFirstLastPara="0" vert="horz" wrap="square" lIns="113792" tIns="65024" rIns="113792" bIns="65024" numCol="1" spcCol="1270" anchor="ctr" anchorCtr="0">
+          <a:noAutofit/>
+        </a:bodyPr>
+        <a:lstStyle/>
+        <a:p>
+          <a:pPr marL="0" lvl="0" indent="0" algn="ctr" defTabSz="711200">
+            <a:lnSpc>
+              <a:spcPct val="90000"/>
+            </a:lnSpc>
+            <a:spcBef>
+              <a:spcPct val="0"/>
+            </a:spcBef>
+            <a:spcAft>
+              <a:spcPct val="35000"/>
+            </a:spcAft>
+            <a:buNone/>
+          </a:pPr>
+          <a:r>
+            <a:rPr lang="en-US" sz="1600" b="0" i="0" kern="1200"/>
+            <a:t>Perceived Usefulness of Phishing Training</a:t>
+          </a:r>
+          <a:endParaRPr lang="en-US" sz="1600" kern="1200"/>
+        </a:p>
+      </dsp:txBody>
+      <dsp:txXfrm>
+        <a:off x="3470371" y="197759"/>
+        <a:ext cx="3041449" cy="578890"/>
+      </dsp:txXfrm>
+    </dsp:sp>
+    <dsp:sp modelId="{07B0CB94-BB5B-48D1-A06E-E5D796B9E5FF}">
+      <dsp:nvSpPr>
+        <dsp:cNvPr id="0" name=""/>
+        <dsp:cNvSpPr/>
+      </dsp:nvSpPr>
+      <dsp:spPr>
+        <a:xfrm>
+          <a:off x="3470371" y="776650"/>
+          <a:ext cx="3041449" cy="2239920"/>
+        </a:xfrm>
+        <a:prstGeom prst="rect">
+          <a:avLst/>
+        </a:prstGeom>
+        <a:solidFill>
+          <a:schemeClr val="accent3">
+            <a:alpha val="90000"/>
+            <a:tint val="40000"/>
+            <a:hueOff val="0"/>
+            <a:satOff val="0"/>
+            <a:lumOff val="0"/>
+            <a:alphaOff val="0"/>
+          </a:schemeClr>
+        </a:solidFill>
+        <a:ln w="12700" cap="flat" cmpd="sng" algn="ctr">
+          <a:solidFill>
+            <a:schemeClr val="accent3">
+              <a:alpha val="90000"/>
+              <a:tint val="40000"/>
+              <a:hueOff val="0"/>
+              <a:satOff val="0"/>
+              <a:lumOff val="0"/>
+              <a:alphaOff val="0"/>
+            </a:schemeClr>
+          </a:solidFill>
+          <a:prstDash val="solid"/>
+          <a:miter lim="800000"/>
+        </a:ln>
+        <a:effectLst/>
+      </dsp:spPr>
+      <dsp:style>
+        <a:lnRef idx="2">
+          <a:scrgbClr r="0" g="0" b="0"/>
+        </a:lnRef>
+        <a:fillRef idx="1">
+          <a:scrgbClr r="0" g="0" b="0"/>
+        </a:fillRef>
+        <a:effectRef idx="0">
+          <a:scrgbClr r="0" g="0" b="0"/>
+        </a:effectRef>
+        <a:fontRef idx="minor"/>
+      </dsp:style>
+      <dsp:txBody>
+        <a:bodyPr spcFirstLastPara="0" vert="horz" wrap="square" lIns="85344" tIns="85344" rIns="113792" bIns="128016" numCol="1" spcCol="1270" anchor="t" anchorCtr="0">
+          <a:noAutofit/>
+        </a:bodyPr>
+        <a:lstStyle/>
+        <a:p>
+          <a:pPr marL="171450" lvl="1" indent="-171450" algn="l" defTabSz="711200">
+            <a:lnSpc>
+              <a:spcPct val="90000"/>
+            </a:lnSpc>
+            <a:spcBef>
+              <a:spcPct val="0"/>
+            </a:spcBef>
+            <a:spcAft>
+              <a:spcPct val="15000"/>
+            </a:spcAft>
+            <a:buChar char="•"/>
+          </a:pPr>
+          <a:r>
+            <a:rPr lang="en-US" sz="1600" b="0" i="0" kern="1200"/>
+            <a:t>Participants that placed little trust in the usefulness of their phishing detection tools and instead relied on intuition noticeably fell for significantly more phishing attempts (Abbasi et al., 2016). </a:t>
+          </a:r>
+          <a:endParaRPr lang="en-US" sz="1600" kern="1200"/>
+        </a:p>
+      </dsp:txBody>
+      <dsp:txXfrm>
+        <a:off x="3470371" y="776650"/>
+        <a:ext cx="3041449" cy="2239920"/>
+      </dsp:txXfrm>
+    </dsp:sp>
+    <dsp:sp modelId="{E8B0D36F-50B4-461D-BB27-1AAC41A0E7B2}">
+      <dsp:nvSpPr>
+        <dsp:cNvPr id="0" name=""/>
+        <dsp:cNvSpPr/>
+      </dsp:nvSpPr>
+      <dsp:spPr>
+        <a:xfrm>
+          <a:off x="6937624" y="197759"/>
+          <a:ext cx="3041449" cy="578890"/>
+        </a:xfrm>
+        <a:prstGeom prst="rect">
+          <a:avLst/>
+        </a:prstGeom>
+        <a:solidFill>
+          <a:schemeClr val="accent3">
+            <a:hueOff val="0"/>
+            <a:satOff val="0"/>
+            <a:lumOff val="0"/>
+            <a:alphaOff val="0"/>
+          </a:schemeClr>
+        </a:solidFill>
+        <a:ln w="12700" cap="flat" cmpd="sng" algn="ctr">
+          <a:solidFill>
+            <a:schemeClr val="accent3">
+              <a:hueOff val="0"/>
+              <a:satOff val="0"/>
+              <a:lumOff val="0"/>
+              <a:alphaOff val="0"/>
+            </a:schemeClr>
+          </a:solidFill>
+          <a:prstDash val="solid"/>
+          <a:miter lim="800000"/>
+        </a:ln>
+        <a:effectLst/>
+      </dsp:spPr>
+      <dsp:style>
+        <a:lnRef idx="2">
+          <a:scrgbClr r="0" g="0" b="0"/>
+        </a:lnRef>
+        <a:fillRef idx="1">
+          <a:scrgbClr r="0" g="0" b="0"/>
+        </a:fillRef>
+        <a:effectRef idx="1">
+          <a:scrgbClr r="0" g="0" b="0"/>
+        </a:effectRef>
+        <a:fontRef idx="minor">
+          <a:schemeClr val="lt1"/>
+        </a:fontRef>
+      </dsp:style>
+      <dsp:txBody>
+        <a:bodyPr spcFirstLastPara="0" vert="horz" wrap="square" lIns="113792" tIns="65024" rIns="113792" bIns="65024" numCol="1" spcCol="1270" anchor="ctr" anchorCtr="0">
+          <a:noAutofit/>
+        </a:bodyPr>
+        <a:lstStyle/>
+        <a:p>
+          <a:pPr marL="0" lvl="0" indent="0" algn="ctr" defTabSz="711200">
+            <a:lnSpc>
+              <a:spcPct val="90000"/>
+            </a:lnSpc>
+            <a:spcBef>
+              <a:spcPct val="0"/>
+            </a:spcBef>
+            <a:spcAft>
+              <a:spcPct val="35000"/>
+            </a:spcAft>
+            <a:buNone/>
+          </a:pPr>
+          <a:r>
+            <a:rPr lang="en-US" sz="1600" b="0" i="0" kern="1200"/>
+            <a:t>Perceived Ease of Use of Phishing Training</a:t>
+          </a:r>
+          <a:endParaRPr lang="en-US" sz="1600" kern="1200"/>
+        </a:p>
+      </dsp:txBody>
+      <dsp:txXfrm>
+        <a:off x="6937624" y="197759"/>
+        <a:ext cx="3041449" cy="578890"/>
+      </dsp:txXfrm>
+    </dsp:sp>
+    <dsp:sp modelId="{D9E32CE9-1883-4BD5-92AA-7B051C69C91F}">
+      <dsp:nvSpPr>
+        <dsp:cNvPr id="0" name=""/>
+        <dsp:cNvSpPr/>
+      </dsp:nvSpPr>
+      <dsp:spPr>
+        <a:xfrm>
+          <a:off x="6937624" y="776650"/>
+          <a:ext cx="3041449" cy="2239920"/>
+        </a:xfrm>
+        <a:prstGeom prst="rect">
+          <a:avLst/>
+        </a:prstGeom>
+        <a:solidFill>
+          <a:schemeClr val="accent3">
+            <a:alpha val="90000"/>
+            <a:tint val="40000"/>
+            <a:hueOff val="0"/>
+            <a:satOff val="0"/>
+            <a:lumOff val="0"/>
+            <a:alphaOff val="0"/>
+          </a:schemeClr>
+        </a:solidFill>
+        <a:ln w="12700" cap="flat" cmpd="sng" algn="ctr">
+          <a:solidFill>
+            <a:schemeClr val="accent3">
+              <a:alpha val="90000"/>
+              <a:tint val="40000"/>
+              <a:hueOff val="0"/>
+              <a:satOff val="0"/>
+              <a:lumOff val="0"/>
+              <a:alphaOff val="0"/>
+            </a:schemeClr>
+          </a:solidFill>
+          <a:prstDash val="solid"/>
+          <a:miter lim="800000"/>
+        </a:ln>
+        <a:effectLst/>
+      </dsp:spPr>
+      <dsp:style>
+        <a:lnRef idx="2">
+          <a:scrgbClr r="0" g="0" b="0"/>
+        </a:lnRef>
+        <a:fillRef idx="1">
+          <a:scrgbClr r="0" g="0" b="0"/>
+        </a:fillRef>
+        <a:effectRef idx="0">
+          <a:scrgbClr r="0" g="0" b="0"/>
+        </a:effectRef>
+        <a:fontRef idx="minor"/>
+      </dsp:style>
+      <dsp:txBody>
+        <a:bodyPr spcFirstLastPara="0" vert="horz" wrap="square" lIns="85344" tIns="85344" rIns="113792" bIns="128016" numCol="1" spcCol="1270" anchor="t" anchorCtr="0">
+          <a:noAutofit/>
+        </a:bodyPr>
+        <a:lstStyle/>
+        <a:p>
+          <a:pPr marL="171450" lvl="1" indent="-171450" algn="l" defTabSz="711200">
+            <a:lnSpc>
+              <a:spcPct val="90000"/>
+            </a:lnSpc>
+            <a:spcBef>
+              <a:spcPct val="0"/>
+            </a:spcBef>
+            <a:spcAft>
+              <a:spcPct val="15000"/>
+            </a:spcAft>
+            <a:buChar char="•"/>
+          </a:pPr>
+          <a:r>
+            <a:rPr lang="en-US" sz="1600" b="0" i="0" kern="1200"/>
+            <a:t>Participants may develop improper cybersecurity habits, actively seek workarounds, or be prone to making more frequent errors from cyber fatigue in both directions of how they perceive difficulty and frequency (Reeves et al., 2021)</a:t>
+          </a:r>
+          <a:endParaRPr lang="en-US" sz="1600" kern="1200"/>
+        </a:p>
+      </dsp:txBody>
+      <dsp:txXfrm>
+        <a:off x="6937624" y="776650"/>
+        <a:ext cx="3041449" cy="2239920"/>
+      </dsp:txXfrm>
+    </dsp:sp>
+  </dsp:spTree>
+</dsp:drawing>
+</file>
+
+<file path=ppt/diagrams/drawing2.xml><?xml version="1.0" encoding="utf-8"?>
+<dsp:drawing xmlns:dgm="http://schemas.openxmlformats.org/drawingml/2006/diagram" xmlns:dsp="http://schemas.microsoft.com/office/drawing/2008/diagram" xmlns:a="http://schemas.openxmlformats.org/drawingml/2006/main">
+  <dsp:spTree>
+    <dsp:nvGrpSpPr>
+      <dsp:cNvPr id="0" name=""/>
+      <dsp:cNvGrpSpPr/>
+    </dsp:nvGrpSpPr>
+    <dsp:grpSpPr/>
+    <dsp:sp modelId="{756009B5-D224-4351-90E5-98ED528ECCC7}">
+      <dsp:nvSpPr>
+        <dsp:cNvPr id="0" name=""/>
+        <dsp:cNvSpPr/>
+      </dsp:nvSpPr>
+      <dsp:spPr>
+        <a:xfrm>
+          <a:off x="1218" y="23472"/>
+          <a:ext cx="4277038" cy="2715919"/>
+        </a:xfrm>
+        <a:prstGeom prst="roundRect">
+          <a:avLst>
+            <a:gd name="adj" fmla="val 10000"/>
+          </a:avLst>
+        </a:prstGeom>
+        <a:solidFill>
+          <a:schemeClr val="accent1">
+            <a:hueOff val="0"/>
+            <a:satOff val="0"/>
+            <a:lumOff val="0"/>
+            <a:alphaOff val="0"/>
+          </a:schemeClr>
+        </a:solidFill>
+        <a:ln w="19050" cap="flat" cmpd="sng" algn="ctr">
+          <a:solidFill>
+            <a:schemeClr val="lt1">
+              <a:hueOff val="0"/>
+              <a:satOff val="0"/>
+              <a:lumOff val="0"/>
+              <a:alphaOff val="0"/>
+            </a:schemeClr>
+          </a:solidFill>
+          <a:prstDash val="solid"/>
+          <a:miter lim="800000"/>
+        </a:ln>
+        <a:effectLst/>
+      </dsp:spPr>
+      <dsp:style>
+        <a:lnRef idx="3">
+          <a:scrgbClr r="0" g="0" b="0"/>
+        </a:lnRef>
+        <a:fillRef idx="1">
+          <a:scrgbClr r="0" g="0" b="0"/>
+        </a:fillRef>
+        <a:effectRef idx="1">
+          <a:scrgbClr r="0" g="0" b="0"/>
+        </a:effectRef>
+        <a:fontRef idx="minor">
+          <a:schemeClr val="lt1"/>
+        </a:fontRef>
+      </dsp:style>
+    </dsp:sp>
+    <dsp:sp modelId="{89CDC9D9-565F-447E-B858-466E0A9FAB47}">
+      <dsp:nvSpPr>
+        <dsp:cNvPr id="0" name=""/>
+        <dsp:cNvSpPr/>
+      </dsp:nvSpPr>
+      <dsp:spPr>
+        <a:xfrm>
+          <a:off x="476445" y="474937"/>
+          <a:ext cx="4277038" cy="2715919"/>
+        </a:xfrm>
+        <a:prstGeom prst="roundRect">
+          <a:avLst>
+            <a:gd name="adj" fmla="val 10000"/>
+          </a:avLst>
+        </a:prstGeom>
+        <a:solidFill>
+          <a:schemeClr val="lt1">
+            <a:alpha val="90000"/>
+            <a:hueOff val="0"/>
+            <a:satOff val="0"/>
+            <a:lumOff val="0"/>
+            <a:alphaOff val="0"/>
+          </a:schemeClr>
+        </a:solidFill>
+        <a:ln w="12700" cap="flat" cmpd="sng" algn="ctr">
+          <a:solidFill>
+            <a:schemeClr val="accent1">
+              <a:hueOff val="0"/>
+              <a:satOff val="0"/>
+              <a:lumOff val="0"/>
+              <a:alphaOff val="0"/>
+            </a:schemeClr>
+          </a:solidFill>
+          <a:prstDash val="solid"/>
+          <a:miter lim="800000"/>
+        </a:ln>
+        <a:effectLst/>
+      </dsp:spPr>
+      <dsp:style>
+        <a:lnRef idx="2">
+          <a:scrgbClr r="0" g="0" b="0"/>
+        </a:lnRef>
+        <a:fillRef idx="1">
+          <a:scrgbClr r="0" g="0" b="0"/>
+        </a:fillRef>
+        <a:effectRef idx="0">
+          <a:scrgbClr r="0" g="0" b="0"/>
+        </a:effectRef>
+        <a:fontRef idx="minor"/>
+      </dsp:style>
+      <dsp:txBody>
+        <a:bodyPr spcFirstLastPara="0" vert="horz" wrap="square" lIns="99060" tIns="99060" rIns="99060" bIns="99060" numCol="1" spcCol="1270" anchor="ctr" anchorCtr="0">
+          <a:noAutofit/>
+        </a:bodyPr>
+        <a:lstStyle/>
+        <a:p>
+          <a:pPr marL="0" lvl="0" indent="0" algn="ctr" defTabSz="1155700">
+            <a:lnSpc>
+              <a:spcPct val="90000"/>
+            </a:lnSpc>
+            <a:spcBef>
+              <a:spcPct val="0"/>
+            </a:spcBef>
+            <a:spcAft>
+              <a:spcPct val="35000"/>
+            </a:spcAft>
+            <a:buNone/>
+          </a:pPr>
+          <a:r>
+            <a:rPr lang="en-US" sz="2600" b="0" i="0" kern="1200" dirty="0"/>
+            <a:t>Research on the perceived usefulness of phishing prevention only covered using technical tools and not training the human</a:t>
+          </a:r>
+          <a:endParaRPr lang="en-US" sz="2600" kern="1200" dirty="0"/>
+        </a:p>
+      </dsp:txBody>
+      <dsp:txXfrm>
+        <a:off x="555992" y="554484"/>
+        <a:ext cx="4117944" cy="2556825"/>
+      </dsp:txXfrm>
+    </dsp:sp>
+    <dsp:sp modelId="{5C3E0875-B94A-4BD8-BE2D-003F30BBEB01}">
+      <dsp:nvSpPr>
+        <dsp:cNvPr id="0" name=""/>
+        <dsp:cNvSpPr/>
+      </dsp:nvSpPr>
+      <dsp:spPr>
+        <a:xfrm>
+          <a:off x="5228709" y="23472"/>
+          <a:ext cx="4277038" cy="2715919"/>
+        </a:xfrm>
+        <a:prstGeom prst="roundRect">
+          <a:avLst>
+            <a:gd name="adj" fmla="val 10000"/>
+          </a:avLst>
+        </a:prstGeom>
+        <a:solidFill>
+          <a:schemeClr val="accent1">
+            <a:hueOff val="0"/>
+            <a:satOff val="0"/>
+            <a:lumOff val="0"/>
+            <a:alphaOff val="0"/>
+          </a:schemeClr>
+        </a:solidFill>
+        <a:ln w="19050" cap="flat" cmpd="sng" algn="ctr">
+          <a:solidFill>
+            <a:schemeClr val="lt1">
+              <a:hueOff val="0"/>
+              <a:satOff val="0"/>
+              <a:lumOff val="0"/>
+              <a:alphaOff val="0"/>
+            </a:schemeClr>
+          </a:solidFill>
+          <a:prstDash val="solid"/>
+          <a:miter lim="800000"/>
+        </a:ln>
+        <a:effectLst/>
+      </dsp:spPr>
+      <dsp:style>
+        <a:lnRef idx="3">
+          <a:scrgbClr r="0" g="0" b="0"/>
+        </a:lnRef>
+        <a:fillRef idx="1">
+          <a:scrgbClr r="0" g="0" b="0"/>
+        </a:fillRef>
+        <a:effectRef idx="1">
+          <a:scrgbClr r="0" g="0" b="0"/>
+        </a:effectRef>
+        <a:fontRef idx="minor">
+          <a:schemeClr val="lt1"/>
+        </a:fontRef>
+      </dsp:style>
+    </dsp:sp>
+    <dsp:sp modelId="{A6292830-5A15-478A-B587-6EB40F23FBA7}">
+      <dsp:nvSpPr>
+        <dsp:cNvPr id="0" name=""/>
+        <dsp:cNvSpPr/>
+      </dsp:nvSpPr>
+      <dsp:spPr>
+        <a:xfrm>
+          <a:off x="5703936" y="474937"/>
+          <a:ext cx="4277038" cy="2715919"/>
+        </a:xfrm>
+        <a:prstGeom prst="roundRect">
+          <a:avLst>
+            <a:gd name="adj" fmla="val 10000"/>
+          </a:avLst>
+        </a:prstGeom>
+        <a:solidFill>
+          <a:schemeClr val="lt1">
+            <a:alpha val="90000"/>
+            <a:hueOff val="0"/>
+            <a:satOff val="0"/>
+            <a:lumOff val="0"/>
+            <a:alphaOff val="0"/>
+          </a:schemeClr>
+        </a:solidFill>
+        <a:ln w="12700" cap="flat" cmpd="sng" algn="ctr">
+          <a:solidFill>
+            <a:schemeClr val="accent1">
+              <a:hueOff val="0"/>
+              <a:satOff val="0"/>
+              <a:lumOff val="0"/>
+              <a:alphaOff val="0"/>
+            </a:schemeClr>
+          </a:solidFill>
+          <a:prstDash val="solid"/>
+          <a:miter lim="800000"/>
+        </a:ln>
+        <a:effectLst/>
+      </dsp:spPr>
+      <dsp:style>
+        <a:lnRef idx="2">
+          <a:scrgbClr r="0" g="0" b="0"/>
+        </a:lnRef>
+        <a:fillRef idx="1">
+          <a:scrgbClr r="0" g="0" b="0"/>
+        </a:fillRef>
+        <a:effectRef idx="0">
+          <a:scrgbClr r="0" g="0" b="0"/>
+        </a:effectRef>
+        <a:fontRef idx="minor"/>
+      </dsp:style>
+      <dsp:txBody>
+        <a:bodyPr spcFirstLastPara="0" vert="horz" wrap="square" lIns="99060" tIns="99060" rIns="99060" bIns="99060" numCol="1" spcCol="1270" anchor="ctr" anchorCtr="0">
+          <a:noAutofit/>
+        </a:bodyPr>
+        <a:lstStyle/>
+        <a:p>
+          <a:pPr marL="0" lvl="0" indent="0" algn="ctr" defTabSz="1155700">
+            <a:lnSpc>
+              <a:spcPct val="90000"/>
+            </a:lnSpc>
+            <a:spcBef>
+              <a:spcPct val="0"/>
+            </a:spcBef>
+            <a:spcAft>
+              <a:spcPct val="35000"/>
+            </a:spcAft>
+            <a:buNone/>
+          </a:pPr>
+          <a:r>
+            <a:rPr lang="en-US" sz="2600" b="0" i="0" kern="1200" dirty="0"/>
+            <a:t>The perceived ease of use literature covered dis not focus specifically on phishing training nor did it employ self-report measures for a qualitative understanding</a:t>
+          </a:r>
+          <a:endParaRPr lang="en-US" sz="2600" kern="1200" dirty="0"/>
+        </a:p>
+      </dsp:txBody>
+      <dsp:txXfrm>
+        <a:off x="5783483" y="554484"/>
+        <a:ext cx="4117944" cy="2556825"/>
+      </dsp:txXfrm>
+    </dsp:sp>
+  </dsp:spTree>
+</dsp:drawing>
+</file>
+
+<file path=ppt/diagrams/layout1.xml><?xml version="1.0" encoding="utf-8"?>
+<dgm:layoutDef xmlns:dgm="http://schemas.openxmlformats.org/drawingml/2006/diagram" xmlns:a="http://schemas.openxmlformats.org/drawingml/2006/main" uniqueId="urn:microsoft.com/office/officeart/2005/8/layout/hList1">
+  <dgm:title val=""/>
+  <dgm:desc val=""/>
+  <dgm:catLst>
+    <dgm:cat type="list" pri="5000"/>
+    <dgm:cat type="convert" pri="5000"/>
+  </dgm:catLst>
+  <dgm:sampData>
+    <dgm:dataModel>
+      <dgm:ptLst>
+        <dgm:pt modelId="0" type="doc"/>
+        <dgm:pt modelId="1">
+          <dgm:prSet phldr="1"/>
+        </dgm:pt>
+        <dgm:pt modelId="11">
+          <dgm:prSet phldr="1"/>
+        </dgm:pt>
+        <dgm:pt modelId="12">
+          <dgm:prSet phldr="1"/>
+        </dgm:pt>
+        <dgm:pt modelId="2">
+          <dgm:prSet phldr="1"/>
+        </dgm:pt>
+        <dgm:pt modelId="21">
+          <dgm:prSet phldr="1"/>
+        </dgm:pt>
+        <dgm:pt modelId="22">
+          <dgm:prSet phldr="1"/>
+        </dgm:pt>
+        <dgm:pt modelId="3">
+          <dgm:prSet phldr="1"/>
+        </dgm:pt>
+        <dgm:pt modelId="31">
+          <dgm:prSet phldr="1"/>
+        </dgm:pt>
+        <dgm:pt modelId="32">
+          <dgm:prSet phldr="1"/>
+        </dgm:pt>
+      </dgm:ptLst>
+      <dgm:cxnLst>
+        <dgm:cxn modelId="4" srcId="0" destId="1" srcOrd="0" destOrd="0"/>
+        <dgm:cxn modelId="5" srcId="0" destId="2" srcOrd="1" destOrd="0"/>
+        <dgm:cxn modelId="6" srcId="0" destId="3" srcOrd="2" destOrd="0"/>
+        <dgm:cxn modelId="13" srcId="1" destId="11" srcOrd="0" destOrd="0"/>
+        <dgm:cxn modelId="14" srcId="1" destId="12" srcOrd="1" destOrd="0"/>
+        <dgm:cxn modelId="23" srcId="2" destId="21" srcOrd="0" destOrd="0"/>
+        <dgm:cxn modelId="24" srcId="2" destId="22" srcOrd="1" destOrd="0"/>
+        <dgm:cxn modelId="33" srcId="3" destId="31" srcOrd="0" destOrd="0"/>
+        <dgm:cxn modelId="34" srcId="3" destId="32" srcOrd="1" destOrd="0"/>
+      </dgm:cxnLst>
+      <dgm:bg/>
+      <dgm:whole/>
+    </dgm:dataModel>
+  </dgm:sampData>
+  <dgm:styleData>
+    <dgm:dataModel>
+      <dgm:ptLst>
+        <dgm:pt modelId="0" type="doc"/>
+        <dgm:pt modelId="1">
+          <dgm:prSet phldr="1"/>
+        </dgm:pt>
+        <dgm:pt modelId="2">
+          <dgm:prSet phldr="1"/>
+        </dgm:pt>
+      </dgm:ptLst>
+      <dgm:cxnLst>
+        <dgm:cxn modelId="3" srcId="0" destId="1" srcOrd="0" destOrd="0"/>
+        <dgm:cxn modelId="4" srcId="0" destId="2" srcOrd="1" destOrd="0"/>
+      </dgm:cxnLst>
+      <dgm:bg/>
+      <dgm:whole/>
+    </dgm:dataModel>
+  </dgm:styleData>
+  <dgm:clrData>
+    <dgm:dataModel>
+      <dgm:ptLst>
+        <dgm:pt modelId="0" type="doc"/>
+        <dgm:pt modelId="1">
+          <dgm:prSet phldr="1"/>
+        </dgm:pt>
+        <dgm:pt modelId="2">
+          <dgm:prSet phldr="1"/>
+        </dgm:pt>
+        <dgm:pt modelId="3">
+          <dgm:prSet phldr="1"/>
+        </dgm:pt>
+        <dgm:pt modelId="4">
+          <dgm:prSet phldr="1"/>
+        </dgm:pt>
+      </dgm:ptLst>
+      <dgm:cxnLst>
+        <dgm:cxn modelId="5" srcId="0" destId="1" srcOrd="0" destOrd="0"/>
+        <dgm:cxn modelId="6" srcId="0" destId="2" srcOrd="1" destOrd="0"/>
+        <dgm:cxn modelId="7" srcId="0" destId="3" srcOrd="2" destOrd="0"/>
+        <dgm:cxn modelId="8" srcId="0" destId="4" srcOrd="3" destOrd="0"/>
+      </dgm:cxnLst>
+      <dgm:bg/>
+      <dgm:whole/>
+    </dgm:dataModel>
+  </dgm:clrData>
+  <dgm:layoutNode name="Name0">
+    <dgm:varLst>
+      <dgm:dir/>
+      <dgm:animLvl val="lvl"/>
+      <dgm:resizeHandles val="exact"/>
+    </dgm:varLst>
+    <dgm:choose name="Name1">
+      <dgm:if name="Name2" func="var" arg="dir" op="equ" val="norm">
+        <dgm:alg type="lin"/>
+      </dgm:if>
+      <dgm:else name="Name3">
+        <dgm:alg type="lin">
+          <dgm:param type="linDir" val="fromR"/>
+        </dgm:alg>
+      </dgm:else>
+    </dgm:choose>
+    <dgm:shape xmlns:r="http://schemas.openxmlformats.org/officeDocument/2006/relationships" r:blip="">
+      <dgm:adjLst/>
+    </dgm:shape>
+    <dgm:presOf/>
+    <dgm:constrLst>
+      <dgm:constr type="h" for="ch" forName="composite" refType="h"/>
+      <dgm:constr type="w" for="ch" forName="composite" refType="w"/>
+      <dgm:constr type="w" for="des" forName="parTx"/>
+      <dgm:constr type="h" for="des" forName="parTx" op="equ"/>
+      <dgm:constr type="w" for="des" forName="desTx"/>
+      <dgm:constr type="h" for="des" forName="desTx" op="equ"/>
+      <dgm:constr type="primFontSz" for="des" forName="parTx" val="65"/>
+      <dgm:constr type="secFontSz" for="des" forName="desTx" refType="primFontSz" refFor="des" refForName="parTx" op="equ"/>
+      <dgm:constr type="h" for="des" forName="parTx" refType="primFontSz" refFor="des" refForName="parTx" fact="0.8"/>
+      <dgm:constr type="h" for="des" forName="desTx" refType="primFontSz" refFor="des" refForName="parTx" fact="1.22"/>
+      <dgm:constr type="w" for="ch" forName="space" refType="w" refFor="ch" refForName="composite" op="equ" fact="0.14"/>
+    </dgm:constrLst>
+    <dgm:ruleLst>
+      <dgm:rule type="w" for="ch" forName="composite" val="0" fact="NaN" max="NaN"/>
+      <dgm:rule type="primFontSz" for="des" forName="parTx" val="5" fact="NaN" max="NaN"/>
+    </dgm:ruleLst>
+    <dgm:forEach name="Name4" axis="ch" ptType="node">
+      <dgm:layoutNode name="composite">
+        <dgm:alg type="composite"/>
+        <dgm:shape xmlns:r="http://schemas.openxmlformats.org/officeDocument/2006/relationships" r:blip="">
+          <dgm:adjLst/>
+        </dgm:shape>
+        <dgm:presOf/>
+        <dgm:constrLst>
+          <dgm:constr type="l" for="ch" forName="parTx"/>
+          <dgm:constr type="w" for="ch" forName="parTx" refType="w"/>
+          <dgm:constr type="t" for="ch" forName="parTx"/>
+          <dgm:constr type="l" for="ch" forName="desTx"/>
+          <dgm:constr type="w" for="ch" forName="desTx" refType="w" refFor="ch" refForName="parTx"/>
+          <dgm:constr type="t" for="ch" forName="desTx" refType="h" refFor="ch" refForName="parTx"/>
+        </dgm:constrLst>
+        <dgm:ruleLst>
+          <dgm:rule type="h" val="INF" fact="NaN" max="NaN"/>
+        </dgm:ruleLst>
+        <dgm:layoutNode name="parTx" styleLbl="alignNode1">
+          <dgm:varLst>
+            <dgm:chMax val="0"/>
+            <dgm:chPref val="0"/>
+            <dgm:bulletEnabled val="1"/>
+          </dgm:varLst>
+          <dgm:alg type="tx"/>
+          <dgm:shape xmlns:r="http://schemas.openxmlformats.org/officeDocument/2006/relationships" type="rect" r:blip="">
+            <dgm:adjLst/>
+          </dgm:shape>
+          <dgm:presOf axis="self" ptType="node"/>
+          <dgm:constrLst>
+            <dgm:constr type="h" refType="w" op="lte" fact="0.4"/>
+            <dgm:constr type="h"/>
+            <dgm:constr type="tMarg" refType="primFontSz" fact="0.32"/>
+            <dgm:constr type="bMarg" refType="primFontSz" fact="0.32"/>
+          </dgm:constrLst>
+          <dgm:ruleLst>
+            <dgm:rule type="h" val="INF" fact="NaN" max="NaN"/>
+          </dgm:ruleLst>
+        </dgm:layoutNode>
+        <dgm:layoutNode name="desTx" styleLbl="alignAccFollowNode1">
+          <dgm:varLst>
+            <dgm:bulletEnabled val="1"/>
+          </dgm:varLst>
+          <dgm:alg type="tx">
+            <dgm:param type="stBulletLvl" val="1"/>
+          </dgm:alg>
+          <dgm:shape xmlns:r="http://schemas.openxmlformats.org/officeDocument/2006/relationships" type="rect" r:blip="">
+            <dgm:adjLst/>
+          </dgm:shape>
+          <dgm:presOf axis="des" ptType="node"/>
+          <dgm:constrLst>
+            <dgm:constr type="secFontSz" val="65"/>
+            <dgm:constr type="primFontSz" refType="secFontSz"/>
+            <dgm:constr type="h"/>
+            <dgm:constr type="lMarg" refType="primFontSz" fact="0.42"/>
+            <dgm:constr type="tMarg" refType="primFontSz" fact="0.42"/>
+            <dgm:constr type="bMarg" refType="primFontSz" fact="0.63"/>
+          </dgm:constrLst>
+          <dgm:ruleLst>
+            <dgm:rule type="h" val="INF" fact="NaN" max="NaN"/>
+          </dgm:ruleLst>
+        </dgm:layoutNode>
+      </dgm:layoutNode>
+      <dgm:forEach name="Name5" axis="followSib" ptType="sibTrans" cnt="1">
+        <dgm:layoutNode name="space">
+          <dgm:alg type="sp"/>
+          <dgm:shape xmlns:r="http://schemas.openxmlformats.org/officeDocument/2006/relationships" r:blip="">
+            <dgm:adjLst/>
+          </dgm:shape>
+          <dgm:presOf/>
+          <dgm:constrLst/>
+          <dgm:ruleLst/>
+        </dgm:layoutNode>
+      </dgm:forEach>
+    </dgm:forEach>
+  </dgm:layoutNode>
+</dgm:layoutDef>
+</file>
+
+<file path=ppt/diagrams/layout2.xml><?xml version="1.0" encoding="utf-8"?>
+<dgm:layoutDef xmlns:dgm="http://schemas.openxmlformats.org/drawingml/2006/diagram" xmlns:a="http://schemas.openxmlformats.org/drawingml/2006/main" uniqueId="urn:microsoft.com/office/officeart/2005/8/layout/hierarchy1">
+  <dgm:title val=""/>
+  <dgm:desc val=""/>
+  <dgm:catLst>
+    <dgm:cat type="hierarchy" pri="2000"/>
+  </dgm:catLst>
+  <dgm:sampData>
+    <dgm:dataModel>
+      <dgm:ptLst>
+        <dgm:pt modelId="0" type="doc"/>
+        <dgm:pt modelId="1">
+          <dgm:prSet phldr="1"/>
+        </dgm:pt>
+        <dgm:pt modelId="2">
+          <dgm:prSet phldr="1"/>
+        </dgm:pt>
+        <dgm:pt modelId="21">
+          <dgm:prSet phldr="1"/>
+        </dgm:pt>
+        <dgm:pt modelId="22">
+          <dgm:prSet phldr="1"/>
+        </dgm:pt>
+        <dgm:pt modelId="3">
+          <dgm:prSet phldr="1"/>
+        </dgm:pt>
+        <dgm:pt modelId="31">
+          <dgm:prSet phldr="1"/>
+        </dgm:pt>
+      </dgm:ptLst>
+      <dgm:cxnLst>
+        <dgm:cxn modelId="4" srcId="0" destId="1" srcOrd="0" destOrd="0"/>
+        <dgm:cxn modelId="5" srcId="1" destId="2" srcOrd="0" destOrd="0"/>
+        <dgm:cxn modelId="6" srcId="1" destId="3" srcOrd="1" destOrd="0"/>
+        <dgm:cxn modelId="23" srcId="2" destId="21" srcOrd="0" destOrd="0"/>
+        <dgm:cxn modelId="24" srcId="2" destId="22" srcOrd="1" destOrd="0"/>
+        <dgm:cxn modelId="33" srcId="3" destId="31" srcOrd="0" destOrd="0"/>
+      </dgm:cxnLst>
+      <dgm:bg/>
+      <dgm:whole/>
+    </dgm:dataModel>
+  </dgm:sampData>
+  <dgm:styleData>
+    <dgm:dataModel>
+      <dgm:ptLst>
+        <dgm:pt modelId="0" type="doc"/>
+        <dgm:pt modelId="1"/>
+        <dgm:pt modelId="11"/>
+        <dgm:pt modelId="12"/>
+      </dgm:ptLst>
+      <dgm:cxnLst>
+        <dgm:cxn modelId="2" srcId="0" destId="1" srcOrd="0" destOrd="0"/>
+        <dgm:cxn modelId="13" srcId="1" destId="11" srcOrd="0" destOrd="0"/>
+        <dgm:cxn modelId="14" srcId="1" destId="12" srcOrd="1" destOrd="0"/>
+      </dgm:cxnLst>
+      <dgm:bg/>
+      <dgm:whole/>
+    </dgm:dataModel>
+  </dgm:styleData>
+  <dgm:clrData>
+    <dgm:dataModel>
+      <dgm:ptLst>
+        <dgm:pt modelId="0" type="doc"/>
+        <dgm:pt modelId="1"/>
+        <dgm:pt modelId="2"/>
+        <dgm:pt modelId="21"/>
+        <dgm:pt modelId="211"/>
+        <dgm:pt modelId="3"/>
+        <dgm:pt modelId="31"/>
+        <dgm:pt modelId="311"/>
+      </dgm:ptLst>
+      <dgm:cxnLst>
+        <dgm:cxn modelId="4" srcId="0" destId="1" srcOrd="0" destOrd="0"/>
+        <dgm:cxn modelId="5" srcId="1" destId="2" srcOrd="0" destOrd="0"/>
+        <dgm:cxn modelId="6" srcId="1" destId="3" srcOrd="1" destOrd="0"/>
+        <dgm:cxn modelId="23" srcId="2" destId="21" srcOrd="0" destOrd="0"/>
+        <dgm:cxn modelId="24" srcId="21" destId="211" srcOrd="0" destOrd="0"/>
+        <dgm:cxn modelId="33" srcId="3" destId="31" srcOrd="0" destOrd="0"/>
+        <dgm:cxn modelId="34" srcId="31" destId="311" srcOrd="0" destOrd="0"/>
+      </dgm:cxnLst>
+      <dgm:bg/>
+      <dgm:whole/>
+    </dgm:dataModel>
+  </dgm:clrData>
+  <dgm:layoutNode name="hierChild1">
+    <dgm:varLst>
+      <dgm:chPref val="1"/>
+      <dgm:dir/>
+      <dgm:animOne val="branch"/>
+      <dgm:animLvl val="lvl"/>
+      <dgm:resizeHandles/>
+    </dgm:varLst>
+    <dgm:choose name="Name0">
+      <dgm:if name="Name1" func="var" arg="dir" op="equ" val="norm">
+        <dgm:alg type="hierChild">
+          <dgm:param type="linDir" val="fromL"/>
+        </dgm:alg>
+      </dgm:if>
+      <dgm:else name="Name2">
+        <dgm:alg type="hierChild">
+          <dgm:param type="linDir" val="fromR"/>
+        </dgm:alg>
+      </dgm:else>
+    </dgm:choose>
+    <dgm:shape xmlns:r="http://schemas.openxmlformats.org/officeDocument/2006/relationships" r:blip="">
+      <dgm:adjLst/>
+    </dgm:shape>
+    <dgm:presOf/>
+    <dgm:constrLst>
+      <dgm:constr type="primFontSz" for="des" ptType="node" op="equ" val="65"/>
+      <dgm:constr type="w" for="des" forName="composite" refType="w"/>
+      <dgm:constr type="h" for="des" forName="composite" refType="w" refFor="des" refForName="composite" fact="0.667"/>
+      <dgm:constr type="w" for="des" forName="composite2" refType="w" refFor="des" refForName="composite"/>
+      <dgm:constr type="h" for="des" forName="composite2" refType="h" refFor="des" refForName="composite"/>
+      <dgm:constr type="w" for="des" forName="composite3" refType="w" refFor="des" refForName="composite"/>
+      <dgm:constr type="h" for="des" forName="composite3" refType="h" refFor="des" refForName="composite"/>
+      <dgm:constr type="w" for="des" forName="composite4" refType="w" refFor="des" refForName="composite"/>
+      <dgm:constr type="h" for="des" forName="composite4" refType="h" refFor="des" refForName="composite"/>
+      <dgm:constr type="w" for="des" forName="composite5" refType="w" refFor="des" refForName="composite"/>
+      <dgm:constr type="h" for="des" forName="composite5" refType="h" refFor="des" refForName="composite"/>
+      <dgm:constr type="sibSp" refType="w" refFor="des" refForName="composite" fact="0.1"/>
+      <dgm:constr type="sibSp" for="des" forName="hierChild2" refType="sibSp"/>
+      <dgm:constr type="sibSp" for="des" forName="hierChild3" refType="sibSp"/>
+      <dgm:constr type="sibSp" for="des" forName="hierChild4" refType="sibSp"/>
+      <dgm:constr type="sibSp" for="des" forName="hierChild5" refType="sibSp"/>
+      <dgm:constr type="sibSp" for="des" forName="hierChild6" refType="sibSp"/>
+      <dgm:constr type="sp" for="des" forName="hierRoot1" refType="h" refFor="des" refForName="composite" fact="0.25"/>
+      <dgm:constr type="sp" for="des" forName="hierRoot2" refType="sp" refFor="des" refForName="hierRoot1"/>
+      <dgm:constr type="sp" for="des" forName="hierRoot3" refType="sp" refFor="des" refForName="hierRoot1"/>
+      <dgm:constr type="sp" for="des" forName="hierRoot4" refType="sp" refFor="des" refForName="hierRoot1"/>
+      <dgm:constr type="sp" for="des" forName="hierRoot5" refType="sp" refFor="des" refForName="hierRoot1"/>
+    </dgm:constrLst>
+    <dgm:ruleLst/>
+    <dgm:forEach name="Name3" axis="ch">
+      <dgm:forEach name="Name4" axis="self" ptType="node">
+        <dgm:layoutNode name="hierRoot1">
+          <dgm:alg type="hierRoot"/>
+          <dgm:shape xmlns:r="http://schemas.openxmlformats.org/officeDocument/2006/relationships" r:blip="">
+            <dgm:adjLst/>
+          </dgm:shape>
+          <dgm:presOf/>
+          <dgm:constrLst>
+            <dgm:constr type="bendDist" for="des" ptType="parTrans" refType="sp" fact="0.5"/>
+          </dgm:constrLst>
+          <dgm:ruleLst/>
+          <dgm:layoutNode name="composite">
+            <dgm:alg type="composite"/>
+            <dgm:shape xmlns:r="http://schemas.openxmlformats.org/officeDocument/2006/relationships" r:blip="">
+              <dgm:adjLst/>
+            </dgm:shape>
+            <dgm:presOf/>
+            <dgm:constrLst>
+              <dgm:constr type="w" for="ch" forName="background" refType="w" fact="0.9"/>
+              <dgm:constr type="h" for="ch" forName="background" refType="w" refFor="ch" refForName="background" fact="0.635"/>
+              <dgm:constr type="t" for="ch" forName="background"/>
+              <dgm:constr type="l" for="ch" forName="background"/>
+              <dgm:constr type="w" for="ch" forName="text" refType="w" fact="0.9"/>
+              <dgm:constr type="h" for="ch" forName="text" refType="w" refFor="ch" refForName="text" fact="0.635"/>
+              <dgm:constr type="t" for="ch" forName="text" refType="w" fact="0.095"/>
+              <dgm:constr type="l" for="ch" forName="text" refType="w" fact="0.1"/>
+            </dgm:constrLst>
+            <dgm:ruleLst/>
+            <dgm:layoutNode name="background" styleLbl="node0" moveWith="text">
+              <dgm:alg type="sp"/>
+              <dgm:shape xmlns:r="http://schemas.openxmlformats.org/officeDocument/2006/relationships" type="roundRect" r:blip="">
+                <dgm:adjLst>
+                  <dgm:adj idx="1" val="0.1"/>
+                </dgm:adjLst>
+              </dgm:shape>
+              <dgm:presOf/>
+              <dgm:constrLst/>
+              <dgm:ruleLst/>
+            </dgm:layoutNode>
+            <dgm:layoutNode name="text" styleLbl="fgAcc0">
+              <dgm:varLst>
+                <dgm:chPref val="3"/>
+              </dgm:varLst>
+              <dgm:alg type="tx"/>
+              <dgm:shape xmlns:r="http://schemas.openxmlformats.org/officeDocument/2006/relationships" type="roundRect" r:blip="">
+                <dgm:adjLst>
+                  <dgm:adj idx="1" val="0.1"/>
+                </dgm:adjLst>
+              </dgm:shape>
+              <dgm:presOf axis="self"/>
+              <dgm:constrLst>
+                <dgm:constr type="tMarg" refType="primFontSz" fact="0.3"/>
+                <dgm:constr type="bMarg" refType="primFontSz" fact="0.3"/>
+                <dgm:constr type="lMarg" refType="primFontSz" fact="0.3"/>
+                <dgm:constr type="rMarg" refType="primFontSz" fact="0.3"/>
+              </dgm:constrLst>
+              <dgm:ruleLst>
+                <dgm:rule type="primFontSz" val="5" fact="NaN" max="NaN"/>
+              </dgm:ruleLst>
+            </dgm:layoutNode>
+          </dgm:layoutNode>
+          <dgm:layoutNode name="hierChild2">
+            <dgm:choose name="Name5">
+              <dgm:if name="Name6" func="var" arg="dir" op="equ" val="norm">
+                <dgm:alg type="hierChild">
+                  <dgm:param type="linDir" val="fromL"/>
+                </dgm:alg>
+              </dgm:if>
+              <dgm:else name="Name7">
+                <dgm:alg type="hierChild">
+                  <dgm:param type="linDir" val="fromR"/>
+                </dgm:alg>
+              </dgm:else>
+            </dgm:choose>
+            <dgm:shape xmlns:r="http://schemas.openxmlformats.org/officeDocument/2006/relationships" r:blip="">
+              <dgm:adjLst/>
+            </dgm:shape>
+            <dgm:presOf/>
+            <dgm:constrLst/>
+            <dgm:ruleLst/>
+            <dgm:forEach name="Name8" axis="ch">
+              <dgm:forEach name="Name9" axis="self" ptType="parTrans" cnt="1">
+                <dgm:layoutNode name="Name10">
+                  <dgm:alg type="conn">
+                    <dgm:param type="dim" val="1D"/>
+                    <dgm:param type="endSty" val="noArr"/>
+                    <dgm:param type="connRout" val="bend"/>
+                    <dgm:param type="bendPt" val="end"/>
+                    <dgm:param type="begPts" val="bCtr"/>
+                    <dgm:param type="endPts" val="tCtr"/>
+                    <dgm:param type="srcNode" val="background"/>
+                    <dgm:param type="dstNode" val="background2"/>
+                  </dgm:alg>
+                  <dgm:shape xmlns:r="http://schemas.openxmlformats.org/officeDocument/2006/relationships" type="conn" r:blip="" zOrderOff="-999">
+                    <dgm:adjLst/>
+                  </dgm:shape>
+                  <dgm:presOf axis="self"/>
+                  <dgm:constrLst>
+                    <dgm:constr type="begPad"/>
+                    <dgm:constr type="endPad"/>
+                  </dgm:constrLst>
+                  <dgm:ruleLst/>
+                </dgm:layoutNode>
+              </dgm:forEach>
+              <dgm:forEach name="Name11" axis="self" ptType="node">
+                <dgm:layoutNode name="hierRoot2">
+                  <dgm:alg type="hierRoot"/>
+                  <dgm:shape xmlns:r="http://schemas.openxmlformats.org/officeDocument/2006/relationships" r:blip="">
+                    <dgm:adjLst/>
+                  </dgm:shape>
+                  <dgm:presOf/>
+                  <dgm:constrLst>
+                    <dgm:constr type="bendDist" for="des" ptType="parTrans" refType="sp" fact="0.5"/>
+                  </dgm:constrLst>
+                  <dgm:ruleLst/>
+                  <dgm:layoutNode name="composite2">
+                    <dgm:alg type="composite"/>
+                    <dgm:shape xmlns:r="http://schemas.openxmlformats.org/officeDocument/2006/relationships" r:blip="">
+                      <dgm:adjLst/>
+                    </dgm:shape>
+                    <dgm:presOf/>
+                    <dgm:constrLst>
+                      <dgm:constr type="w" for="ch" forName="background2" refType="w" fact="0.9"/>
+                      <dgm:constr type="h" for="ch" forName="background2" refType="w" refFor="ch" refForName="background2" fact="0.635"/>
+                      <dgm:constr type="t" for="ch" forName="background2"/>
+                      <dgm:constr type="l" for="ch" forName="background2"/>
+                      <dgm:constr type="w" for="ch" forName="text2" refType="w" fact="0.9"/>
+                      <dgm:constr type="h" for="ch" forName="text2" refType="w" refFor="ch" refForName="text2" fact="0.635"/>
+                      <dgm:constr type="t" for="ch" forName="text2" refType="w" fact="0.095"/>
+                      <dgm:constr type="l" for="ch" forName="text2" refType="w" fact="0.1"/>
+                    </dgm:constrLst>
+                    <dgm:ruleLst/>
+                    <dgm:layoutNode name="background2" moveWith="text2">
+                      <dgm:alg type="sp"/>
+                      <dgm:shape xmlns:r="http://schemas.openxmlformats.org/officeDocument/2006/relationships" type="roundRect" r:blip="">
+                        <dgm:adjLst>
+                          <dgm:adj idx="1" val="0.1"/>
+                        </dgm:adjLst>
+                      </dgm:shape>
+                      <dgm:presOf/>
+                      <dgm:constrLst/>
+                      <dgm:ruleLst/>
+                    </dgm:layoutNode>
+                    <dgm:layoutNode name="text2" styleLbl="fgAcc2">
+                      <dgm:varLst>
+                        <dgm:chPref val="3"/>
+                      </dgm:varLst>
+                      <dgm:alg type="tx"/>
+                      <dgm:shape xmlns:r="http://schemas.openxmlformats.org/officeDocument/2006/relationships" type="roundRect" r:blip="">
+                        <dgm:adjLst>
+                          <dgm:adj idx="1" val="0.1"/>
+                        </dgm:adjLst>
+                      </dgm:shape>
+                      <dgm:presOf axis="self"/>
+                      <dgm:constrLst>
+                        <dgm:constr type="tMarg" refType="primFontSz" fact="0.3"/>
+                        <dgm:constr type="bMarg" refType="primFontSz" fact="0.3"/>
+                        <dgm:constr type="lMarg" refType="primFontSz" fact="0.3"/>
+                        <dgm:constr type="rMarg" refType="primFontSz" fact="0.3"/>
+                      </dgm:constrLst>
+                      <dgm:ruleLst>
+                        <dgm:rule type="primFontSz" val="5" fact="NaN" max="NaN"/>
+                      </dgm:ruleLst>
+                    </dgm:layoutNode>
+                  </dgm:layoutNode>
+                  <dgm:layoutNode name="hierChild3">
+                    <dgm:choose name="Name12">
+                      <dgm:if name="Name13" func="var" arg="dir" op="equ" val="norm">
+                        <dgm:alg type="hierChild">
+                          <dgm:param type="linDir" val="fromL"/>
+                        </dgm:alg>
+                      </dgm:if>
+                      <dgm:else name="Name14">
+                        <dgm:alg type="hierChild">
+                          <dgm:param type="linDir" val="fromR"/>
+                        </dgm:alg>
+                      </dgm:else>
+                    </dgm:choose>
+                    <dgm:shape xmlns:r="http://schemas.openxmlformats.org/officeDocument/2006/relationships" r:blip="">
+                      <dgm:adjLst/>
+                    </dgm:shape>
+                    <dgm:presOf/>
+                    <dgm:constrLst/>
+                    <dgm:ruleLst/>
+                    <dgm:forEach name="Name15" axis="ch">
+                      <dgm:forEach name="Name16" axis="self" ptType="parTrans" cnt="1">
+                        <dgm:layoutNode name="Name17">
+                          <dgm:alg type="conn">
+                            <dgm:param type="dim" val="1D"/>
+                            <dgm:param type="endSty" val="noArr"/>
+                            <dgm:param type="connRout" val="bend"/>
+                            <dgm:param type="bendPt" val="end"/>
+                            <dgm:param type="begPts" val="bCtr"/>
+                            <dgm:param type="endPts" val="tCtr"/>
+                            <dgm:param type="srcNode" val="background2"/>
+                            <dgm:param type="dstNode" val="background3"/>
+                          </dgm:alg>
+                          <dgm:shape xmlns:r="http://schemas.openxmlformats.org/officeDocument/2006/relationships" type="conn" r:blip="" zOrderOff="-999">
+                            <dgm:adjLst/>
+                          </dgm:shape>
+                          <dgm:presOf axis="self"/>
+                          <dgm:constrLst>
+                            <dgm:constr type="begPad"/>
+                            <dgm:constr type="endPad"/>
+                          </dgm:constrLst>
+                          <dgm:ruleLst/>
+                        </dgm:layoutNode>
+                      </dgm:forEach>
+                      <dgm:forEach name="Name18" axis="self" ptType="node">
+                        <dgm:layoutNode name="hierRoot3">
+                          <dgm:alg type="hierRoot"/>
+                          <dgm:shape xmlns:r="http://schemas.openxmlformats.org/officeDocument/2006/relationships" r:blip="">
+                            <dgm:adjLst/>
+                          </dgm:shape>
+                          <dgm:presOf/>
+                          <dgm:constrLst>
+                            <dgm:constr type="bendDist" for="des" ptType="parTrans" refType="sp" fact="0.5"/>
+                          </dgm:constrLst>
+                          <dgm:ruleLst/>
+                          <dgm:layoutNode name="composite3">
+                            <dgm:alg type="composite"/>
+                            <dgm:shape xmlns:r="http://schemas.openxmlformats.org/officeDocument/2006/relationships" r:blip="">
+                              <dgm:adjLst/>
+                            </dgm:shape>
+                            <dgm:presOf/>
+                            <dgm:constrLst>
+                              <dgm:constr type="w" for="ch" forName="background3" refType="w" fact="0.9"/>
+                              <dgm:constr type="h" for="ch" forName="background3" refType="w" refFor="ch" refForName="background3" fact="0.635"/>
+                              <dgm:constr type="t" for="ch" forName="background3"/>
+                              <dgm:constr type="l" for="ch" forName="background3"/>
+                              <dgm:constr type="w" for="ch" forName="text3" refType="w" fact="0.9"/>
+                              <dgm:constr type="h" for="ch" forName="text3" refType="w" refFor="ch" refForName="text3" fact="0.635"/>
+                              <dgm:constr type="t" for="ch" forName="text3" refType="w" fact="0.095"/>
+                              <dgm:constr type="l" for="ch" forName="text3" refType="w" fact="0.1"/>
+                            </dgm:constrLst>
+                            <dgm:ruleLst/>
+                            <dgm:layoutNode name="background3" moveWith="text3">
+                              <dgm:alg type="sp"/>
+                              <dgm:shape xmlns:r="http://schemas.openxmlformats.org/officeDocument/2006/relationships" type="roundRect" r:blip="">
+                                <dgm:adjLst>
+                                  <dgm:adj idx="1" val="0.1"/>
+                                </dgm:adjLst>
+                              </dgm:shape>
+                              <dgm:presOf/>
+                              <dgm:constrLst/>
+                              <dgm:ruleLst/>
+                            </dgm:layoutNode>
+                            <dgm:layoutNode name="text3" styleLbl="fgAcc3">
+                              <dgm:varLst>
+                                <dgm:chPref val="3"/>
+                              </dgm:varLst>
+                              <dgm:alg type="tx"/>
+                              <dgm:shape xmlns:r="http://schemas.openxmlformats.org/officeDocument/2006/relationships" type="roundRect" r:blip="">
+                                <dgm:adjLst>
+                                  <dgm:adj idx="1" val="0.1"/>
+                                </dgm:adjLst>
+                              </dgm:shape>
+                              <dgm:presOf axis="self"/>
+                              <dgm:constrLst>
+                                <dgm:constr type="tMarg" refType="primFontSz" fact="0.3"/>
+                                <dgm:constr type="bMarg" refType="primFontSz" fact="0.3"/>
+                                <dgm:constr type="lMarg" refType="primFontSz" fact="0.3"/>
+                                <dgm:constr type="rMarg" refType="primFontSz" fact="0.3"/>
+                              </dgm:constrLst>
+                              <dgm:ruleLst>
+                                <dgm:rule type="primFontSz" val="5" fact="NaN" max="NaN"/>
+                              </dgm:ruleLst>
+                            </dgm:layoutNode>
+                          </dgm:layoutNode>
+                          <dgm:layoutNode name="hierChild4">
+                            <dgm:choose name="Name19">
+                              <dgm:if name="Name20" func="var" arg="dir" op="equ" val="norm">
+                                <dgm:alg type="hierChild">
+                                  <dgm:param type="linDir" val="fromL"/>
+                                </dgm:alg>
+                              </dgm:if>
+                              <dgm:else name="Name21">
+                                <dgm:alg type="hierChild">
+                                  <dgm:param type="linDir" val="fromR"/>
+                                </dgm:alg>
+                              </dgm:else>
+                            </dgm:choose>
+                            <dgm:shape xmlns:r="http://schemas.openxmlformats.org/officeDocument/2006/relationships" r:blip="">
+                              <dgm:adjLst/>
+                            </dgm:shape>
+                            <dgm:presOf/>
+                            <dgm:constrLst/>
+                            <dgm:ruleLst/>
+                            <dgm:forEach name="repeat" axis="ch">
+                              <dgm:forEach name="Name22" axis="self" ptType="parTrans" cnt="1">
+                                <dgm:layoutNode name="Name23">
+                                  <dgm:choose name="Name24">
+                                    <dgm:if name="Name25" axis="self" func="depth" op="lte" val="4">
+                                      <dgm:alg type="conn">
+                                        <dgm:param type="dim" val="1D"/>
+                                        <dgm:param type="endSty" val="noArr"/>
+                                        <dgm:param type="connRout" val="bend"/>
+                                        <dgm:param type="bendPt" val="end"/>
+                                        <dgm:param type="begPts" val="bCtr"/>
+                                        <dgm:param type="endPts" val="tCtr"/>
+                                        <dgm:param type="srcNode" val="background3"/>
+                                        <dgm:param type="dstNode" val="background4"/>
+                                      </dgm:alg>
+                                    </dgm:if>
+                                    <dgm:else name="Name26">
+                                      <dgm:alg type="conn">
+                                        <dgm:param type="dim" val="1D"/>
+                                        <dgm:param type="endSty" val="noArr"/>
+                                        <dgm:param type="connRout" val="bend"/>
+                                        <dgm:param type="bendPt" val="end"/>
+                                        <dgm:param type="begPts" val="bCtr"/>
+                                        <dgm:param type="endPts" val="tCtr"/>
+                                        <dgm:param type="srcNode" val="background4"/>
+                                        <dgm:param type="dstNode" val="background4"/>
+                                      </dgm:alg>
+                                    </dgm:else>
+                                  </dgm:choose>
+                                  <dgm:shape xmlns:r="http://schemas.openxmlformats.org/officeDocument/2006/relationships" type="conn" r:blip="" zOrderOff="-999">
+                                    <dgm:adjLst/>
+                                  </dgm:shape>
+                                  <dgm:presOf axis="self"/>
+                                  <dgm:constrLst>
+                                    <dgm:constr type="begPad"/>
+                                    <dgm:constr type="endPad"/>
+                                  </dgm:constrLst>
+                                  <dgm:ruleLst/>
+                                </dgm:layoutNode>
+                              </dgm:forEach>
+                              <dgm:forEach name="Name27" axis="self" ptType="node">
+                                <dgm:layoutNode name="hierRoot4">
+                                  <dgm:alg type="hierRoot"/>
+                                  <dgm:shape xmlns:r="http://schemas.openxmlformats.org/officeDocument/2006/relationships" r:blip="">
+                                    <dgm:adjLst/>
+                                  </dgm:shape>
+                                  <dgm:presOf/>
+                                  <dgm:constrLst>
+                                    <dgm:constr type="bendDist" for="des" ptType="parTrans" refType="sp" fact="0.5"/>
+                                  </dgm:constrLst>
+                                  <dgm:ruleLst/>
+                                  <dgm:layoutNode name="composite4">
+                                    <dgm:alg type="composite"/>
+                                    <dgm:shape xmlns:r="http://schemas.openxmlformats.org/officeDocument/2006/relationships" r:blip="">
+                                      <dgm:adjLst/>
+                                    </dgm:shape>
+                                    <dgm:presOf/>
+                                    <dgm:constrLst>
+                                      <dgm:constr type="w" for="ch" forName="background4" refType="w" fact="0.9"/>
+                                      <dgm:constr type="h" for="ch" forName="background4" refType="w" refFor="ch" refForName="background4" fact="0.635"/>
+                                      <dgm:constr type="t" for="ch" forName="background4"/>
+                                      <dgm:constr type="l" for="ch" forName="background4"/>
+                                      <dgm:constr type="w" for="ch" forName="text4" refType="w" fact="0.9"/>
+                                      <dgm:constr type="h" for="ch" forName="text4" refType="w" refFor="ch" refForName="text4" fact="0.635"/>
+                                      <dgm:constr type="t" for="ch" forName="text4" refType="w" fact="0.095"/>
+                                      <dgm:constr type="l" for="ch" forName="text4" refType="w" fact="0.1"/>
+                                    </dgm:constrLst>
+                                    <dgm:ruleLst/>
+                                    <dgm:layoutNode name="background4" moveWith="text4">
+                                      <dgm:alg type="sp"/>
+                                      <dgm:shape xmlns:r="http://schemas.openxmlformats.org/officeDocument/2006/relationships" type="roundRect" r:blip="">
+                                        <dgm:adjLst>
+                                          <dgm:adj idx="1" val="0.1"/>
+                                        </dgm:adjLst>
+                                      </dgm:shape>
+                                      <dgm:presOf/>
+                                      <dgm:constrLst/>
+                                      <dgm:ruleLst/>
+                                    </dgm:layoutNode>
+                                    <dgm:layoutNode name="text4" styleLbl="fgAcc4">
+                                      <dgm:varLst>
+                                        <dgm:chPref val="3"/>
+                                      </dgm:varLst>
+                                      <dgm:alg type="tx"/>
+                                      <dgm:shape xmlns:r="http://schemas.openxmlformats.org/officeDocument/2006/relationships" type="roundRect" r:blip="">
+                                        <dgm:adjLst>
+                                          <dgm:adj idx="1" val="0.1"/>
+                                        </dgm:adjLst>
+                                      </dgm:shape>
+                                      <dgm:presOf axis="self"/>
+                                      <dgm:constrLst>
+                                        <dgm:constr type="tMarg" refType="primFontSz" fact="0.3"/>
+                                        <dgm:constr type="bMarg" refType="primFontSz" fact="0.3"/>
+                                        <dgm:constr type="lMarg" refType="primFontSz" fact="0.3"/>
+                                        <dgm:constr type="rMarg" refType="primFontSz" fact="0.3"/>
+                                      </dgm:constrLst>
+                                      <dgm:ruleLst>
+                                        <dgm:rule type="primFontSz" val="5" fact="NaN" max="NaN"/>
+                                      </dgm:ruleLst>
+                                    </dgm:layoutNode>
+                                  </dgm:layoutNode>
+                                  <dgm:layoutNode name="hierChild5">
+                                    <dgm:choose name="Name28">
+                                      <dgm:if name="Name29" func="var" arg="dir" op="equ" val="norm">
+                                        <dgm:alg type="hierChild">
+                                          <dgm:param type="linDir" val="fromL"/>
+                                        </dgm:alg>
+                                      </dgm:if>
+                                      <dgm:else name="Name30">
+                                        <dgm:alg type="hierChild">
+                                          <dgm:param type="linDir" val="fromR"/>
+                                        </dgm:alg>
+                                      </dgm:else>
+                                    </dgm:choose>
+                                    <dgm:shape xmlns:r="http://schemas.openxmlformats.org/officeDocument/2006/relationships" r:blip="">
+                                      <dgm:adjLst/>
+                                    </dgm:shape>
+                                    <dgm:presOf/>
+                                    <dgm:constrLst/>
+                                    <dgm:ruleLst/>
+                                    <dgm:forEach name="Name31" ref="repeat"/>
+                                  </dgm:layoutNode>
+                                </dgm:layoutNode>
+                              </dgm:forEach>
+                            </dgm:forEach>
+                          </dgm:layoutNode>
+                        </dgm:layoutNode>
+                      </dgm:forEach>
+                    </dgm:forEach>
+                  </dgm:layoutNode>
+                </dgm:layoutNode>
+              </dgm:forEach>
+            </dgm:forEach>
+          </dgm:layoutNode>
+        </dgm:layoutNode>
+      </dgm:forEach>
+    </dgm:forEach>
+  </dgm:layoutNode>
+</dgm:layoutDef>
+</file>
+
+<file path=ppt/diagrams/quickStyle1.xml><?xml version="1.0" encoding="utf-8"?>
+<dgm:styleDef xmlns:dgm="http://schemas.openxmlformats.org/drawingml/2006/diagram" xmlns:a="http://schemas.openxmlformats.org/drawingml/2006/main" uniqueId="urn:microsoft.com/office/officeart/2005/8/quickstyle/simple2">
+  <dgm:title val=""/>
+  <dgm:desc val=""/>
+  <dgm:catLst>
+    <dgm:cat type="simple" pri="10200"/>
+  </dgm:catLst>
+  <dgm:scene3d>
+    <a:camera prst="orthographicFront"/>
+    <a:lightRig rig="threePt" dir="t"/>
+  </dgm:scene3d>
+  <dgm:styleLbl name="node0">
+    <dgm:scene3d>
+      <a:camera prst="orthographicFront"/>
+      <a:lightRig rig="threePt" dir="t"/>
+    </dgm:scene3d>
+    <dgm:sp3d/>
+    <dgm:txPr/>
+    <dgm:style>
+      <a:lnRef idx="3">
+        <a:scrgbClr r="0" g="0" b="0"/>
+      </a:lnRef>
+      <a:fillRef idx="1">
+        <a:scrgbClr r="0" g="0" b="0"/>
+      </a:fillRef>
+      <a:effectRef idx="1">
+        <a:scrgbClr r="0" g="0" b="0"/>
+      </a:effectRef>
+      <a:fontRef idx="minor">
+        <a:schemeClr val="lt1"/>
+      </a:fontRef>
+    </dgm:style>
+  </dgm:styleLbl>
+  <dgm:styleLbl name="lnNode1">
+    <dgm:scene3d>
+      <a:camera prst="orthographicFront"/>
+      <a:lightRig rig="threePt" dir="t"/>
+    </dgm:scene3d>
+    <dgm:sp3d/>
+    <dgm:txPr/>
+    <dgm:style>
+      <a:lnRef idx="3">
+        <a:scrgbClr r="0" g="0" b="0"/>
+      </a:lnRef>
+      <a:fillRef idx="1">
+        <a:scrgbClr r="0" g="0" b="0"/>
+      </a:fillRef>
+      <a:effectRef idx="1">
+        <a:scrgbClr r="0" g="0" b="0"/>
+      </a:effectRef>
+      <a:fontRef idx="minor">
+        <a:schemeClr val="lt1"/>
+      </a:fontRef>
+    </dgm:style>
+  </dgm:styleLbl>
+  <dgm:styleLbl name="vennNode1">
+    <dgm:scene3d>
+      <a:camera prst="orthographicFront"/>
+      <a:lightRig rig="threePt" dir="t"/>
+    </dgm:scene3d>
+    <dgm:sp3d/>
+    <dgm:txPr/>
+    <dgm:style>
+      <a:lnRef idx="3">
+        <a:scrgbClr r="0" g="0" b="0"/>
+      </a:lnRef>
+      <a:fillRef idx="1">
+        <a:scrgbClr r="0" g="0" b="0"/>
+      </a:fillRef>
+      <a:effectRef idx="0">
+        <a:scrgbClr r="0" g="0" b="0"/>
+      </a:effectRef>
+      <a:fontRef idx="minor">
+        <a:schemeClr val="tx1"/>
+      </a:fontRef>
+    </dgm:style>
+  </dgm:styleLbl>
+  <dgm:styleLbl name="alignNode1">
+    <dgm:scene3d>
+      <a:camera prst="orthographicFront"/>
+      <a:lightRig rig="threePt" dir="t"/>
+    </dgm:scene3d>
+    <dgm:sp3d/>
+    <dgm:txPr/>
+    <dgm:style>
+      <a:lnRef idx="2">
+        <a:scrgbClr r="0" g="0" b="0"/>
+      </a:lnRef>
+      <a:fillRef idx="1">
+        <a:scrgbClr r="0" g="0" b="0"/>
+      </a:fillRef>
+      <a:effectRef idx="1">
+        <a:scrgbClr r="0" g="0" b="0"/>
+      </a:effectRef>
+      <a:fontRef idx="minor">
+        <a:schemeClr val="lt1"/>
+      </a:fontRef>
+    </dgm:style>
+  </dgm:styleLbl>
+  <dgm:styleLbl name="node1">
+    <dgm:scene3d>
+      <a:camera prst="orthographicFront"/>
+      <a:lightRig rig="threePt" dir="t"/>
+    </dgm:scene3d>
+    <dgm:sp3d/>
+    <dgm:txPr/>
+    <dgm:style>
+      <a:lnRef idx="3">
+        <a:scrgbClr r="0" g="0" b="0"/>
+      </a:lnRef>
+      <a:fillRef idx="1">
+        <a:scrgbClr r="0" g="0" b="0"/>
+      </a:fillRef>
+      <a:effectRef idx="1">
+        <a:scrgbClr r="0" g="0" b="0"/>
+      </a:effectRef>
+      <a:fontRef idx="minor">
+        <a:schemeClr val="lt1"/>
+      </a:fontRef>
+    </dgm:style>
+  </dgm:styleLbl>
+  <dgm:styleLbl name="node2">
+    <dgm:scene3d>
+      <a:camera prst="orthographicFront"/>
+      <a:lightRig rig="threePt" dir="t"/>
+    </dgm:scene3d>
+    <dgm:sp3d/>
+    <dgm:txPr/>
+    <dgm:style>
+      <a:lnRef idx="3">
+        <a:scrgbClr r="0" g="0" b="0"/>
+      </a:lnRef>
+      <a:fillRef idx="1">
+        <a:scrgbClr r="0" g="0" b="0"/>
+      </a:fillRef>
+      <a:effectRef idx="1">
+        <a:scrgbClr r="0" g="0" b="0"/>
+      </a:effectRef>
+      <a:fontRef idx="minor">
+        <a:schemeClr val="lt1"/>
+      </a:fontRef>
+    </dgm:style>
+  </dgm:styleLbl>
+  <dgm:styleLbl name="node3">
+    <dgm:scene3d>
+      <a:camera prst="orthographicFront"/>
+      <a:lightRig rig="threePt" dir="t"/>
+    </dgm:scene3d>
+    <dgm:sp3d/>
+    <dgm:txPr/>
+    <dgm:style>
+      <a:lnRef idx="3">
+        <a:scrgbClr r="0" g="0" b="0"/>
+      </a:lnRef>
+      <a:fillRef idx="1">
+        <a:scrgbClr r="0" g="0" b="0"/>
+      </a:fillRef>
+      <a:effectRef idx="1">
+        <a:scrgbClr r="0" g="0" b="0"/>
+      </a:effectRef>
+      <a:fontRef idx="minor">
+        <a:schemeClr val="lt1"/>
+      </a:fontRef>
+    </dgm:style>
+  </dgm:styleLbl>
+  <dgm:styleLbl name="node4">
+    <dgm:scene3d>
+      <a:camera prst="orthographicFront"/>
+      <a:lightRig rig="threePt" dir="t"/>
+    </dgm:scene3d>
+    <dgm:sp3d/>
+    <dgm:txPr/>
+    <dgm:style>
+      <a:lnRef idx="3">
+        <a:scrgbClr r="0" g="0" b="0"/>
+      </a:lnRef>
+      <a:fillRef idx="1">
+        <a:scrgbClr r="0" g="0" b="0"/>
+      </a:fillRef>
+      <a:effectRef idx="1">
+        <a:scrgbClr r="0" g="0" b="0"/>
+      </a:effectRef>
+      <a:fontRef idx="minor">
+        <a:schemeClr val="lt1"/>
+      </a:fontRef>
+    </dgm:style>
+  </dgm:styleLbl>
+  <dgm:styleLbl name="fgImgPlace1">
+    <dgm:scene3d>
+      <a:camera prst="orthographicFront"/>
+      <a:lightRig rig="threePt" dir="t"/>
+    </dgm:scene3d>
+    <dgm:sp3d/>
+    <dgm:txPr/>
+    <dgm:style>
+      <a:lnRef idx="3">
+        <a:scrgbClr r="0" g="0" b="0"/>
+      </a:lnRef>
+      <a:fillRef idx="1">
+        <a:scrgbClr r="0" g="0" b="0"/>
+      </a:fillRef>
+      <a:effectRef idx="1">
+        <a:scrgbClr r="0" g="0" b="0"/>
+      </a:effectRef>
+      <a:fontRef idx="minor"/>
+    </dgm:style>
+  </dgm:styleLbl>
+  <dgm:styleLbl name="alignImgPlace1">
+    <dgm:scene3d>
+      <a:camera prst="orthographicFront"/>
+      <a:lightRig rig="threePt" dir="t"/>
+    </dgm:scene3d>
+    <dgm:sp3d/>
+    <dgm:txPr/>
+    <dgm:style>
+      <a:lnRef idx="3">
+        <a:scrgbClr r="0" g="0" b="0"/>
+      </a:lnRef>
+      <a:fillRef idx="1">
+        <a:scrgbClr r="0" g="0" b="0"/>
+      </a:fillRef>
+      <a:effectRef idx="1">
+        <a:scrgbClr r="0" g="0" b="0"/>
+      </a:effectRef>
+      <a:fontRef idx="minor"/>
+    </dgm:style>
+  </dgm:styleLbl>
+  <dgm:styleLbl name="bgImgPlace1">
+    <dgm:scene3d>
+      <a:camera prst="orthographicFront"/>
+      <a:lightRig rig="threePt" dir="t"/>
+    </dgm:scene3d>
+    <dgm:sp3d/>
+    <dgm:txPr/>
+    <dgm:style>
+      <a:lnRef idx="3">
+        <a:scrgbClr r="0" g="0" b="0"/>
+      </a:lnRef>
+      <a:fillRef idx="1">
+        <a:scrgbClr r="0" g="0" b="0"/>
+      </a:fillRef>
+      <a:effectRef idx="1">
+        <a:scrgbClr r="0" g="0" b="0"/>
+      </a:effectRef>
+      <a:fontRef idx="minor"/>
+    </dgm:style>
+  </dgm:styleLbl>
+  <dgm:styleLbl name="sibTrans2D1">
+    <dgm:scene3d>
+      <a:camera prst="orthographicFront"/>
+      <a:lightRig rig="threePt" dir="t"/>
+    </dgm:scene3d>
+    <dgm:sp3d/>
+    <dgm:txPr/>
+    <dgm:style>
+      <a:lnRef idx="0">
+        <a:scrgbClr r="0" g="0" b="0"/>
+      </a:lnRef>
+      <a:fillRef idx="1">
+        <a:scrgbClr r="0" g="0" b="0"/>
+      </a:fillRef>
+      <a:effectRef idx="1">
+        <a:scrgbClr r="0" g="0" b="0"/>
+      </a:effectRef>
+      <a:fontRef idx="minor">
+        <a:schemeClr val="lt1"/>
+      </a:fontRef>
+    </dgm:style>
+  </dgm:styleLbl>
+  <dgm:styleLbl name="fgSibTrans2D1">
+    <dgm:scene3d>
+      <a:camera prst="orthographicFront"/>
+      <a:lightRig rig="threePt" dir="t"/>
+    </dgm:scene3d>
+    <dgm:sp3d/>
+    <dgm:txPr/>
+    <dgm:style>
+      <a:lnRef idx="0">
+        <a:scrgbClr r="0" g="0" b="0"/>
+      </a:lnRef>
+      <a:fillRef idx="1">
+        <a:scrgbClr r="0" g="0" b="0"/>
+      </a:fillRef>
+      <a:effectRef idx="1">
+        <a:scrgbClr r="0" g="0" b="0"/>
+      </a:effectRef>
+      <a:fontRef idx="minor">
+        <a:schemeClr val="lt1"/>
+      </a:fontRef>
+    </dgm:style>
+  </dgm:styleLbl>
+  <dgm:styleLbl name="bgSibTrans2D1">
+    <dgm:scene3d>
+      <a:camera prst="orthographicFront"/>
+      <a:lightRig rig="threePt" dir="t"/>
+    </dgm:scene3d>
+    <dgm:sp3d/>
+    <dgm:txPr/>
+    <dgm:style>
+      <a:lnRef idx="0">
+        <a:scrgbClr r="0" g="0" b="0"/>
+      </a:lnRef>
+      <a:fillRef idx="1">
+        <a:scrgbClr r="0" g="0" b="0"/>
+      </a:fillRef>
+      <a:effectRef idx="1">
+        <a:scrgbClr r="0" g="0" b="0"/>
+      </a:effectRef>
+      <a:fontRef idx="minor">
+        <a:schemeClr val="lt1"/>
+      </a:fontRef>
+    </dgm:style>
+  </dgm:styleLbl>
+  <dgm:styleLbl name="sibTrans1D1">
+    <dgm:scene3d>
+      <a:camera prst="orthographicFront"/>
+      <a:lightRig rig="threePt" dir="t"/>
+    </dgm:scene3d>
+    <dgm:sp3d/>
+    <dgm:txPr/>
+    <dgm:style>
+      <a:lnRef idx="1">
+        <a:scrgbClr r="0" g="0" b="0"/>
+      </a:lnRef>
+      <a:fillRef idx="0">
+        <a:scrgbClr r="0" g="0" b="0"/>
+      </a:fillRef>
+      <a:effectRef idx="0">
+        <a:scrgbClr r="0" g="0" b="0"/>
+      </a:effectRef>
+      <a:fontRef idx="minor"/>
+    </dgm:style>
+  </dgm:styleLbl>
+  <dgm:styleLbl name="callout">
+    <dgm:scene3d>
+      <a:camera prst="orthographicFront"/>
+      <a:lightRig rig="threePt" dir="t"/>
+    </dgm:scene3d>
+    <dgm:sp3d/>
+    <dgm:txPr/>
+    <dgm:style>
+      <a:lnRef idx="2">
+        <a:scrgbClr r="0" g="0" b="0"/>
+      </a:lnRef>
+      <a:fillRef idx="1">
+        <a:scrgbClr r="0" g="0" b="0"/>
+      </a:fillRef>
+      <a:effectRef idx="1">
+        <a:scrgbClr r="0" g="0" b="0"/>
+      </a:effectRef>
+      <a:fontRef idx="minor"/>
+    </dgm:style>
+  </dgm:styleLbl>
+  <dgm:styleLbl name="asst0">
+    <dgm:scene3d>
+      <a:camera prst="orthographicFront"/>
+      <a:lightRig rig="threePt" dir="t"/>
+    </dgm:scene3d>
+    <dgm:sp3d/>
+    <dgm:txPr/>
+    <dgm:style>
+      <a:lnRef idx="3">
+        <a:scrgbClr r="0" g="0" b="0"/>
+      </a:lnRef>
+      <a:fillRef idx="1">
+        <a:scrgbClr r="0" g="0" b="0"/>
+      </a:fillRef>
+      <a:effectRef idx="1">
+        <a:scrgbClr r="0" g="0" b="0"/>
+      </a:effectRef>
+      <a:fontRef idx="minor">
+        <a:schemeClr val="lt1"/>
+      </a:fontRef>
+    </dgm:style>
+  </dgm:styleLbl>
+  <dgm:styleLbl name="asst1">
+    <dgm:scene3d>
+      <a:camera prst="orthographicFront"/>
+      <a:lightRig rig="threePt" dir="t"/>
+    </dgm:scene3d>
+    <dgm:sp3d/>
+    <dgm:txPr/>
+    <dgm:style>
+      <a:lnRef idx="3">
+        <a:scrgbClr r="0" g="0" b="0"/>
+      </a:lnRef>
+      <a:fillRef idx="1">
+        <a:scrgbClr r="0" g="0" b="0"/>
+      </a:fillRef>
+      <a:effectRef idx="1">
+        <a:scrgbClr r="0" g="0" b="0"/>
+      </a:effectRef>
+      <a:fontRef idx="minor">
+        <a:schemeClr val="lt1"/>
+      </a:fontRef>
+    </dgm:style>
+  </dgm:styleLbl>
+  <dgm:styleLbl name="asst2">
+    <dgm:scene3d>
+      <a:camera prst="orthographicFront"/>
+      <a:lightRig rig="threePt" dir="t"/>
+    </dgm:scene3d>
+    <dgm:sp3d/>
+    <dgm:txPr/>
+    <dgm:style>
+      <a:lnRef idx="3">
+        <a:scrgbClr r="0" g="0" b="0"/>
+      </a:lnRef>
+      <a:fillRef idx="1">
+        <a:scrgbClr r="0" g="0" b="0"/>
+      </a:fillRef>
+      <a:effectRef idx="1">
+        <a:scrgbClr r="0" g="0" b="0"/>
+      </a:effectRef>
+      <a:fontRef idx="minor">
+        <a:schemeClr val="lt1"/>
+      </a:fontRef>
+    </dgm:style>
+  </dgm:styleLbl>
+  <dgm:styleLbl name="asst3">
+    <dgm:scene3d>
+      <a:camera prst="orthographicFront"/>
+      <a:lightRig rig="threePt" dir="t"/>
+    </dgm:scene3d>
+    <dgm:sp3d/>
+    <dgm:txPr/>
+    <dgm:style>
+      <a:lnRef idx="3">
+        <a:scrgbClr r="0" g="0" b="0"/>
+      </a:lnRef>
+      <a:fillRef idx="1">
+        <a:scrgbClr r="0" g="0" b="0"/>
+      </a:fillRef>
+      <a:effectRef idx="1">
+        <a:scrgbClr r="0" g="0" b="0"/>
+      </a:effectRef>
+      <a:fontRef idx="minor">
+        <a:schemeClr val="lt1"/>
+      </a:fontRef>
+    </dgm:style>
+  </dgm:styleLbl>
+  <dgm:styleLbl name="asst4">
+    <dgm:scene3d>
+      <a:camera prst="orthographicFront"/>
+      <a:lightRig rig="threePt" dir="t"/>
+    </dgm:scene3d>
+    <dgm:sp3d/>
+    <dgm:txPr/>
+    <dgm:style>
+      <a:lnRef idx="3">
+        <a:scrgbClr r="0" g="0" b="0"/>
+      </a:lnRef>
+      <a:fillRef idx="1">
+        <a:scrgbClr r="0" g="0" b="0"/>
+      </a:fillRef>
+      <a:effectRef idx="1">
+        <a:scrgbClr r="0" g="0" b="0"/>
+      </a:effectRef>
+      <a:fontRef idx="minor">
+        <a:schemeClr val="lt1"/>
+      </a:fontRef>
+    </dgm:style>
+  </dgm:styleLbl>
+  <dgm:styleLbl name="parChTrans2D1">
+    <dgm:scene3d>
+      <a:camera prst="orthographicFront"/>
+      <a:lightRig rig="threePt" dir="t"/>
+    </dgm:scene3d>
+    <dgm:sp3d/>
+    <dgm:txPr/>
+    <dgm:style>
+      <a:lnRef idx="3">
+        <a:scrgbClr r="0" g="0" b="0"/>
+      </a:lnRef>
+      <a:fillRef idx="1">
+        <a:scrgbClr r="0" g="0" b="0"/>
+      </a:fillRef>
+      <a:effectRef idx="1">
+        <a:scrgbClr r="0" g="0" b="0"/>
+      </a:effectRef>
+      <a:fontRef idx="minor">
+        <a:schemeClr val="lt1"/>
+      </a:fontRef>
+    </dgm:style>
+  </dgm:styleLbl>
+  <dgm:styleLbl name="parChTrans2D2">
+    <dgm:scene3d>
+      <a:camera prst="orthographicFront"/>
+      <a:lightRig rig="threePt" dir="t"/>
+    </dgm:scene3d>
+    <dgm:sp3d/>
+    <dgm:txPr/>
+    <dgm:style>
+      <a:lnRef idx="3">
+        <a:scrgbClr r="0" g="0" b="0"/>
+      </a:lnRef>
+      <a:fillRef idx="1">
+        <a:scrgbClr r="0" g="0" b="0"/>
+      </a:fillRef>
+      <a:effectRef idx="1">
+        <a:scrgbClr r="0" g="0" b="0"/>
+      </a:effectRef>
+      <a:fontRef idx="minor">
+        <a:schemeClr val="lt1"/>
+      </a:fontRef>
+    </dgm:style>
+  </dgm:styleLbl>
+  <dgm:styleLbl name="parChTrans2D3">
+    <dgm:scene3d>
+      <a:camera prst="orthographicFront"/>
+      <a:lightRig rig="threePt" dir="t"/>
+    </dgm:scene3d>
+    <dgm:sp3d/>
+    <dgm:txPr/>
+    <dgm:style>
+      <a:lnRef idx="3">
+        <a:scrgbClr r="0" g="0" b="0"/>
+      </a:lnRef>
+      <a:fillRef idx="1">
+        <a:scrgbClr r="0" g="0" b="0"/>
+      </a:fillRef>
+      <a:effectRef idx="1">
+        <a:scrgbClr r="0" g="0" b="0"/>
+      </a:effectRef>
+      <a:fontRef idx="minor">
+        <a:schemeClr val="lt1"/>
+      </a:fontRef>
+    </dgm:style>
+  </dgm:styleLbl>
+  <dgm:styleLbl name="parChTrans2D4">
+    <dgm:scene3d>
+      <a:camera prst="orthographicFront"/>
+      <a:lightRig rig="threePt" dir="t"/>
+    </dgm:scene3d>
+    <dgm:sp3d/>
+    <dgm:txPr/>
+    <dgm:style>
+      <a:lnRef idx="3">
+        <a:scrgbClr r="0" g="0" b="0"/>
+      </a:lnRef>
+      <a:fillRef idx="1">
+        <a:scrgbClr r="0" g="0" b="0"/>
+      </a:fillRef>
+      <a:effectRef idx="1">
+        <a:scrgbClr r="0" g="0" b="0"/>
+      </a:effectRef>
+      <a:fontRef idx="minor">
+        <a:schemeClr val="lt1"/>
+      </a:fontRef>
+    </dgm:style>
+  </dgm:styleLbl>
+  <dgm:styleLbl name="parChTrans1D1">
+    <dgm:scene3d>
+      <a:camera prst="orthographicFront"/>
+      <a:lightRig rig="threePt" dir="t"/>
+    </dgm:scene3d>
+    <dgm:sp3d/>
+    <dgm:txPr/>
+    <dgm:style>
+      <a:lnRef idx="2">
+        <a:scrgbClr r="0" g="0" b="0"/>
+      </a:lnRef>
+      <a:fillRef idx="0">
+        <a:scrgbClr r="0" g="0" b="0"/>
+      </a:fillRef>
+      <a:effectRef idx="0">
+        <a:scrgbClr r="0" g="0" b="0"/>
+      </a:effectRef>
+      <a:fontRef idx="minor"/>
+    </dgm:style>
+  </dgm:styleLbl>
+  <dgm:styleLbl name="parChTrans1D2">
+    <dgm:scene3d>
+      <a:camera prst="orthographicFront"/>
+      <a:lightRig rig="threePt" dir="t"/>
+    </dgm:scene3d>
+    <dgm:sp3d/>
+    <dgm:txPr/>
+    <dgm:style>
+      <a:lnRef idx="2">
+        <a:scrgbClr r="0" g="0" b="0"/>
+      </a:lnRef>
+      <a:fillRef idx="0">
+        <a:scrgbClr r="0" g="0" b="0"/>
+      </a:fillRef>
+      <a:effectRef idx="0">
+        <a:scrgbClr r="0" g="0" b="0"/>
+      </a:effectRef>
+      <a:fontRef idx="minor"/>
+    </dgm:style>
+  </dgm:styleLbl>
+  <dgm:styleLbl name="parChTrans1D3">
+    <dgm:scene3d>
+      <a:camera prst="orthographicFront"/>
+      <a:lightRig rig="threePt" dir="t"/>
+    </dgm:scene3d>
+    <dgm:sp3d/>
+    <dgm:txPr/>
+    <dgm:style>
+      <a:lnRef idx="2">
+        <a:scrgbClr r="0" g="0" b="0"/>
+      </a:lnRef>
+      <a:fillRef idx="0">
+        <a:scrgbClr r="0" g="0" b="0"/>
+      </a:fillRef>
+      <a:effectRef idx="0">
+        <a:scrgbClr r="0" g="0" b="0"/>
+      </a:effectRef>
+      <a:fontRef idx="minor"/>
+    </dgm:style>
+  </dgm:styleLbl>
+  <dgm:styleLbl name="parChTrans1D4">
+    <dgm:scene3d>
+      <a:camera prst="orthographicFront"/>
+      <a:lightRig rig="threePt" dir="t"/>
+    </dgm:scene3d>
+    <dgm:sp3d/>
+    <dgm:txPr/>
+    <dgm:style>
+      <a:lnRef idx="2">
+        <a:scrgbClr r="0" g="0" b="0"/>
+      </a:lnRef>
+      <a:fillRef idx="0">
+        <a:scrgbClr r="0" g="0" b="0"/>
+      </a:fillRef>
+      <a:effectRef idx="0">
+        <a:scrgbClr r="0" g="0" b="0"/>
+      </a:effectRef>
+      <a:fontRef idx="minor"/>
+    </dgm:style>
+  </dgm:styleLbl>
+  <dgm:styleLbl name="fgAcc1">
+    <dgm:scene3d>
+      <a:camera prst="orthographicFront"/>
+      <a:lightRig rig="threePt" dir="t"/>
+    </dgm:scene3d>
+    <dgm:sp3d/>
+    <dgm:txPr/>
+    <dgm:style>
+      <a:lnRef idx="2">
+        <a:scrgbClr r="0" g="0" b="0"/>
+      </a:lnRef>
+      <a:fillRef idx="1">
+        <a:scrgbClr r="0" g="0" b="0"/>
+      </a:fillRef>
+      <a:effectRef idx="0">
+        <a:scrgbClr r="0" g="0" b="0"/>
+      </a:effectRef>
+      <a:fontRef idx="minor"/>
+    </dgm:style>
+  </dgm:styleLbl>
+  <dgm:styleLbl name="conFgAcc1">
+    <dgm:scene3d>
+      <a:camera prst="orthographicFront"/>
+      <a:lightRig rig="threePt" dir="t"/>
+    </dgm:scene3d>
+    <dgm:sp3d/>
+    <dgm:txPr/>
+    <dgm:style>
+      <a:lnRef idx="2">
+        <a:scrgbClr r="0" g="0" b="0"/>
+      </a:lnRef>
+      <a:fillRef idx="1">
+        <a:scrgbClr r="0" g="0" b="0"/>
+      </a:fillRef>
+      <a:effectRef idx="0">
+        <a:scrgbClr r="0" g="0" b="0"/>
+      </a:effectRef>
+      <a:fontRef idx="minor"/>
+    </dgm:style>
+  </dgm:styleLbl>
+  <dgm:styleLbl name="alignAcc1">
+    <dgm:scene3d>
+      <a:camera prst="orthographicFront"/>
+      <a:lightRig rig="threePt" dir="t"/>
+    </dgm:scene3d>
+    <dgm:sp3d/>
+    <dgm:txPr/>
+    <dgm:style>
+      <a:lnRef idx="2">
+        <a:scrgbClr r="0" g="0" b="0"/>
+      </a:lnRef>
+      <a:fillRef idx="1">
+        <a:scrgbClr r="0" g="0" b="0"/>
+      </a:fillRef>
+      <a:effectRef idx="0">
+        <a:scrgbClr r="0" g="0" b="0"/>
+      </a:effectRef>
+      <a:fontRef idx="minor"/>
+    </dgm:style>
+  </dgm:styleLbl>
+  <dgm:styleLbl name="trAlignAcc1">
+    <dgm:scene3d>
+      <a:camera prst="orthographicFront"/>
+      <a:lightRig rig="threePt" dir="t"/>
+    </dgm:scene3d>
+    <dgm:sp3d/>
+    <dgm:txPr/>
+    <dgm:style>
+      <a:lnRef idx="1">
+        <a:scrgbClr r="0" g="0" b="0"/>
+      </a:lnRef>
+      <a:fillRef idx="1">
+        <a:scrgbClr r="0" g="0" b="0"/>
+      </a:fillRef>
+      <a:effectRef idx="0">
+        <a:scrgbClr r="0" g="0" b="0"/>
+      </a:effectRef>
+      <a:fontRef idx="minor"/>
+    </dgm:style>
+  </dgm:styleLbl>
+  <dgm:styleLbl name="bgAcc1">
+    <dgm:scene3d>
+      <a:camera prst="orthographicFront"/>
+      <a:lightRig rig="threePt" dir="t"/>
+    </dgm:scene3d>
+    <dgm:sp3d/>
+    <dgm:txPr/>
+    <dgm:style>
+      <a:lnRef idx="2">
+        <a:scrgbClr r="0" g="0" b="0"/>
+      </a:lnRef>
+      <a:fillRef idx="1">
+        <a:scrgbClr r="0" g="0" b="0"/>
+      </a:fillRef>
+      <a:effectRef idx="0">
+        <a:scrgbClr r="0" g="0" b="0"/>
+      </a:effectRef>
+      <a:fontRef idx="minor"/>
+    </dgm:style>
+  </dgm:styleLbl>
+  <dgm:styleLbl name="solidFgAcc1">
+    <dgm:scene3d>
+      <a:camera prst="orthographicFront"/>
+      <a:lightRig rig="threePt" dir="t"/>
+    </dgm:scene3d>
+    <dgm:sp3d/>
+    <dgm:txPr/>
+    <dgm:style>
+      <a:lnRef idx="2">
+        <a:scrgbClr r="0" g="0" b="0"/>
+      </a:lnRef>
+      <a:fillRef idx="1">
+        <a:scrgbClr r="0" g="0" b="0"/>
+      </a:fillRef>
+      <a:effectRef idx="0">
+        <a:scrgbClr r="0" g="0" b="0"/>
+      </a:effectRef>
+      <a:fontRef idx="minor"/>
+    </dgm:style>
+  </dgm:styleLbl>
+  <dgm:styleLbl name="solidAlignAcc1">
+    <dgm:scene3d>
+      <a:camera prst="orthographicFront"/>
+      <a:lightRig rig="threePt" dir="t"/>
+    </dgm:scene3d>
+    <dgm:sp3d/>
+    <dgm:txPr/>
+    <dgm:style>
+      <a:lnRef idx="2">
+        <a:scrgbClr r="0" g="0" b="0"/>
+      </a:lnRef>
+      <a:fillRef idx="1">
+        <a:scrgbClr r="0" g="0" b="0"/>
+      </a:fillRef>
+      <a:effectRef idx="0">
+        <a:scrgbClr r="0" g="0" b="0"/>
+      </a:effectRef>
+      <a:fontRef idx="minor"/>
+    </dgm:style>
+  </dgm:styleLbl>
+  <dgm:styleLbl name="solidBgAcc1">
+    <dgm:scene3d>
+      <a:camera prst="orthographicFront"/>
+      <a:lightRig rig="threePt" dir="t"/>
+    </dgm:scene3d>
+    <dgm:sp3d/>
+    <dgm:txPr/>
+    <dgm:style>
+      <a:lnRef idx="2">
+        <a:scrgbClr r="0" g="0" b="0"/>
+      </a:lnRef>
+      <a:fillRef idx="1">
+        <a:scrgbClr r="0" g="0" b="0"/>
+      </a:fillRef>
+      <a:effectRef idx="0">
+        <a:scrgbClr r="0" g="0" b="0"/>
+      </a:effectRef>
+      <a:fontRef idx="minor"/>
+    </dgm:style>
+  </dgm:styleLbl>
+  <dgm:styleLbl name="fgAccFollowNode1">
+    <dgm:scene3d>
+      <a:camera prst="orthographicFront"/>
+      <a:lightRig rig="threePt" dir="t"/>
+    </dgm:scene3d>
+    <dgm:sp3d/>
+    <dgm:txPr/>
+    <dgm:style>
+      <a:lnRef idx="2">
+        <a:scrgbClr r="0" g="0" b="0"/>
+      </a:lnRef>
+      <a:fillRef idx="1">
+        <a:scrgbClr r="0" g="0" b="0"/>
+      </a:fillRef>
+      <a:effectRef idx="0">
+        <a:scrgbClr r="0" g="0" b="0"/>
+      </a:effectRef>
+      <a:fontRef idx="minor"/>
+    </dgm:style>
+  </dgm:styleLbl>
+  <dgm:styleLbl name="alignAccFollowNode1">
+    <dgm:scene3d>
+      <a:camera prst="orthographicFront"/>
+      <a:lightRig rig="threePt" dir="t"/>
+    </dgm:scene3d>
+    <dgm:sp3d/>
+    <dgm:txPr/>
+    <dgm:style>
+      <a:lnRef idx="2">
+        <a:scrgbClr r="0" g="0" b="0"/>
+      </a:lnRef>
+      <a:fillRef idx="1">
+        <a:scrgbClr r="0" g="0" b="0"/>
+      </a:fillRef>
+      <a:effectRef idx="0">
+        <a:scrgbClr r="0" g="0" b="0"/>
+      </a:effectRef>
+      <a:fontRef idx="minor"/>
+    </dgm:style>
+  </dgm:styleLbl>
+  <dgm:styleLbl name="bgAccFollowNode1">
+    <dgm:scene3d>
+      <a:camera prst="orthographicFront"/>
+      <a:lightRig rig="threePt" dir="t"/>
+    </dgm:scene3d>
+    <dgm:sp3d/>
+    <dgm:txPr/>
+    <dgm:style>
+      <a:lnRef idx="2">
+        <a:scrgbClr r="0" g="0" b="0"/>
+      </a:lnRef>
+      <a:fillRef idx="1">
+        <a:scrgbClr r="0" g="0" b="0"/>
+      </a:fillRef>
+      <a:effectRef idx="0">
+        <a:scrgbClr r="0" g="0" b="0"/>
+      </a:effectRef>
+      <a:fontRef idx="minor"/>
+    </dgm:style>
+  </dgm:styleLbl>
+  <dgm:styleLbl name="fgAcc0">
+    <dgm:scene3d>
+      <a:camera prst="orthographicFront"/>
+      <a:lightRig rig="threePt" dir="t"/>
+    </dgm:scene3d>
+    <dgm:sp3d/>
+    <dgm:txPr/>
+    <dgm:style>
+      <a:lnRef idx="2">
+        <a:scrgbClr r="0" g="0" b="0"/>
+      </a:lnRef>
+      <a:fillRef idx="1">
+        <a:scrgbClr r="0" g="0" b="0"/>
+      </a:fillRef>
+      <a:effectRef idx="0">
+        <a:scrgbClr r="0" g="0" b="0"/>
+      </a:effectRef>
+      <a:fontRef idx="minor"/>
+    </dgm:style>
+  </dgm:styleLbl>
+  <dgm:styleLbl name="fgAcc2">
+    <dgm:scene3d>
+      <a:camera prst="orthographicFront"/>
+      <a:lightRig rig="threePt" dir="t"/>
+    </dgm:scene3d>
+    <dgm:sp3d/>
+    <dgm:txPr/>
+    <dgm:style>
+      <a:lnRef idx="2">
+        <a:scrgbClr r="0" g="0" b="0"/>
+      </a:lnRef>
+      <a:fillRef idx="1">
+        <a:scrgbClr r="0" g="0" b="0"/>
+      </a:fillRef>
+      <a:effectRef idx="0">
+        <a:scrgbClr r="0" g="0" b="0"/>
+      </a:effectRef>
+      <a:fontRef idx="minor"/>
+    </dgm:style>
+  </dgm:styleLbl>
+  <dgm:styleLbl name="fgAcc3">
+    <dgm:scene3d>
+      <a:camera prst="orthographicFront"/>
+      <a:lightRig rig="threePt" dir="t"/>
+    </dgm:scene3d>
+    <dgm:sp3d/>
+    <dgm:txPr/>
+    <dgm:style>
+      <a:lnRef idx="2">
+        <a:scrgbClr r="0" g="0" b="0"/>
+      </a:lnRef>
+      <a:fillRef idx="1">
+        <a:scrgbClr r="0" g="0" b="0"/>
+      </a:fillRef>
+      <a:effectRef idx="0">
+        <a:scrgbClr r="0" g="0" b="0"/>
+      </a:effectRef>
+      <a:fontRef idx="minor"/>
+    </dgm:style>
+  </dgm:styleLbl>
+  <dgm:styleLbl name="fgAcc4">
+    <dgm:scene3d>
+      <a:camera prst="orthographicFront"/>
+      <a:lightRig rig="threePt" dir="t"/>
+    </dgm:scene3d>
+    <dgm:sp3d/>
+    <dgm:txPr/>
+    <dgm:style>
+      <a:lnRef idx="2">
+        <a:scrgbClr r="0" g="0" b="0"/>
+      </a:lnRef>
+      <a:fillRef idx="1">
+        <a:scrgbClr r="0" g="0" b="0"/>
+      </a:fillRef>
+      <a:effectRef idx="0">
+        <a:scrgbClr r="0" g="0" b="0"/>
+      </a:effectRef>
+      <a:fontRef idx="minor"/>
+    </dgm:style>
+  </dgm:styleLbl>
+  <dgm:styleLbl name="bgShp">
+    <dgm:scene3d>
+      <a:camera prst="orthographicFront"/>
+      <a:lightRig rig="threePt" dir="t"/>
+    </dgm:scene3d>
+    <dgm:sp3d/>
+    <dgm:txPr/>
+    <dgm:style>
+      <a:lnRef idx="0">
+        <a:scrgbClr r="0" g="0" b="0"/>
+      </a:lnRef>
+      <a:fillRef idx="1">
+        <a:scrgbClr r="0" g="0" b="0"/>
+      </a:fillRef>
+      <a:effectRef idx="0">
+        <a:scrgbClr r="0" g="0" b="0"/>
+      </a:effectRef>
+      <a:fontRef idx="minor"/>
+    </dgm:style>
+  </dgm:styleLbl>
+  <dgm:styleLbl name="dkBgShp">
+    <dgm:scene3d>
+      <a:camera prst="orthographicFront"/>
+      <a:lightRig rig="threePt" dir="t"/>
+    </dgm:scene3d>
+    <dgm:sp3d/>
+    <dgm:txPr/>
+    <dgm:style>
+      <a:lnRef idx="0">
+        <a:scrgbClr r="0" g="0" b="0"/>
+      </a:lnRef>
+      <a:fillRef idx="1">
+        <a:scrgbClr r="0" g="0" b="0"/>
+      </a:fillRef>
+      <a:effectRef idx="0">
+        <a:scrgbClr r="0" g="0" b="0"/>
+      </a:effectRef>
+      <a:fontRef idx="minor"/>
+    </dgm:style>
+  </dgm:styleLbl>
+  <dgm:styleLbl name="trBgShp">
+    <dgm:scene3d>
+      <a:camera prst="orthographicFront"/>
+      <a:lightRig rig="threePt" dir="t"/>
+    </dgm:scene3d>
+    <dgm:sp3d/>
+    <dgm:txPr/>
+    <dgm:style>
+      <a:lnRef idx="0">
+        <a:scrgbClr r="0" g="0" b="0"/>
+      </a:lnRef>
+      <a:fillRef idx="1">
+        <a:scrgbClr r="0" g="0" b="0"/>
+      </a:fillRef>
+      <a:effectRef idx="0">
+        <a:scrgbClr r="0" g="0" b="0"/>
+      </a:effectRef>
+      <a:fontRef idx="minor"/>
+    </dgm:style>
+  </dgm:styleLbl>
+  <dgm:styleLbl name="fgShp">
+    <dgm:scene3d>
+      <a:camera prst="orthographicFront"/>
+      <a:lightRig rig="threePt" dir="t"/>
+    </dgm:scene3d>
+    <dgm:sp3d/>
+    <dgm:txPr/>
+    <dgm:style>
+      <a:lnRef idx="3">
+        <a:scrgbClr r="0" g="0" b="0"/>
+      </a:lnRef>
+      <a:fillRef idx="1">
+        <a:scrgbClr r="0" g="0" b="0"/>
+      </a:fillRef>
+      <a:effectRef idx="1">
+        <a:scrgbClr r="0" g="0" b="0"/>
+      </a:effectRef>
+      <a:fontRef idx="minor"/>
+    </dgm:style>
+  </dgm:styleLbl>
+  <dgm:styleLbl name="revTx">
+    <dgm:scene3d>
+      <a:camera prst="orthographicFront"/>
+      <a:lightRig rig="threePt" dir="t"/>
+    </dgm:scene3d>
+    <dgm:sp3d/>
+    <dgm:txPr/>
+    <dgm:style>
+      <a:lnRef idx="0">
+        <a:scrgbClr r="0" g="0" b="0"/>
+      </a:lnRef>
+      <a:fillRef idx="0">
+        <a:scrgbClr r="0" g="0" b="0"/>
+      </a:fillRef>
+      <a:effectRef idx="0">
+        <a:scrgbClr r="0" g="0" b="0"/>
+      </a:effectRef>
+      <a:fontRef idx="minor"/>
+    </dgm:style>
+  </dgm:styleLbl>
+</dgm:styleDef>
+</file>
+
+<file path=ppt/diagrams/quickStyle2.xml><?xml version="1.0" encoding="utf-8"?>
+<dgm:styleDef xmlns:dgm="http://schemas.openxmlformats.org/drawingml/2006/diagram" xmlns:a="http://schemas.openxmlformats.org/drawingml/2006/main" uniqueId="urn:microsoft.com/office/officeart/2005/8/quickstyle/simple2">
+  <dgm:title val=""/>
+  <dgm:desc val=""/>
+  <dgm:catLst>
+    <dgm:cat type="simple" pri="10200"/>
+  </dgm:catLst>
+  <dgm:scene3d>
+    <a:camera prst="orthographicFront"/>
+    <a:lightRig rig="threePt" dir="t"/>
+  </dgm:scene3d>
+  <dgm:styleLbl name="node0">
+    <dgm:scene3d>
+      <a:camera prst="orthographicFront"/>
+      <a:lightRig rig="threePt" dir="t"/>
+    </dgm:scene3d>
+    <dgm:sp3d/>
+    <dgm:txPr/>
+    <dgm:style>
+      <a:lnRef idx="3">
+        <a:scrgbClr r="0" g="0" b="0"/>
+      </a:lnRef>
+      <a:fillRef idx="1">
+        <a:scrgbClr r="0" g="0" b="0"/>
+      </a:fillRef>
+      <a:effectRef idx="1">
+        <a:scrgbClr r="0" g="0" b="0"/>
+      </a:effectRef>
+      <a:fontRef idx="minor">
+        <a:schemeClr val="lt1"/>
+      </a:fontRef>
+    </dgm:style>
+  </dgm:styleLbl>
+  <dgm:styleLbl name="lnNode1">
+    <dgm:scene3d>
+      <a:camera prst="orthographicFront"/>
+      <a:lightRig rig="threePt" dir="t"/>
+    </dgm:scene3d>
+    <dgm:sp3d/>
+    <dgm:txPr/>
+    <dgm:style>
+      <a:lnRef idx="3">
+        <a:scrgbClr r="0" g="0" b="0"/>
+      </a:lnRef>
+      <a:fillRef idx="1">
+        <a:scrgbClr r="0" g="0" b="0"/>
+      </a:fillRef>
+      <a:effectRef idx="1">
+        <a:scrgbClr r="0" g="0" b="0"/>
+      </a:effectRef>
+      <a:fontRef idx="minor">
+        <a:schemeClr val="lt1"/>
+      </a:fontRef>
+    </dgm:style>
+  </dgm:styleLbl>
+  <dgm:styleLbl name="vennNode1">
+    <dgm:scene3d>
+      <a:camera prst="orthographicFront"/>
+      <a:lightRig rig="threePt" dir="t"/>
+    </dgm:scene3d>
+    <dgm:sp3d/>
+    <dgm:txPr/>
+    <dgm:style>
+      <a:lnRef idx="3">
+        <a:scrgbClr r="0" g="0" b="0"/>
+      </a:lnRef>
+      <a:fillRef idx="1">
+        <a:scrgbClr r="0" g="0" b="0"/>
+      </a:fillRef>
+      <a:effectRef idx="0">
+        <a:scrgbClr r="0" g="0" b="0"/>
+      </a:effectRef>
+      <a:fontRef idx="minor">
+        <a:schemeClr val="tx1"/>
+      </a:fontRef>
+    </dgm:style>
+  </dgm:styleLbl>
+  <dgm:styleLbl name="alignNode1">
+    <dgm:scene3d>
+      <a:camera prst="orthographicFront"/>
+      <a:lightRig rig="threePt" dir="t"/>
+    </dgm:scene3d>
+    <dgm:sp3d/>
+    <dgm:txPr/>
+    <dgm:style>
+      <a:lnRef idx="2">
+        <a:scrgbClr r="0" g="0" b="0"/>
+      </a:lnRef>
+      <a:fillRef idx="1">
+        <a:scrgbClr r="0" g="0" b="0"/>
+      </a:fillRef>
+      <a:effectRef idx="1">
+        <a:scrgbClr r="0" g="0" b="0"/>
+      </a:effectRef>
+      <a:fontRef idx="minor">
+        <a:schemeClr val="lt1"/>
+      </a:fontRef>
+    </dgm:style>
+  </dgm:styleLbl>
+  <dgm:styleLbl name="node1">
+    <dgm:scene3d>
+      <a:camera prst="orthographicFront"/>
+      <a:lightRig rig="threePt" dir="t"/>
+    </dgm:scene3d>
+    <dgm:sp3d/>
+    <dgm:txPr/>
+    <dgm:style>
+      <a:lnRef idx="3">
+        <a:scrgbClr r="0" g="0" b="0"/>
+      </a:lnRef>
+      <a:fillRef idx="1">
+        <a:scrgbClr r="0" g="0" b="0"/>
+      </a:fillRef>
+      <a:effectRef idx="1">
+        <a:scrgbClr r="0" g="0" b="0"/>
+      </a:effectRef>
+      <a:fontRef idx="minor">
+        <a:schemeClr val="lt1"/>
+      </a:fontRef>
+    </dgm:style>
+  </dgm:styleLbl>
+  <dgm:styleLbl name="node2">
+    <dgm:scene3d>
+      <a:camera prst="orthographicFront"/>
+      <a:lightRig rig="threePt" dir="t"/>
+    </dgm:scene3d>
+    <dgm:sp3d/>
+    <dgm:txPr/>
+    <dgm:style>
+      <a:lnRef idx="3">
+        <a:scrgbClr r="0" g="0" b="0"/>
+      </a:lnRef>
+      <a:fillRef idx="1">
+        <a:scrgbClr r="0" g="0" b="0"/>
+      </a:fillRef>
+      <a:effectRef idx="1">
+        <a:scrgbClr r="0" g="0" b="0"/>
+      </a:effectRef>
+      <a:fontRef idx="minor">
+        <a:schemeClr val="lt1"/>
+      </a:fontRef>
+    </dgm:style>
+  </dgm:styleLbl>
+  <dgm:styleLbl name="node3">
+    <dgm:scene3d>
+      <a:camera prst="orthographicFront"/>
+      <a:lightRig rig="threePt" dir="t"/>
+    </dgm:scene3d>
+    <dgm:sp3d/>
+    <dgm:txPr/>
+    <dgm:style>
+      <a:lnRef idx="3">
+        <a:scrgbClr r="0" g="0" b="0"/>
+      </a:lnRef>
+      <a:fillRef idx="1">
+        <a:scrgbClr r="0" g="0" b="0"/>
+      </a:fillRef>
+      <a:effectRef idx="1">
+        <a:scrgbClr r="0" g="0" b="0"/>
+      </a:effectRef>
+      <a:fontRef idx="minor">
+        <a:schemeClr val="lt1"/>
+      </a:fontRef>
+    </dgm:style>
+  </dgm:styleLbl>
+  <dgm:styleLbl name="node4">
+    <dgm:scene3d>
+      <a:camera prst="orthographicFront"/>
+      <a:lightRig rig="threePt" dir="t"/>
+    </dgm:scene3d>
+    <dgm:sp3d/>
+    <dgm:txPr/>
+    <dgm:style>
+      <a:lnRef idx="3">
+        <a:scrgbClr r="0" g="0" b="0"/>
+      </a:lnRef>
+      <a:fillRef idx="1">
+        <a:scrgbClr r="0" g="0" b="0"/>
+      </a:fillRef>
+      <a:effectRef idx="1">
+        <a:scrgbClr r="0" g="0" b="0"/>
+      </a:effectRef>
+      <a:fontRef idx="minor">
+        <a:schemeClr val="lt1"/>
+      </a:fontRef>
+    </dgm:style>
+  </dgm:styleLbl>
+  <dgm:styleLbl name="fgImgPlace1">
+    <dgm:scene3d>
+      <a:camera prst="orthographicFront"/>
+      <a:lightRig rig="threePt" dir="t"/>
+    </dgm:scene3d>
+    <dgm:sp3d/>
+    <dgm:txPr/>
+    <dgm:style>
+      <a:lnRef idx="3">
+        <a:scrgbClr r="0" g="0" b="0"/>
+      </a:lnRef>
+      <a:fillRef idx="1">
+        <a:scrgbClr r="0" g="0" b="0"/>
+      </a:fillRef>
+      <a:effectRef idx="1">
+        <a:scrgbClr r="0" g="0" b="0"/>
+      </a:effectRef>
+      <a:fontRef idx="minor"/>
+    </dgm:style>
+  </dgm:styleLbl>
+  <dgm:styleLbl name="alignImgPlace1">
+    <dgm:scene3d>
+      <a:camera prst="orthographicFront"/>
+      <a:lightRig rig="threePt" dir="t"/>
+    </dgm:scene3d>
+    <dgm:sp3d/>
+    <dgm:txPr/>
+    <dgm:style>
+      <a:lnRef idx="3">
+        <a:scrgbClr r="0" g="0" b="0"/>
+      </a:lnRef>
+      <a:fillRef idx="1">
+        <a:scrgbClr r="0" g="0" b="0"/>
+      </a:fillRef>
+      <a:effectRef idx="1">
+        <a:scrgbClr r="0" g="0" b="0"/>
+      </a:effectRef>
+      <a:fontRef idx="minor"/>
+    </dgm:style>
+  </dgm:styleLbl>
+  <dgm:styleLbl name="bgImgPlace1">
+    <dgm:scene3d>
+      <a:camera prst="orthographicFront"/>
+      <a:lightRig rig="threePt" dir="t"/>
+    </dgm:scene3d>
+    <dgm:sp3d/>
+    <dgm:txPr/>
+    <dgm:style>
+      <a:lnRef idx="3">
+        <a:scrgbClr r="0" g="0" b="0"/>
+      </a:lnRef>
+      <a:fillRef idx="1">
+        <a:scrgbClr r="0" g="0" b="0"/>
+      </a:fillRef>
+      <a:effectRef idx="1">
+        <a:scrgbClr r="0" g="0" b="0"/>
+      </a:effectRef>
+      <a:fontRef idx="minor"/>
+    </dgm:style>
+  </dgm:styleLbl>
+  <dgm:styleLbl name="sibTrans2D1">
+    <dgm:scene3d>
+      <a:camera prst="orthographicFront"/>
+      <a:lightRig rig="threePt" dir="t"/>
+    </dgm:scene3d>
+    <dgm:sp3d/>
+    <dgm:txPr/>
+    <dgm:style>
+      <a:lnRef idx="0">
+        <a:scrgbClr r="0" g="0" b="0"/>
+      </a:lnRef>
+      <a:fillRef idx="1">
+        <a:scrgbClr r="0" g="0" b="0"/>
+      </a:fillRef>
+      <a:effectRef idx="1">
+        <a:scrgbClr r="0" g="0" b="0"/>
+      </a:effectRef>
+      <a:fontRef idx="minor">
+        <a:schemeClr val="lt1"/>
+      </a:fontRef>
+    </dgm:style>
+  </dgm:styleLbl>
+  <dgm:styleLbl name="fgSibTrans2D1">
+    <dgm:scene3d>
+      <a:camera prst="orthographicFront"/>
+      <a:lightRig rig="threePt" dir="t"/>
+    </dgm:scene3d>
+    <dgm:sp3d/>
+    <dgm:txPr/>
+    <dgm:style>
+      <a:lnRef idx="0">
+        <a:scrgbClr r="0" g="0" b="0"/>
+      </a:lnRef>
+      <a:fillRef idx="1">
+        <a:scrgbClr r="0" g="0" b="0"/>
+      </a:fillRef>
+      <a:effectRef idx="1">
+        <a:scrgbClr r="0" g="0" b="0"/>
+      </a:effectRef>
+      <a:fontRef idx="minor">
+        <a:schemeClr val="lt1"/>
+      </a:fontRef>
+    </dgm:style>
+  </dgm:styleLbl>
+  <dgm:styleLbl name="bgSibTrans2D1">
+    <dgm:scene3d>
+      <a:camera prst="orthographicFront"/>
+      <a:lightRig rig="threePt" dir="t"/>
+    </dgm:scene3d>
+    <dgm:sp3d/>
+    <dgm:txPr/>
+    <dgm:style>
+      <a:lnRef idx="0">
+        <a:scrgbClr r="0" g="0" b="0"/>
+      </a:lnRef>
+      <a:fillRef idx="1">
+        <a:scrgbClr r="0" g="0" b="0"/>
+      </a:fillRef>
+      <a:effectRef idx="1">
+        <a:scrgbClr r="0" g="0" b="0"/>
+      </a:effectRef>
+      <a:fontRef idx="minor">
+        <a:schemeClr val="lt1"/>
+      </a:fontRef>
+    </dgm:style>
+  </dgm:styleLbl>
+  <dgm:styleLbl name="sibTrans1D1">
+    <dgm:scene3d>
+      <a:camera prst="orthographicFront"/>
+      <a:lightRig rig="threePt" dir="t"/>
+    </dgm:scene3d>
+    <dgm:sp3d/>
+    <dgm:txPr/>
+    <dgm:style>
+      <a:lnRef idx="1">
+        <a:scrgbClr r="0" g="0" b="0"/>
+      </a:lnRef>
+      <a:fillRef idx="0">
+        <a:scrgbClr r="0" g="0" b="0"/>
+      </a:fillRef>
+      <a:effectRef idx="0">
+        <a:scrgbClr r="0" g="0" b="0"/>
+      </a:effectRef>
+      <a:fontRef idx="minor"/>
+    </dgm:style>
+  </dgm:styleLbl>
+  <dgm:styleLbl name="callout">
+    <dgm:scene3d>
+      <a:camera prst="orthographicFront"/>
+      <a:lightRig rig="threePt" dir="t"/>
+    </dgm:scene3d>
+    <dgm:sp3d/>
+    <dgm:txPr/>
+    <dgm:style>
+      <a:lnRef idx="2">
+        <a:scrgbClr r="0" g="0" b="0"/>
+      </a:lnRef>
+      <a:fillRef idx="1">
+        <a:scrgbClr r="0" g="0" b="0"/>
+      </a:fillRef>
+      <a:effectRef idx="1">
+        <a:scrgbClr r="0" g="0" b="0"/>
+      </a:effectRef>
+      <a:fontRef idx="minor"/>
+    </dgm:style>
+  </dgm:styleLbl>
+  <dgm:styleLbl name="asst0">
+    <dgm:scene3d>
+      <a:camera prst="orthographicFront"/>
+      <a:lightRig rig="threePt" dir="t"/>
+    </dgm:scene3d>
+    <dgm:sp3d/>
+    <dgm:txPr/>
+    <dgm:style>
+      <a:lnRef idx="3">
+        <a:scrgbClr r="0" g="0" b="0"/>
+      </a:lnRef>
+      <a:fillRef idx="1">
+        <a:scrgbClr r="0" g="0" b="0"/>
+      </a:fillRef>
+      <a:effectRef idx="1">
+        <a:scrgbClr r="0" g="0" b="0"/>
+      </a:effectRef>
+      <a:fontRef idx="minor">
+        <a:schemeClr val="lt1"/>
+      </a:fontRef>
+    </dgm:style>
+  </dgm:styleLbl>
+  <dgm:styleLbl name="asst1">
+    <dgm:scene3d>
+      <a:camera prst="orthographicFront"/>
+      <a:lightRig rig="threePt" dir="t"/>
+    </dgm:scene3d>
+    <dgm:sp3d/>
+    <dgm:txPr/>
+    <dgm:style>
+      <a:lnRef idx="3">
+        <a:scrgbClr r="0" g="0" b="0"/>
+      </a:lnRef>
+      <a:fillRef idx="1">
+        <a:scrgbClr r="0" g="0" b="0"/>
+      </a:fillRef>
+      <a:effectRef idx="1">
+        <a:scrgbClr r="0" g="0" b="0"/>
+      </a:effectRef>
+      <a:fontRef idx="minor">
+        <a:schemeClr val="lt1"/>
+      </a:fontRef>
+    </dgm:style>
+  </dgm:styleLbl>
+  <dgm:styleLbl name="asst2">
+    <dgm:scene3d>
+      <a:camera prst="orthographicFront"/>
+      <a:lightRig rig="threePt" dir="t"/>
+    </dgm:scene3d>
+    <dgm:sp3d/>
+    <dgm:txPr/>
+    <dgm:style>
+      <a:lnRef idx="3">
+        <a:scrgbClr r="0" g="0" b="0"/>
+      </a:lnRef>
+      <a:fillRef idx="1">
+        <a:scrgbClr r="0" g="0" b="0"/>
+      </a:fillRef>
+      <a:effectRef idx="1">
+        <a:scrgbClr r="0" g="0" b="0"/>
+      </a:effectRef>
+      <a:fontRef idx="minor">
+        <a:schemeClr val="lt1"/>
+      </a:fontRef>
+    </dgm:style>
+  </dgm:styleLbl>
+  <dgm:styleLbl name="asst3">
+    <dgm:scene3d>
+      <a:camera prst="orthographicFront"/>
+      <a:lightRig rig="threePt" dir="t"/>
+    </dgm:scene3d>
+    <dgm:sp3d/>
+    <dgm:txPr/>
+    <dgm:style>
+      <a:lnRef idx="3">
+        <a:scrgbClr r="0" g="0" b="0"/>
+      </a:lnRef>
+      <a:fillRef idx="1">
+        <a:scrgbClr r="0" g="0" b="0"/>
+      </a:fillRef>
+      <a:effectRef idx="1">
+        <a:scrgbClr r="0" g="0" b="0"/>
+      </a:effectRef>
+      <a:fontRef idx="minor">
+        <a:schemeClr val="lt1"/>
+      </a:fontRef>
+    </dgm:style>
+  </dgm:styleLbl>
+  <dgm:styleLbl name="asst4">
+    <dgm:scene3d>
+      <a:camera prst="orthographicFront"/>
+      <a:lightRig rig="threePt" dir="t"/>
+    </dgm:scene3d>
+    <dgm:sp3d/>
+    <dgm:txPr/>
+    <dgm:style>
+      <a:lnRef idx="3">
+        <a:scrgbClr r="0" g="0" b="0"/>
+      </a:lnRef>
+      <a:fillRef idx="1">
+        <a:scrgbClr r="0" g="0" b="0"/>
+      </a:fillRef>
+      <a:effectRef idx="1">
+        <a:scrgbClr r="0" g="0" b="0"/>
+      </a:effectRef>
+      <a:fontRef idx="minor">
+        <a:schemeClr val="lt1"/>
+      </a:fontRef>
+    </dgm:style>
+  </dgm:styleLbl>
+  <dgm:styleLbl name="parChTrans2D1">
+    <dgm:scene3d>
+      <a:camera prst="orthographicFront"/>
+      <a:lightRig rig="threePt" dir="t"/>
+    </dgm:scene3d>
+    <dgm:sp3d/>
+    <dgm:txPr/>
+    <dgm:style>
+      <a:lnRef idx="3">
+        <a:scrgbClr r="0" g="0" b="0"/>
+      </a:lnRef>
+      <a:fillRef idx="1">
+        <a:scrgbClr r="0" g="0" b="0"/>
+      </a:fillRef>
+      <a:effectRef idx="1">
+        <a:scrgbClr r="0" g="0" b="0"/>
+      </a:effectRef>
+      <a:fontRef idx="minor">
+        <a:schemeClr val="lt1"/>
+      </a:fontRef>
+    </dgm:style>
+  </dgm:styleLbl>
+  <dgm:styleLbl name="parChTrans2D2">
+    <dgm:scene3d>
+      <a:camera prst="orthographicFront"/>
+      <a:lightRig rig="threePt" dir="t"/>
+    </dgm:scene3d>
+    <dgm:sp3d/>
+    <dgm:txPr/>
+    <dgm:style>
+      <a:lnRef idx="3">
+        <a:scrgbClr r="0" g="0" b="0"/>
+      </a:lnRef>
+      <a:fillRef idx="1">
+        <a:scrgbClr r="0" g="0" b="0"/>
+      </a:fillRef>
+      <a:effectRef idx="1">
+        <a:scrgbClr r="0" g="0" b="0"/>
+      </a:effectRef>
+      <a:fontRef idx="minor">
+        <a:schemeClr val="lt1"/>
+      </a:fontRef>
+    </dgm:style>
+  </dgm:styleLbl>
+  <dgm:styleLbl name="parChTrans2D3">
+    <dgm:scene3d>
+      <a:camera prst="orthographicFront"/>
+      <a:lightRig rig="threePt" dir="t"/>
+    </dgm:scene3d>
+    <dgm:sp3d/>
+    <dgm:txPr/>
+    <dgm:style>
+      <a:lnRef idx="3">
+        <a:scrgbClr r="0" g="0" b="0"/>
+      </a:lnRef>
+      <a:fillRef idx="1">
+        <a:scrgbClr r="0" g="0" b="0"/>
+      </a:fillRef>
+      <a:effectRef idx="1">
+        <a:scrgbClr r="0" g="0" b="0"/>
+      </a:effectRef>
+      <a:fontRef idx="minor">
+        <a:schemeClr val="lt1"/>
+      </a:fontRef>
+    </dgm:style>
+  </dgm:styleLbl>
+  <dgm:styleLbl name="parChTrans2D4">
+    <dgm:scene3d>
+      <a:camera prst="orthographicFront"/>
+      <a:lightRig rig="threePt" dir="t"/>
+    </dgm:scene3d>
+    <dgm:sp3d/>
+    <dgm:txPr/>
+    <dgm:style>
+      <a:lnRef idx="3">
+        <a:scrgbClr r="0" g="0" b="0"/>
+      </a:lnRef>
+      <a:fillRef idx="1">
+        <a:scrgbClr r="0" g="0" b="0"/>
+      </a:fillRef>
+      <a:effectRef idx="1">
+        <a:scrgbClr r="0" g="0" b="0"/>
+      </a:effectRef>
+      <a:fontRef idx="minor">
+        <a:schemeClr val="lt1"/>
+      </a:fontRef>
+    </dgm:style>
+  </dgm:styleLbl>
+  <dgm:styleLbl name="parChTrans1D1">
+    <dgm:scene3d>
+      <a:camera prst="orthographicFront"/>
+      <a:lightRig rig="threePt" dir="t"/>
+    </dgm:scene3d>
+    <dgm:sp3d/>
+    <dgm:txPr/>
+    <dgm:style>
+      <a:lnRef idx="2">
+        <a:scrgbClr r="0" g="0" b="0"/>
+      </a:lnRef>
+      <a:fillRef idx="0">
+        <a:scrgbClr r="0" g="0" b="0"/>
+      </a:fillRef>
+      <a:effectRef idx="0">
+        <a:scrgbClr r="0" g="0" b="0"/>
+      </a:effectRef>
+      <a:fontRef idx="minor"/>
+    </dgm:style>
+  </dgm:styleLbl>
+  <dgm:styleLbl name="parChTrans1D2">
+    <dgm:scene3d>
+      <a:camera prst="orthographicFront"/>
+      <a:lightRig rig="threePt" dir="t"/>
+    </dgm:scene3d>
+    <dgm:sp3d/>
+    <dgm:txPr/>
+    <dgm:style>
+      <a:lnRef idx="2">
+        <a:scrgbClr r="0" g="0" b="0"/>
+      </a:lnRef>
+      <a:fillRef idx="0">
+        <a:scrgbClr r="0" g="0" b="0"/>
+      </a:fillRef>
+      <a:effectRef idx="0">
+        <a:scrgbClr r="0" g="0" b="0"/>
+      </a:effectRef>
+      <a:fontRef idx="minor"/>
+    </dgm:style>
+  </dgm:styleLbl>
+  <dgm:styleLbl name="parChTrans1D3">
+    <dgm:scene3d>
+      <a:camera prst="orthographicFront"/>
+      <a:lightRig rig="threePt" dir="t"/>
+    </dgm:scene3d>
+    <dgm:sp3d/>
+    <dgm:txPr/>
+    <dgm:style>
+      <a:lnRef idx="2">
+        <a:scrgbClr r="0" g="0" b="0"/>
+      </a:lnRef>
+      <a:fillRef idx="0">
+        <a:scrgbClr r="0" g="0" b="0"/>
+      </a:fillRef>
+      <a:effectRef idx="0">
+        <a:scrgbClr r="0" g="0" b="0"/>
+      </a:effectRef>
+      <a:fontRef idx="minor"/>
+    </dgm:style>
+  </dgm:styleLbl>
+  <dgm:styleLbl name="parChTrans1D4">
+    <dgm:scene3d>
+      <a:camera prst="orthographicFront"/>
+      <a:lightRig rig="threePt" dir="t"/>
+    </dgm:scene3d>
+    <dgm:sp3d/>
+    <dgm:txPr/>
+    <dgm:style>
+      <a:lnRef idx="2">
+        <a:scrgbClr r="0" g="0" b="0"/>
+      </a:lnRef>
+      <a:fillRef idx="0">
+        <a:scrgbClr r="0" g="0" b="0"/>
+      </a:fillRef>
+      <a:effectRef idx="0">
+        <a:scrgbClr r="0" g="0" b="0"/>
+      </a:effectRef>
+      <a:fontRef idx="minor"/>
+    </dgm:style>
+  </dgm:styleLbl>
+  <dgm:styleLbl name="fgAcc1">
+    <dgm:scene3d>
+      <a:camera prst="orthographicFront"/>
+      <a:lightRig rig="threePt" dir="t"/>
+    </dgm:scene3d>
+    <dgm:sp3d/>
+    <dgm:txPr/>
+    <dgm:style>
+      <a:lnRef idx="2">
+        <a:scrgbClr r="0" g="0" b="0"/>
+      </a:lnRef>
+      <a:fillRef idx="1">
+        <a:scrgbClr r="0" g="0" b="0"/>
+      </a:fillRef>
+      <a:effectRef idx="0">
+        <a:scrgbClr r="0" g="0" b="0"/>
+      </a:effectRef>
+      <a:fontRef idx="minor"/>
+    </dgm:style>
+  </dgm:styleLbl>
+  <dgm:styleLbl name="conFgAcc1">
+    <dgm:scene3d>
+      <a:camera prst="orthographicFront"/>
+      <a:lightRig rig="threePt" dir="t"/>
+    </dgm:scene3d>
+    <dgm:sp3d/>
+    <dgm:txPr/>
+    <dgm:style>
+      <a:lnRef idx="2">
+        <a:scrgbClr r="0" g="0" b="0"/>
+      </a:lnRef>
+      <a:fillRef idx="1">
+        <a:scrgbClr r="0" g="0" b="0"/>
+      </a:fillRef>
+      <a:effectRef idx="0">
+        <a:scrgbClr r="0" g="0" b="0"/>
+      </a:effectRef>
+      <a:fontRef idx="minor"/>
+    </dgm:style>
+  </dgm:styleLbl>
+  <dgm:styleLbl name="alignAcc1">
+    <dgm:scene3d>
+      <a:camera prst="orthographicFront"/>
+      <a:lightRig rig="threePt" dir="t"/>
+    </dgm:scene3d>
+    <dgm:sp3d/>
+    <dgm:txPr/>
+    <dgm:style>
+      <a:lnRef idx="2">
+        <a:scrgbClr r="0" g="0" b="0"/>
+      </a:lnRef>
+      <a:fillRef idx="1">
+        <a:scrgbClr r="0" g="0" b="0"/>
+      </a:fillRef>
+      <a:effectRef idx="0">
+        <a:scrgbClr r="0" g="0" b="0"/>
+      </a:effectRef>
+      <a:fontRef idx="minor"/>
+    </dgm:style>
+  </dgm:styleLbl>
+  <dgm:styleLbl name="trAlignAcc1">
+    <dgm:scene3d>
+      <a:camera prst="orthographicFront"/>
+      <a:lightRig rig="threePt" dir="t"/>
+    </dgm:scene3d>
+    <dgm:sp3d/>
+    <dgm:txPr/>
+    <dgm:style>
+      <a:lnRef idx="1">
+        <a:scrgbClr r="0" g="0" b="0"/>
+      </a:lnRef>
+      <a:fillRef idx="1">
+        <a:scrgbClr r="0" g="0" b="0"/>
+      </a:fillRef>
+      <a:effectRef idx="0">
+        <a:scrgbClr r="0" g="0" b="0"/>
+      </a:effectRef>
+      <a:fontRef idx="minor"/>
+    </dgm:style>
+  </dgm:styleLbl>
+  <dgm:styleLbl name="bgAcc1">
+    <dgm:scene3d>
+      <a:camera prst="orthographicFront"/>
+      <a:lightRig rig="threePt" dir="t"/>
+    </dgm:scene3d>
+    <dgm:sp3d/>
+    <dgm:txPr/>
+    <dgm:style>
+      <a:lnRef idx="2">
+        <a:scrgbClr r="0" g="0" b="0"/>
+      </a:lnRef>
+      <a:fillRef idx="1">
+        <a:scrgbClr r="0" g="0" b="0"/>
+      </a:fillRef>
+      <a:effectRef idx="0">
+        <a:scrgbClr r="0" g="0" b="0"/>
+      </a:effectRef>
+      <a:fontRef idx="minor"/>
+    </dgm:style>
+  </dgm:styleLbl>
+  <dgm:styleLbl name="solidFgAcc1">
+    <dgm:scene3d>
+      <a:camera prst="orthographicFront"/>
+      <a:lightRig rig="threePt" dir="t"/>
+    </dgm:scene3d>
+    <dgm:sp3d/>
+    <dgm:txPr/>
+    <dgm:style>
+      <a:lnRef idx="2">
+        <a:scrgbClr r="0" g="0" b="0"/>
+      </a:lnRef>
+      <a:fillRef idx="1">
+        <a:scrgbClr r="0" g="0" b="0"/>
+      </a:fillRef>
+      <a:effectRef idx="0">
+        <a:scrgbClr r="0" g="0" b="0"/>
+      </a:effectRef>
+      <a:fontRef idx="minor"/>
+    </dgm:style>
+  </dgm:styleLbl>
+  <dgm:styleLbl name="solidAlignAcc1">
+    <dgm:scene3d>
+      <a:camera prst="orthographicFront"/>
+      <a:lightRig rig="threePt" dir="t"/>
+    </dgm:scene3d>
+    <dgm:sp3d/>
+    <dgm:txPr/>
+    <dgm:style>
+      <a:lnRef idx="2">
+        <a:scrgbClr r="0" g="0" b="0"/>
+      </a:lnRef>
+      <a:fillRef idx="1">
+        <a:scrgbClr r="0" g="0" b="0"/>
+      </a:fillRef>
+      <a:effectRef idx="0">
+        <a:scrgbClr r="0" g="0" b="0"/>
+      </a:effectRef>
+      <a:fontRef idx="minor"/>
+    </dgm:style>
+  </dgm:styleLbl>
+  <dgm:styleLbl name="solidBgAcc1">
+    <dgm:scene3d>
+      <a:camera prst="orthographicFront"/>
+      <a:lightRig rig="threePt" dir="t"/>
+    </dgm:scene3d>
+    <dgm:sp3d/>
+    <dgm:txPr/>
+    <dgm:style>
+      <a:lnRef idx="2">
+        <a:scrgbClr r="0" g="0" b="0"/>
+      </a:lnRef>
+      <a:fillRef idx="1">
+        <a:scrgbClr r="0" g="0" b="0"/>
+      </a:fillRef>
+      <a:effectRef idx="0">
+        <a:scrgbClr r="0" g="0" b="0"/>
+      </a:effectRef>
+      <a:fontRef idx="minor"/>
+    </dgm:style>
+  </dgm:styleLbl>
+  <dgm:styleLbl name="fgAccFollowNode1">
+    <dgm:scene3d>
+      <a:camera prst="orthographicFront"/>
+      <a:lightRig rig="threePt" dir="t"/>
+    </dgm:scene3d>
+    <dgm:sp3d/>
+    <dgm:txPr/>
+    <dgm:style>
+      <a:lnRef idx="2">
+        <a:scrgbClr r="0" g="0" b="0"/>
+      </a:lnRef>
+      <a:fillRef idx="1">
+        <a:scrgbClr r="0" g="0" b="0"/>
+      </a:fillRef>
+      <a:effectRef idx="0">
+        <a:scrgbClr r="0" g="0" b="0"/>
+      </a:effectRef>
+      <a:fontRef idx="minor"/>
+    </dgm:style>
+  </dgm:styleLbl>
+  <dgm:styleLbl name="alignAccFollowNode1">
+    <dgm:scene3d>
+      <a:camera prst="orthographicFront"/>
+      <a:lightRig rig="threePt" dir="t"/>
+    </dgm:scene3d>
+    <dgm:sp3d/>
+    <dgm:txPr/>
+    <dgm:style>
+      <a:lnRef idx="2">
+        <a:scrgbClr r="0" g="0" b="0"/>
+      </a:lnRef>
+      <a:fillRef idx="1">
+        <a:scrgbClr r="0" g="0" b="0"/>
+      </a:fillRef>
+      <a:effectRef idx="0">
+        <a:scrgbClr r="0" g="0" b="0"/>
+      </a:effectRef>
+      <a:fontRef idx="minor"/>
+    </dgm:style>
+  </dgm:styleLbl>
+  <dgm:styleLbl name="bgAccFollowNode1">
+    <dgm:scene3d>
+      <a:camera prst="orthographicFront"/>
+      <a:lightRig rig="threePt" dir="t"/>
+    </dgm:scene3d>
+    <dgm:sp3d/>
+    <dgm:txPr/>
+    <dgm:style>
+      <a:lnRef idx="2">
+        <a:scrgbClr r="0" g="0" b="0"/>
+      </a:lnRef>
+      <a:fillRef idx="1">
+        <a:scrgbClr r="0" g="0" b="0"/>
+      </a:fillRef>
+      <a:effectRef idx="0">
+        <a:scrgbClr r="0" g="0" b="0"/>
+      </a:effectRef>
+      <a:fontRef idx="minor"/>
+    </dgm:style>
+  </dgm:styleLbl>
+  <dgm:styleLbl name="fgAcc0">
+    <dgm:scene3d>
+      <a:camera prst="orthographicFront"/>
+      <a:lightRig rig="threePt" dir="t"/>
+    </dgm:scene3d>
+    <dgm:sp3d/>
+    <dgm:txPr/>
+    <dgm:style>
+      <a:lnRef idx="2">
+        <a:scrgbClr r="0" g="0" b="0"/>
+      </a:lnRef>
+      <a:fillRef idx="1">
+        <a:scrgbClr r="0" g="0" b="0"/>
+      </a:fillRef>
+      <a:effectRef idx="0">
+        <a:scrgbClr r="0" g="0" b="0"/>
+      </a:effectRef>
+      <a:fontRef idx="minor"/>
+    </dgm:style>
+  </dgm:styleLbl>
+  <dgm:styleLbl name="fgAcc2">
+    <dgm:scene3d>
+      <a:camera prst="orthographicFront"/>
+      <a:lightRig rig="threePt" dir="t"/>
+    </dgm:scene3d>
+    <dgm:sp3d/>
+    <dgm:txPr/>
+    <dgm:style>
+      <a:lnRef idx="2">
+        <a:scrgbClr r="0" g="0" b="0"/>
+      </a:lnRef>
+      <a:fillRef idx="1">
+        <a:scrgbClr r="0" g="0" b="0"/>
+      </a:fillRef>
+      <a:effectRef idx="0">
+        <a:scrgbClr r="0" g="0" b="0"/>
+      </a:effectRef>
+      <a:fontRef idx="minor"/>
+    </dgm:style>
+  </dgm:styleLbl>
+  <dgm:styleLbl name="fgAcc3">
+    <dgm:scene3d>
+      <a:camera prst="orthographicFront"/>
+      <a:lightRig rig="threePt" dir="t"/>
+    </dgm:scene3d>
+    <dgm:sp3d/>
+    <dgm:txPr/>
+    <dgm:style>
+      <a:lnRef idx="2">
+        <a:scrgbClr r="0" g="0" b="0"/>
+      </a:lnRef>
+      <a:fillRef idx="1">
+        <a:scrgbClr r="0" g="0" b="0"/>
+      </a:fillRef>
+      <a:effectRef idx="0">
+        <a:scrgbClr r="0" g="0" b="0"/>
+      </a:effectRef>
+      <a:fontRef idx="minor"/>
+    </dgm:style>
+  </dgm:styleLbl>
+  <dgm:styleLbl name="fgAcc4">
+    <dgm:scene3d>
+      <a:camera prst="orthographicFront"/>
+      <a:lightRig rig="threePt" dir="t"/>
+    </dgm:scene3d>
+    <dgm:sp3d/>
+    <dgm:txPr/>
+    <dgm:style>
+      <a:lnRef idx="2">
+        <a:scrgbClr r="0" g="0" b="0"/>
+      </a:lnRef>
+      <a:fillRef idx="1">
+        <a:scrgbClr r="0" g="0" b="0"/>
+      </a:fillRef>
+      <a:effectRef idx="0">
+        <a:scrgbClr r="0" g="0" b="0"/>
+      </a:effectRef>
+      <a:fontRef idx="minor"/>
+    </dgm:style>
+  </dgm:styleLbl>
+  <dgm:styleLbl name="bgShp">
+    <dgm:scene3d>
+      <a:camera prst="orthographicFront"/>
+      <a:lightRig rig="threePt" dir="t"/>
+    </dgm:scene3d>
+    <dgm:sp3d/>
+    <dgm:txPr/>
+    <dgm:style>
+      <a:lnRef idx="0">
+        <a:scrgbClr r="0" g="0" b="0"/>
+      </a:lnRef>
+      <a:fillRef idx="1">
+        <a:scrgbClr r="0" g="0" b="0"/>
+      </a:fillRef>
+      <a:effectRef idx="0">
+        <a:scrgbClr r="0" g="0" b="0"/>
+      </a:effectRef>
+      <a:fontRef idx="minor"/>
+    </dgm:style>
+  </dgm:styleLbl>
+  <dgm:styleLbl name="dkBgShp">
+    <dgm:scene3d>
+      <a:camera prst="orthographicFront"/>
+      <a:lightRig rig="threePt" dir="t"/>
+    </dgm:scene3d>
+    <dgm:sp3d/>
+    <dgm:txPr/>
+    <dgm:style>
+      <a:lnRef idx="0">
+        <a:scrgbClr r="0" g="0" b="0"/>
+      </a:lnRef>
+      <a:fillRef idx="1">
+        <a:scrgbClr r="0" g="0" b="0"/>
+      </a:fillRef>
+      <a:effectRef idx="0">
+        <a:scrgbClr r="0" g="0" b="0"/>
+      </a:effectRef>
+      <a:fontRef idx="minor"/>
+    </dgm:style>
+  </dgm:styleLbl>
+  <dgm:styleLbl name="trBgShp">
+    <dgm:scene3d>
+      <a:camera prst="orthographicFront"/>
+      <a:lightRig rig="threePt" dir="t"/>
+    </dgm:scene3d>
+    <dgm:sp3d/>
+    <dgm:txPr/>
+    <dgm:style>
+      <a:lnRef idx="0">
+        <a:scrgbClr r="0" g="0" b="0"/>
+      </a:lnRef>
+      <a:fillRef idx="1">
+        <a:scrgbClr r="0" g="0" b="0"/>
+      </a:fillRef>
+      <a:effectRef idx="0">
+        <a:scrgbClr r="0" g="0" b="0"/>
+      </a:effectRef>
+      <a:fontRef idx="minor"/>
+    </dgm:style>
+  </dgm:styleLbl>
+  <dgm:styleLbl name="fgShp">
+    <dgm:scene3d>
+      <a:camera prst="orthographicFront"/>
+      <a:lightRig rig="threePt" dir="t"/>
+    </dgm:scene3d>
+    <dgm:sp3d/>
+    <dgm:txPr/>
+    <dgm:style>
+      <a:lnRef idx="3">
+        <a:scrgbClr r="0" g="0" b="0"/>
+      </a:lnRef>
+      <a:fillRef idx="1">
+        <a:scrgbClr r="0" g="0" b="0"/>
+      </a:fillRef>
+      <a:effectRef idx="1">
+        <a:scrgbClr r="0" g="0" b="0"/>
+      </a:effectRef>
+      <a:fontRef idx="minor"/>
+    </dgm:style>
+  </dgm:styleLbl>
+  <dgm:styleLbl name="revTx">
+    <dgm:scene3d>
+      <a:camera prst="orthographicFront"/>
+      <a:lightRig rig="threePt" dir="t"/>
+    </dgm:scene3d>
+    <dgm:sp3d/>
+    <dgm:txPr/>
+    <dgm:style>
+      <a:lnRef idx="0">
+        <a:scrgbClr r="0" g="0" b="0"/>
+      </a:lnRef>
+      <a:fillRef idx="0">
+        <a:scrgbClr r="0" g="0" b="0"/>
+      </a:fillRef>
+      <a:effectRef idx="0">
+        <a:scrgbClr r="0" g="0" b="0"/>
+      </a:effectRef>
+      <a:fontRef idx="minor"/>
+    </dgm:style>
+  </dgm:styleLbl>
+</dgm:styleDef>
 </file>
 
 <file path=ppt/slideLayouts/slideLayout1.xml><?xml version="1.0" encoding="utf-8"?>
@@ -7211,53 +12855,37 @@
           </a:p>
         </p:txBody>
       </p:sp>
-      <p:sp>
-        <p:nvSpPr>
-          <p:cNvPr id="3" name="Content Placeholder 2">
+      <p:graphicFrame>
+        <p:nvGraphicFramePr>
+          <p:cNvPr id="5" name="Content Placeholder 2">
             <a:extLst>
               <a:ext uri="{FF2B5EF4-FFF2-40B4-BE49-F238E27FC236}">
-                <a16:creationId xmlns:a16="http://schemas.microsoft.com/office/drawing/2014/main" id="{6500551A-1F49-694A-AEDC-95D6EA386A3B}"/>
+                <a16:creationId xmlns:a16="http://schemas.microsoft.com/office/drawing/2014/main" id="{8160A792-5912-F7C5-8010-951BAE878A46}"/>
               </a:ext>
             </a:extLst>
           </p:cNvPr>
-          <p:cNvSpPr>
-            <a:spLocks noGrp="1"/>
-          </p:cNvSpPr>
+          <p:cNvGraphicFramePr>
+            <a:graphicFrameLocks noGrp="1"/>
+          </p:cNvGraphicFramePr>
           <p:nvPr>
             <p:ph idx="1"/>
+            <p:extLst>
+              <p:ext uri="{D42A27DB-BD31-4B8C-83A1-F6EECF244321}">
+                <p14:modId xmlns:p14="http://schemas.microsoft.com/office/powerpoint/2010/main" val="1449779655"/>
+              </p:ext>
+            </p:extLst>
           </p:nvPr>
-        </p:nvSpPr>
-        <p:spPr>
-          <a:xfrm>
-            <a:off x="1104906" y="2538770"/>
-            <a:ext cx="9982193" cy="3214330"/>
-          </a:xfrm>
-        </p:spPr>
-        <p:txBody>
-          <a:bodyPr anchor="t">
-            <a:normAutofit/>
-          </a:bodyPr>
-          <a:lstStyle/>
-          <a:p>
-            <a:pPr marL="0" indent="0">
-              <a:buNone/>
-            </a:pPr>
-            <a:r>
-              <a:rPr lang="en-US" dirty="0"/>
-              <a:t>Summarize the key findings from the existing literature on cybersecurity training and its effectiveness in preventing phishing attacks</a:t>
-            </a:r>
-          </a:p>
-          <a:p>
-            <a:pPr marL="0" indent="0">
-              <a:buNone/>
-            </a:pPr>
-            <a:r>
-              <a:rPr lang="en-US" dirty="0"/>
-              <a:t>Highlight any gaps in the literature that your research proposal aims to address</a:t>
-            </a:r>
-          </a:p>
-        </p:txBody>
-      </p:sp>
+        </p:nvGraphicFramePr>
+        <p:xfrm>
+          <a:off x="1104906" y="2538770"/>
+          <a:ext cx="9982193" cy="3214330"/>
+        </p:xfrm>
+        <a:graphic>
+          <a:graphicData uri="http://schemas.openxmlformats.org/drawingml/2006/diagram">
+            <dgm:relIds xmlns:dgm="http://schemas.openxmlformats.org/drawingml/2006/diagram" xmlns:r="http://schemas.openxmlformats.org/officeDocument/2006/relationships" r:dm="rId2" r:lo="rId3" r:qs="rId4" r:cs="rId5"/>
+          </a:graphicData>
+        </a:graphic>
+      </p:graphicFrame>
     </p:spTree>
     <p:extLst>
       <p:ext uri="{BB962C8B-B14F-4D97-AF65-F5344CB8AC3E}">
@@ -7272,6 +12900,102 @@
 </file>
 
 <file path=ppt/slides/slide5.xml><?xml version="1.0" encoding="utf-8"?>
+<p:sld xmlns:a="http://schemas.openxmlformats.org/drawingml/2006/main" xmlns:r="http://schemas.openxmlformats.org/officeDocument/2006/relationships" xmlns:p="http://schemas.openxmlformats.org/presentationml/2006/main">
+  <p:cSld>
+    <p:spTree>
+      <p:nvGrpSpPr>
+        <p:cNvPr id="1" name=""/>
+        <p:cNvGrpSpPr/>
+        <p:nvPr/>
+      </p:nvGrpSpPr>
+      <p:grpSpPr>
+        <a:xfrm>
+          <a:off x="0" y="0"/>
+          <a:ext cx="0" cy="0"/>
+          <a:chOff x="0" y="0"/>
+          <a:chExt cx="0" cy="0"/>
+        </a:xfrm>
+      </p:grpSpPr>
+      <p:sp>
+        <p:nvSpPr>
+          <p:cNvPr id="2" name="Title 1">
+            <a:extLst>
+              <a:ext uri="{FF2B5EF4-FFF2-40B4-BE49-F238E27FC236}">
+                <a16:creationId xmlns:a16="http://schemas.microsoft.com/office/drawing/2014/main" id="{AFC2D312-24CD-636A-14E8-015C8214261D}"/>
+              </a:ext>
+            </a:extLst>
+          </p:cNvPr>
+          <p:cNvSpPr>
+            <a:spLocks noGrp="1"/>
+          </p:cNvSpPr>
+          <p:nvPr>
+            <p:ph type="title"/>
+          </p:nvPr>
+        </p:nvSpPr>
+        <p:spPr>
+          <a:xfrm>
+            <a:off x="1104902" y="1124950"/>
+            <a:ext cx="9982199" cy="981801"/>
+          </a:xfrm>
+        </p:spPr>
+        <p:txBody>
+          <a:bodyPr anchor="b">
+            <a:normAutofit/>
+          </a:bodyPr>
+          <a:lstStyle/>
+          <a:p>
+            <a:r>
+              <a:rPr lang="en-US" dirty="0"/>
+              <a:t>Literature Gaps</a:t>
+            </a:r>
+          </a:p>
+        </p:txBody>
+      </p:sp>
+      <p:graphicFrame>
+        <p:nvGraphicFramePr>
+          <p:cNvPr id="5" name="Content Placeholder 2">
+            <a:extLst>
+              <a:ext uri="{FF2B5EF4-FFF2-40B4-BE49-F238E27FC236}">
+                <a16:creationId xmlns:a16="http://schemas.microsoft.com/office/drawing/2014/main" id="{96C18B2B-BB39-9CE1-E223-E55943C31B3B}"/>
+              </a:ext>
+            </a:extLst>
+          </p:cNvPr>
+          <p:cNvGraphicFramePr>
+            <a:graphicFrameLocks noGrp="1"/>
+          </p:cNvGraphicFramePr>
+          <p:nvPr>
+            <p:ph idx="1"/>
+            <p:extLst>
+              <p:ext uri="{D42A27DB-BD31-4B8C-83A1-F6EECF244321}">
+                <p14:modId xmlns:p14="http://schemas.microsoft.com/office/powerpoint/2010/main" val="640096299"/>
+              </p:ext>
+            </p:extLst>
+          </p:nvPr>
+        </p:nvGraphicFramePr>
+        <p:xfrm>
+          <a:off x="1104906" y="2538770"/>
+          <a:ext cx="9982193" cy="3214330"/>
+        </p:xfrm>
+        <a:graphic>
+          <a:graphicData uri="http://schemas.openxmlformats.org/drawingml/2006/diagram">
+            <dgm:relIds xmlns:dgm="http://schemas.openxmlformats.org/drawingml/2006/diagram" xmlns:r="http://schemas.openxmlformats.org/officeDocument/2006/relationships" r:dm="rId2" r:lo="rId3" r:qs="rId4" r:cs="rId5"/>
+          </a:graphicData>
+        </a:graphic>
+      </p:graphicFrame>
+    </p:spTree>
+    <p:extLst>
+      <p:ext uri="{BB962C8B-B14F-4D97-AF65-F5344CB8AC3E}">
+        <p14:creationId xmlns:p14="http://schemas.microsoft.com/office/powerpoint/2010/main" val="3901924041"/>
+      </p:ext>
+    </p:extLst>
+  </p:cSld>
+  <p:clrMapOvr>
+    <a:masterClrMapping/>
+  </p:clrMapOvr>
+</p:sld>
+</file>
+
+<file path=ppt/slides/slide6.xml><?xml version="1.0" encoding="utf-8"?>
 <p:sld xmlns:a="http://schemas.openxmlformats.org/drawingml/2006/main" xmlns:r="http://schemas.openxmlformats.org/officeDocument/2006/relationships" xmlns:p="http://schemas.openxmlformats.org/presentationml/2006/main">
   <p:cSld>
     <p:spTree>
@@ -7462,7 +13186,7 @@
 </p:sld>
 </file>
 
-<file path=ppt/slides/slide6.xml><?xml version="1.0" encoding="utf-8"?>
+<file path=ppt/slides/slide7.xml><?xml version="1.0" encoding="utf-8"?>
 <p:sld xmlns:a="http://schemas.openxmlformats.org/drawingml/2006/main" xmlns:r="http://schemas.openxmlformats.org/officeDocument/2006/relationships" xmlns:p="http://schemas.openxmlformats.org/presentationml/2006/main">
   <p:cSld>
     <p:spTree>
@@ -7608,7 +13332,7 @@
 </p:sld>
 </file>
 
-<file path=ppt/slides/slide7.xml><?xml version="1.0" encoding="utf-8"?>
+<file path=ppt/slides/slide8.xml><?xml version="1.0" encoding="utf-8"?>
 <p:sld xmlns:a="http://schemas.openxmlformats.org/drawingml/2006/main" xmlns:r="http://schemas.openxmlformats.org/officeDocument/2006/relationships" xmlns:p="http://schemas.openxmlformats.org/presentationml/2006/main">
   <p:cSld>
     <p:spTree>

--- a/PPT/Alpha Review.pptx
+++ b/PPT/Alpha Review.pptx
@@ -12,8 +12,9 @@
     <p:sldId id="282" r:id="rId6"/>
     <p:sldId id="286" r:id="rId7"/>
     <p:sldId id="283" r:id="rId8"/>
-    <p:sldId id="284" r:id="rId9"/>
-    <p:sldId id="285" r:id="rId10"/>
+    <p:sldId id="287" r:id="rId9"/>
+    <p:sldId id="284" r:id="rId10"/>
+    <p:sldId id="285" r:id="rId11"/>
   </p:sldIdLst>
   <p:sldSz cx="12192000" cy="6858000"/>
   <p:notesSz cx="6858000" cy="9144000"/>
@@ -13205,6 +13206,154 @@
       </p:grpSpPr>
       <p:sp>
         <p:nvSpPr>
+          <p:cNvPr id="4" name="Title 3">
+            <a:extLst>
+              <a:ext uri="{FF2B5EF4-FFF2-40B4-BE49-F238E27FC236}">
+                <a16:creationId xmlns:a16="http://schemas.microsoft.com/office/drawing/2014/main" id="{59CB7A9B-1706-7F9E-30AB-644E8D824D12}"/>
+              </a:ext>
+            </a:extLst>
+          </p:cNvPr>
+          <p:cNvSpPr>
+            <a:spLocks noGrp="1"/>
+          </p:cNvSpPr>
+          <p:nvPr>
+            <p:ph type="title"/>
+          </p:nvPr>
+        </p:nvSpPr>
+        <p:spPr/>
+        <p:txBody>
+          <a:bodyPr/>
+          <a:lstStyle/>
+          <a:p>
+            <a:r>
+              <a:rPr lang="en-US" dirty="0"/>
+              <a:t>UCF Cybersecurity Phishing Training</a:t>
+            </a:r>
+          </a:p>
+        </p:txBody>
+      </p:sp>
+      <p:pic>
+        <p:nvPicPr>
+          <p:cNvPr id="7" name="Picture 6" descr="Graphical user interface, text, application&#10;&#10;Description automatically generated">
+            <a:extLst>
+              <a:ext uri="{FF2B5EF4-FFF2-40B4-BE49-F238E27FC236}">
+                <a16:creationId xmlns:a16="http://schemas.microsoft.com/office/drawing/2014/main" id="{20546C2C-D9A0-8AA1-D048-9421E45DE7A8}"/>
+              </a:ext>
+            </a:extLst>
+          </p:cNvPr>
+          <p:cNvPicPr>
+            <a:picLocks noChangeAspect="1"/>
+          </p:cNvPicPr>
+          <p:nvPr/>
+        </p:nvPicPr>
+        <p:blipFill>
+          <a:blip r:embed="rId2"/>
+          <a:stretch>
+            <a:fillRect/>
+          </a:stretch>
+        </p:blipFill>
+        <p:spPr>
+          <a:xfrm>
+            <a:off x="3581134" y="4421018"/>
+            <a:ext cx="5029731" cy="1427419"/>
+          </a:xfrm>
+          <a:prstGeom prst="rect">
+            <a:avLst/>
+          </a:prstGeom>
+        </p:spPr>
+      </p:pic>
+      <p:pic>
+        <p:nvPicPr>
+          <p:cNvPr id="9" name="Picture 8" descr="Graphical user interface, text, application&#10;&#10;Description automatically generated">
+            <a:extLst>
+              <a:ext uri="{FF2B5EF4-FFF2-40B4-BE49-F238E27FC236}">
+                <a16:creationId xmlns:a16="http://schemas.microsoft.com/office/drawing/2014/main" id="{0D7FE6A2-910D-B296-0113-15284AEAC574}"/>
+              </a:ext>
+            </a:extLst>
+          </p:cNvPr>
+          <p:cNvPicPr>
+            <a:picLocks noChangeAspect="1"/>
+          </p:cNvPicPr>
+          <p:nvPr/>
+        </p:nvPicPr>
+        <p:blipFill>
+          <a:blip r:embed="rId3"/>
+          <a:stretch>
+            <a:fillRect/>
+          </a:stretch>
+        </p:blipFill>
+        <p:spPr>
+          <a:xfrm>
+            <a:off x="6348250" y="2917281"/>
+            <a:ext cx="4744638" cy="1352156"/>
+          </a:xfrm>
+          <a:prstGeom prst="rect">
+            <a:avLst/>
+          </a:prstGeom>
+        </p:spPr>
+      </p:pic>
+      <p:pic>
+        <p:nvPicPr>
+          <p:cNvPr id="11" name="Picture 10" descr="Graphical user interface, text, application&#10;&#10;Description automatically generated">
+            <a:extLst>
+              <a:ext uri="{FF2B5EF4-FFF2-40B4-BE49-F238E27FC236}">
+                <a16:creationId xmlns:a16="http://schemas.microsoft.com/office/drawing/2014/main" id="{AFB6640F-C84F-24B3-0492-0C86589140D1}"/>
+              </a:ext>
+            </a:extLst>
+          </p:cNvPr>
+          <p:cNvPicPr>
+            <a:picLocks noChangeAspect="1"/>
+          </p:cNvPicPr>
+          <p:nvPr/>
+        </p:nvPicPr>
+        <p:blipFill>
+          <a:blip r:embed="rId4"/>
+          <a:stretch>
+            <a:fillRect/>
+          </a:stretch>
+        </p:blipFill>
+        <p:spPr>
+          <a:xfrm>
+            <a:off x="1099112" y="2917281"/>
+            <a:ext cx="5029731" cy="1361938"/>
+          </a:xfrm>
+          <a:prstGeom prst="rect">
+            <a:avLst/>
+          </a:prstGeom>
+        </p:spPr>
+      </p:pic>
+    </p:spTree>
+    <p:extLst>
+      <p:ext uri="{BB962C8B-B14F-4D97-AF65-F5344CB8AC3E}">
+        <p14:creationId xmlns:p14="http://schemas.microsoft.com/office/powerpoint/2010/main" val="1570421223"/>
+      </p:ext>
+    </p:extLst>
+  </p:cSld>
+  <p:clrMapOvr>
+    <a:masterClrMapping/>
+  </p:clrMapOvr>
+</p:sld>
+</file>
+
+<file path=ppt/slides/slide8.xml><?xml version="1.0" encoding="utf-8"?>
+<p:sld xmlns:a="http://schemas.openxmlformats.org/drawingml/2006/main" xmlns:r="http://schemas.openxmlformats.org/officeDocument/2006/relationships" xmlns:p="http://schemas.openxmlformats.org/presentationml/2006/main">
+  <p:cSld>
+    <p:spTree>
+      <p:nvGrpSpPr>
+        <p:cNvPr id="1" name=""/>
+        <p:cNvGrpSpPr/>
+        <p:nvPr/>
+      </p:nvGrpSpPr>
+      <p:grpSpPr>
+        <a:xfrm>
+          <a:off x="0" y="0"/>
+          <a:ext cx="0" cy="0"/>
+          <a:chOff x="0" y="0"/>
+          <a:chExt cx="0" cy="0"/>
+        </a:xfrm>
+      </p:grpSpPr>
+      <p:sp>
+        <p:nvSpPr>
           <p:cNvPr id="2" name="Title 1">
             <a:extLst>
               <a:ext uri="{FF2B5EF4-FFF2-40B4-BE49-F238E27FC236}">
@@ -13332,7 +13481,7 @@
 </p:sld>
 </file>
 
-<file path=ppt/slides/slide8.xml><?xml version="1.0" encoding="utf-8"?>
+<file path=ppt/slides/slide9.xml><?xml version="1.0" encoding="utf-8"?>
 <p:sld xmlns:a="http://schemas.openxmlformats.org/drawingml/2006/main" xmlns:r="http://schemas.openxmlformats.org/officeDocument/2006/relationships" xmlns:p="http://schemas.openxmlformats.org/presentationml/2006/main">
   <p:cSld>
     <p:spTree>

--- a/PPT/Alpha Review.pptx
+++ b/PPT/Alpha Review.pptx
@@ -1630,7 +1630,7 @@
 <dgm:dataModel xmlns:dgm="http://schemas.openxmlformats.org/drawingml/2006/diagram" xmlns:a="http://schemas.openxmlformats.org/drawingml/2006/main">
   <dgm:ptLst>
     <dgm:pt modelId="{D3B33861-0D0F-4C44-9304-62A4319FB8BE}" type="doc">
-      <dgm:prSet loTypeId="urn:microsoft.com/office/officeart/2005/8/layout/hList1" loCatId="list" qsTypeId="urn:microsoft.com/office/officeart/2005/8/quickstyle/simple2" qsCatId="simple" csTypeId="urn:microsoft.com/office/officeart/2005/8/colors/accent3_2" csCatId="accent3"/>
+      <dgm:prSet loTypeId="urn:microsoft.com/office/officeart/2005/8/layout/hList1" loCatId="list" qsTypeId="urn:microsoft.com/office/officeart/2005/8/quickstyle/simple2" qsCatId="simple" csTypeId="urn:microsoft.com/office/officeart/2005/8/colors/accent3_2" csCatId="accent3" phldr="1"/>
       <dgm:spPr/>
       <dgm:t>
         <a:bodyPr/>
@@ -1685,10 +1685,10 @@
         <a:lstStyle/>
         <a:p>
           <a:r>
-            <a:rPr lang="en-US" b="0" i="0"/>
-            <a:t>Phishing preventive strategies include technical tools and non-technical skills relevant to the human behave. Technical tools do not have a perfect success rate, facilitating the need to reinforce the human as well with training (Jampen et al., 2020). </a:t>
+            <a:rPr lang="en-US" b="0" i="0" dirty="0"/>
+            <a:t>Phishing preventive strategies include technical tools and non-technical skills relevant to human behavior. Technical tools do not have a perfect success rate, facilitating the need to reinforce the human as well with training (Jampen et al., 2020). </a:t>
           </a:r>
-          <a:endParaRPr lang="en-US"/>
+          <a:endParaRPr lang="en-US" dirty="0"/>
         </a:p>
       </dgm:t>
     </dgm:pt>
@@ -2043,7 +2043,7 @@
         <a:p>
           <a:r>
             <a:rPr lang="en-US" b="0" i="0" dirty="0"/>
-            <a:t>The perceived ease of use literature covered dis not focus specifically on phishing training nor did it employ self-report measures for a qualitative understanding</a:t>
+            <a:t>The perceived ease of use literature covered did not focus specifically on phishing training nor did it employ self-report measures for a qualitative understanding</a:t>
           </a:r>
           <a:endParaRPr lang="en-US" dirty="0"/>
         </a:p>
@@ -2316,10 +2316,10 @@
             <a:buChar char="•"/>
           </a:pPr>
           <a:r>
-            <a:rPr lang="en-US" sz="1600" b="0" i="0" kern="1200"/>
-            <a:t>Phishing preventive strategies include technical tools and non-technical skills relevant to the human behave. Technical tools do not have a perfect success rate, facilitating the need to reinforce the human as well with training (Jampen et al., 2020). </a:t>
+            <a:rPr lang="en-US" sz="1600" b="0" i="0" kern="1200" dirty="0"/>
+            <a:t>Phishing preventive strategies include technical tools and non-technical skills relevant to human behavior. Technical tools do not have a perfect success rate, facilitating the need to reinforce the human as well with training (Jampen et al., 2020). </a:t>
           </a:r>
-          <a:endParaRPr lang="en-US" sz="1600" kern="1200"/>
+          <a:endParaRPr lang="en-US" sz="1600" kern="1200" dirty="0"/>
         </a:p>
       </dsp:txBody>
       <dsp:txXfrm>
@@ -2913,7 +2913,7 @@
           </a:pPr>
           <a:r>
             <a:rPr lang="en-US" sz="2600" b="0" i="0" kern="1200" dirty="0"/>
-            <a:t>The perceived ease of use literature covered dis not focus specifically on phishing training nor did it employ self-report measures for a qualitative understanding</a:t>
+            <a:t>The perceived ease of use literature covered did not focus specifically on phishing training nor did it employ self-report measures for a qualitative understanding</a:t>
           </a:r>
           <a:endParaRPr lang="en-US" sz="2600" kern="1200" dirty="0"/>
         </a:p>
@@ -12577,12 +12577,12 @@
         <p:spPr>
           <a:xfrm>
             <a:off x="1104906" y="2538770"/>
-            <a:ext cx="9982193" cy="3214330"/>
+            <a:ext cx="6121517" cy="3214330"/>
           </a:xfrm>
         </p:spPr>
         <p:txBody>
           <a:bodyPr anchor="t">
-            <a:normAutofit/>
+            <a:normAutofit fontScale="85000" lnSpcReduction="20000"/>
           </a:bodyPr>
           <a:lstStyle/>
           <a:p>
@@ -12592,8 +12592,8 @@
               </a:lnSpc>
             </a:pPr>
             <a:r>
-              <a:rPr lang="en-US" sz="1700"/>
-              <a:t>In 2020, the FBI's Internet Crime Complaint Center received over 240,000 complaints related to phishing attacks with an estimated 4.2 billion dollars lost to cybercrimes. Phishing and Fraud Report discovered a 220% increase in phising attacks in response to the pandemic increasing cybercriminal opportunities.</a:t>
+              <a:rPr lang="en-US" sz="1700" dirty="0"/>
+              <a:t>In 2020, the FBI's Internet Crime Complaint Center received over 240,000 complaints related to phishing attacks with an estimated 4.2 billion dollars lost to cybercrimes. Phishing and Fraud Report discovered a 220% increase in phishing attacks in response to the pandemic increasing cybercriminal opportunities.</a:t>
             </a:r>
           </a:p>
           <a:p>
@@ -12603,7 +12603,7 @@
               </a:lnSpc>
             </a:pPr>
             <a:r>
-              <a:rPr lang="en-US" sz="1700"/>
+              <a:rPr lang="en-US" sz="1700" dirty="0"/>
               <a:t>There is a need for training programs that are not only effective in preventing phishing attacks but also easy for users to engage with and understand.</a:t>
             </a:r>
           </a:p>
@@ -12614,12 +12614,59 @@
               </a:lnSpc>
             </a:pPr>
             <a:r>
-              <a:rPr lang="en-US" sz="1700"/>
-              <a:t>Our research proposal aims to investigate the relationship between perceived ease of use and perceived usefulness regarding a phising prevention training programs</a:t>
+              <a:rPr lang="en-US" sz="1700" dirty="0"/>
+              <a:t>Our research proposal aims to investigate the relationship between perceived ease of use and perceived usefulness regarding a phishing prevention training programs</a:t>
             </a:r>
           </a:p>
         </p:txBody>
       </p:sp>
+      <p:pic>
+        <p:nvPicPr>
+          <p:cNvPr id="5" name="Picture 2">
+            <a:extLst>
+              <a:ext uri="{FF2B5EF4-FFF2-40B4-BE49-F238E27FC236}">
+                <a16:creationId xmlns:a16="http://schemas.microsoft.com/office/drawing/2014/main" id="{8B36F596-7322-73D0-AA7B-2588CF8BF6BF}"/>
+              </a:ext>
+            </a:extLst>
+          </p:cNvPr>
+          <p:cNvPicPr>
+            <a:picLocks noChangeAspect="1" noChangeArrowheads="1"/>
+          </p:cNvPicPr>
+          <p:nvPr/>
+        </p:nvPicPr>
+        <p:blipFill>
+          <a:blip r:embed="rId2">
+            <a:extLst>
+              <a:ext uri="{28A0092B-C50C-407E-A947-70E740481C1C}">
+                <a14:useLocalDpi xmlns:a14="http://schemas.microsoft.com/office/drawing/2010/main" val="0"/>
+              </a:ext>
+            </a:extLst>
+          </a:blip>
+          <a:srcRect/>
+          <a:stretch>
+            <a:fillRect/>
+          </a:stretch>
+        </p:blipFill>
+        <p:spPr bwMode="auto">
+          <a:xfrm>
+            <a:off x="7405362" y="2708569"/>
+            <a:ext cx="3824989" cy="2874731"/>
+          </a:xfrm>
+          <a:prstGeom prst="rect">
+            <a:avLst/>
+          </a:prstGeom>
+          <a:noFill/>
+          <a:extLst>
+            <a:ext uri="{909E8E84-426E-40DD-AFC4-6F175D3DCCD1}">
+              <a14:hiddenFill xmlns:a14="http://schemas.microsoft.com/office/drawing/2010/main">
+                <a:solidFill>
+                  <a:srgbClr val="FFFFFF"/>
+                </a:solidFill>
+              </a14:hiddenFill>
+            </a:ext>
+          </a:extLst>
+        </p:spPr>
+      </p:pic>
     </p:spTree>
     <p:extLst>
       <p:ext uri="{BB962C8B-B14F-4D97-AF65-F5344CB8AC3E}">
@@ -12872,7 +12919,7 @@
             <p:ph idx="1"/>
             <p:extLst>
               <p:ext uri="{D42A27DB-BD31-4B8C-83A1-F6EECF244321}">
-                <p14:modId xmlns:p14="http://schemas.microsoft.com/office/powerpoint/2010/main" val="1449779655"/>
+                <p14:modId xmlns:p14="http://schemas.microsoft.com/office/powerpoint/2010/main" val="4229132248"/>
               </p:ext>
             </p:extLst>
           </p:nvPr>
@@ -12968,7 +13015,7 @@
             <p:ph idx="1"/>
             <p:extLst>
               <p:ext uri="{D42A27DB-BD31-4B8C-83A1-F6EECF244321}">
-                <p14:modId xmlns:p14="http://schemas.microsoft.com/office/powerpoint/2010/main" val="640096299"/>
+                <p14:modId xmlns:p14="http://schemas.microsoft.com/office/powerpoint/2010/main" val="2570566109"/>
               </p:ext>
             </p:extLst>
           </p:nvPr>

--- a/PPT/Alpha Review.pptx
+++ b/PPT/Alpha Review.pptx
@@ -11,10 +11,11 @@
     <p:sldId id="280" r:id="rId5"/>
     <p:sldId id="282" r:id="rId6"/>
     <p:sldId id="286" r:id="rId7"/>
-    <p:sldId id="283" r:id="rId8"/>
-    <p:sldId id="287" r:id="rId9"/>
-    <p:sldId id="284" r:id="rId10"/>
-    <p:sldId id="285" r:id="rId11"/>
+    <p:sldId id="297" r:id="rId8"/>
+    <p:sldId id="283" r:id="rId9"/>
+    <p:sldId id="294" r:id="rId10"/>
+    <p:sldId id="284" r:id="rId11"/>
+    <p:sldId id="285" r:id="rId12"/>
   </p:sldIdLst>
   <p:sldSz cx="12192000" cy="6858000"/>
   <p:notesSz cx="6858000" cy="9144000"/>
@@ -12506,6 +12507,118 @@
 </p:sld>
 </file>
 
+<file path=ppt/slides/slide10.xml><?xml version="1.0" encoding="utf-8"?>
+<p:sld xmlns:a="http://schemas.openxmlformats.org/drawingml/2006/main" xmlns:r="http://schemas.openxmlformats.org/officeDocument/2006/relationships" xmlns:p="http://schemas.openxmlformats.org/presentationml/2006/main">
+  <p:cSld>
+    <p:spTree>
+      <p:nvGrpSpPr>
+        <p:cNvPr id="1" name=""/>
+        <p:cNvGrpSpPr/>
+        <p:nvPr/>
+      </p:nvGrpSpPr>
+      <p:grpSpPr>
+        <a:xfrm>
+          <a:off x="0" y="0"/>
+          <a:ext cx="0" cy="0"/>
+          <a:chOff x="0" y="0"/>
+          <a:chExt cx="0" cy="0"/>
+        </a:xfrm>
+      </p:grpSpPr>
+      <p:sp>
+        <p:nvSpPr>
+          <p:cNvPr id="2" name="Title 1">
+            <a:extLst>
+              <a:ext uri="{FF2B5EF4-FFF2-40B4-BE49-F238E27FC236}">
+                <a16:creationId xmlns:a16="http://schemas.microsoft.com/office/drawing/2014/main" id="{1BE064B3-3CBE-F640-94A7-65A0B9010AA2}"/>
+              </a:ext>
+            </a:extLst>
+          </p:cNvPr>
+          <p:cNvSpPr>
+            <a:spLocks noGrp="1"/>
+          </p:cNvSpPr>
+          <p:nvPr>
+            <p:ph type="title"/>
+          </p:nvPr>
+        </p:nvSpPr>
+        <p:spPr>
+          <a:xfrm>
+            <a:off x="1104902" y="1124950"/>
+            <a:ext cx="9982199" cy="981801"/>
+          </a:xfrm>
+        </p:spPr>
+        <p:txBody>
+          <a:bodyPr anchor="b">
+            <a:normAutofit/>
+          </a:bodyPr>
+          <a:lstStyle/>
+          <a:p>
+            <a:r>
+              <a:rPr lang="en-US" dirty="0"/>
+              <a:t>Conclusion</a:t>
+            </a:r>
+          </a:p>
+        </p:txBody>
+      </p:sp>
+      <p:sp>
+        <p:nvSpPr>
+          <p:cNvPr id="3" name="Content Placeholder 2">
+            <a:extLst>
+              <a:ext uri="{FF2B5EF4-FFF2-40B4-BE49-F238E27FC236}">
+                <a16:creationId xmlns:a16="http://schemas.microsoft.com/office/drawing/2014/main" id="{6500551A-1F49-694A-AEDC-95D6EA386A3B}"/>
+              </a:ext>
+            </a:extLst>
+          </p:cNvPr>
+          <p:cNvSpPr>
+            <a:spLocks noGrp="1"/>
+          </p:cNvSpPr>
+          <p:nvPr>
+            <p:ph idx="1"/>
+          </p:nvPr>
+        </p:nvSpPr>
+        <p:spPr>
+          <a:xfrm>
+            <a:off x="1104906" y="2538770"/>
+            <a:ext cx="9982193" cy="3214330"/>
+          </a:xfrm>
+        </p:spPr>
+        <p:txBody>
+          <a:bodyPr anchor="t">
+            <a:normAutofit/>
+          </a:bodyPr>
+          <a:lstStyle/>
+          <a:p>
+            <a:pPr marL="0" indent="0">
+              <a:buNone/>
+            </a:pPr>
+            <a:r>
+              <a:rPr lang="en-US" dirty="0"/>
+              <a:t>Problem Statement: Organizations lack an understanding of which factors influence an employee’s perceptions of the usefulness and value of cybersecurity training. Identifying these factors can improve the effectiveness of training programs and enhance overall security.</a:t>
+            </a:r>
+          </a:p>
+          <a:p>
+            <a:pPr marL="0" indent="0">
+              <a:buNone/>
+            </a:pPr>
+            <a:r>
+              <a:rPr lang="en-US" dirty="0"/>
+              <a:t>Research Question: What are the factors that influence employees' perceptions of the usefulness and value of different aspects of cybersecurity training in the workplace?</a:t>
+            </a:r>
+          </a:p>
+        </p:txBody>
+      </p:sp>
+    </p:spTree>
+    <p:extLst>
+      <p:ext uri="{BB962C8B-B14F-4D97-AF65-F5344CB8AC3E}">
+        <p14:creationId xmlns:p14="http://schemas.microsoft.com/office/powerpoint/2010/main" val="3275709529"/>
+      </p:ext>
+    </p:extLst>
+  </p:cSld>
+  <p:clrMapOvr>
+    <a:masterClrMapping/>
+  </p:clrMapOvr>
+</p:sld>
+</file>
+
 <file path=ppt/slides/slide2.xml><?xml version="1.0" encoding="utf-8"?>
 <p:sld xmlns:a="http://schemas.openxmlformats.org/drawingml/2006/main" xmlns:r="http://schemas.openxmlformats.org/officeDocument/2006/relationships" xmlns:p="http://schemas.openxmlformats.org/presentationml/2006/main">
   <p:cSld>
@@ -13065,6 +13178,133 @@
           <p:cNvPr id="2" name="Title 1">
             <a:extLst>
               <a:ext uri="{FF2B5EF4-FFF2-40B4-BE49-F238E27FC236}">
+                <a16:creationId xmlns:a16="http://schemas.microsoft.com/office/drawing/2014/main" id="{286CF4D5-711B-91B4-59BE-68A1CA046364}"/>
+              </a:ext>
+            </a:extLst>
+          </p:cNvPr>
+          <p:cNvSpPr>
+            <a:spLocks noGrp="1"/>
+          </p:cNvSpPr>
+          <p:nvPr>
+            <p:ph type="title"/>
+          </p:nvPr>
+        </p:nvSpPr>
+        <p:spPr/>
+        <p:txBody>
+          <a:bodyPr/>
+          <a:lstStyle/>
+          <a:p>
+            <a:r>
+              <a:rPr lang="en-US" dirty="0"/>
+              <a:t>Operational Definitions	</a:t>
+            </a:r>
+          </a:p>
+        </p:txBody>
+      </p:sp>
+      <p:sp>
+        <p:nvSpPr>
+          <p:cNvPr id="3" name="Content Placeholder 2">
+            <a:extLst>
+              <a:ext uri="{FF2B5EF4-FFF2-40B4-BE49-F238E27FC236}">
+                <a16:creationId xmlns:a16="http://schemas.microsoft.com/office/drawing/2014/main" id="{856A0A10-13CF-2031-233F-ACDB43F0049A}"/>
+              </a:ext>
+            </a:extLst>
+          </p:cNvPr>
+          <p:cNvSpPr>
+            <a:spLocks noGrp="1"/>
+          </p:cNvSpPr>
+          <p:nvPr>
+            <p:ph idx="1"/>
+          </p:nvPr>
+        </p:nvSpPr>
+        <p:spPr>
+          <a:xfrm>
+            <a:off x="1104906" y="2538769"/>
+            <a:ext cx="9982193" cy="3562485"/>
+          </a:xfrm>
+        </p:spPr>
+        <p:txBody>
+          <a:bodyPr/>
+          <a:lstStyle/>
+          <a:p>
+            <a:r>
+              <a:rPr lang="en-US" sz="1300" dirty="0"/>
+              <a:t>Cybersecurity - Knowledge and awareness of signs and countermeasures against cyber threats, in the context of phishing attacks. </a:t>
+            </a:r>
+          </a:p>
+          <a:p>
+            <a:r>
+              <a:rPr lang="en-US" sz="1300" dirty="0"/>
+              <a:t>Training - The education, instruction, or discipline of a person or thing that is being trained.</a:t>
+            </a:r>
+          </a:p>
+          <a:p>
+            <a:r>
+              <a:rPr lang="en-US" sz="1300" dirty="0"/>
+              <a:t>Phishing - Cyber attack directed at key individuals or large groups by disguising a malicious attack as a reputable organization or entity. </a:t>
+            </a:r>
+          </a:p>
+          <a:p>
+            <a:r>
+              <a:rPr lang="en-US" sz="1300" dirty="0"/>
+              <a:t>Perceived Usefulness - A subjective opinion based on a persons understanding of cybersecurity effectiveness.</a:t>
+            </a:r>
+          </a:p>
+          <a:p>
+            <a:r>
+              <a:rPr lang="en-US" sz="1300" dirty="0"/>
+              <a:t>Perceived Ease of Use - A subjective opinion on the difficulty/lack of difficulty of cybersecurity training.</a:t>
+            </a:r>
+          </a:p>
+          <a:p>
+            <a:r>
+              <a:rPr lang="en-US" sz="1300" dirty="0"/>
+              <a:t>Industry professional - A person that works in a corporate office environment.</a:t>
+            </a:r>
+          </a:p>
+          <a:p>
+            <a:r>
+              <a:rPr lang="en-US" sz="1300" dirty="0"/>
+              <a:t>Elite Bias – A phenomenon that occurs when researchers fail to gain an understanding of the broader situation by only focusing on the perceptions of certain people of a high status.</a:t>
+            </a:r>
+          </a:p>
+        </p:txBody>
+      </p:sp>
+    </p:spTree>
+    <p:extLst>
+      <p:ext uri="{BB962C8B-B14F-4D97-AF65-F5344CB8AC3E}">
+        <p14:creationId xmlns:p14="http://schemas.microsoft.com/office/powerpoint/2010/main" val="1255154673"/>
+      </p:ext>
+    </p:extLst>
+  </p:cSld>
+  <p:clrMapOvr>
+    <a:masterClrMapping/>
+  </p:clrMapOvr>
+</p:sld>
+</file>
+
+<file path=ppt/slides/slide7.xml><?xml version="1.0" encoding="utf-8"?>
+<p:sld xmlns:a="http://schemas.openxmlformats.org/drawingml/2006/main" xmlns:r="http://schemas.openxmlformats.org/officeDocument/2006/relationships" xmlns:p="http://schemas.openxmlformats.org/presentationml/2006/main">
+  <p:cSld>
+    <p:spTree>
+      <p:nvGrpSpPr>
+        <p:cNvPr id="1" name=""/>
+        <p:cNvGrpSpPr/>
+        <p:nvPr/>
+      </p:nvGrpSpPr>
+      <p:grpSpPr>
+        <a:xfrm>
+          <a:off x="0" y="0"/>
+          <a:ext cx="0" cy="0"/>
+          <a:chOff x="0" y="0"/>
+          <a:chExt cx="0" cy="0"/>
+        </a:xfrm>
+      </p:grpSpPr>
+      <p:sp>
+        <p:nvSpPr>
+          <p:cNvPr id="2" name="Title 1">
+            <a:extLst>
+              <a:ext uri="{FF2B5EF4-FFF2-40B4-BE49-F238E27FC236}">
                 <a16:creationId xmlns:a16="http://schemas.microsoft.com/office/drawing/2014/main" id="{1BE064B3-3CBE-F640-94A7-65A0B9010AA2}"/>
               </a:ext>
             </a:extLst>
@@ -13234,7 +13474,7 @@
 </p:sld>
 </file>
 
-<file path=ppt/slides/slide7.xml><?xml version="1.0" encoding="utf-8"?>
+<file path=ppt/slides/slide8.xml><?xml version="1.0" encoding="utf-8"?>
 <p:sld xmlns:a="http://schemas.openxmlformats.org/drawingml/2006/main" xmlns:r="http://schemas.openxmlformats.org/officeDocument/2006/relationships" xmlns:p="http://schemas.openxmlformats.org/presentationml/2006/main">
   <p:cSld>
     <p:spTree>
@@ -13281,10 +13521,10 @@
       </p:sp>
       <p:pic>
         <p:nvPicPr>
-          <p:cNvPr id="7" name="Picture 6" descr="Graphical user interface, text, application&#10;&#10;Description automatically generated">
+          <p:cNvPr id="9" name="Picture 8" descr="Graphical user interface, text, application&#10;&#10;Description automatically generated">
             <a:extLst>
               <a:ext uri="{FF2B5EF4-FFF2-40B4-BE49-F238E27FC236}">
-                <a16:creationId xmlns:a16="http://schemas.microsoft.com/office/drawing/2014/main" id="{20546C2C-D9A0-8AA1-D048-9421E45DE7A8}"/>
+                <a16:creationId xmlns:a16="http://schemas.microsoft.com/office/drawing/2014/main" id="{0D7FE6A2-910D-B296-0113-15284AEAC574}"/>
               </a:ext>
             </a:extLst>
           </p:cNvPr>
@@ -13301,8 +13541,8 @@
         </p:blipFill>
         <p:spPr>
           <a:xfrm>
-            <a:off x="3581134" y="4421018"/>
-            <a:ext cx="5029731" cy="1427419"/>
+            <a:off x="6348250" y="3211570"/>
+            <a:ext cx="4744638" cy="1352156"/>
           </a:xfrm>
           <a:prstGeom prst="rect">
             <a:avLst/>
@@ -13311,10 +13551,10 @@
       </p:pic>
       <p:pic>
         <p:nvPicPr>
-          <p:cNvPr id="9" name="Picture 8" descr="Graphical user interface, text, application&#10;&#10;Description automatically generated">
+          <p:cNvPr id="11" name="Picture 10" descr="Graphical user interface, text, application&#10;&#10;Description automatically generated">
             <a:extLst>
               <a:ext uri="{FF2B5EF4-FFF2-40B4-BE49-F238E27FC236}">
-                <a16:creationId xmlns:a16="http://schemas.microsoft.com/office/drawing/2014/main" id="{0D7FE6A2-910D-B296-0113-15284AEAC574}"/>
+                <a16:creationId xmlns:a16="http://schemas.microsoft.com/office/drawing/2014/main" id="{AFB6640F-C84F-24B3-0492-0C86589140D1}"/>
               </a:ext>
             </a:extLst>
           </p:cNvPr>
@@ -13331,37 +13571,7 @@
         </p:blipFill>
         <p:spPr>
           <a:xfrm>
-            <a:off x="6348250" y="2917281"/>
-            <a:ext cx="4744638" cy="1352156"/>
-          </a:xfrm>
-          <a:prstGeom prst="rect">
-            <a:avLst/>
-          </a:prstGeom>
-        </p:spPr>
-      </p:pic>
-      <p:pic>
-        <p:nvPicPr>
-          <p:cNvPr id="11" name="Picture 10" descr="Graphical user interface, text, application&#10;&#10;Description automatically generated">
-            <a:extLst>
-              <a:ext uri="{FF2B5EF4-FFF2-40B4-BE49-F238E27FC236}">
-                <a16:creationId xmlns:a16="http://schemas.microsoft.com/office/drawing/2014/main" id="{AFB6640F-C84F-24B3-0492-0C86589140D1}"/>
-              </a:ext>
-            </a:extLst>
-          </p:cNvPr>
-          <p:cNvPicPr>
-            <a:picLocks noChangeAspect="1"/>
-          </p:cNvPicPr>
-          <p:nvPr/>
-        </p:nvPicPr>
-        <p:blipFill>
-          <a:blip r:embed="rId4"/>
-          <a:stretch>
-            <a:fillRect/>
-          </a:stretch>
-        </p:blipFill>
-        <p:spPr>
-          <a:xfrm>
-            <a:off x="1099112" y="2917281"/>
+            <a:off x="1099112" y="3211570"/>
             <a:ext cx="5029731" cy="1361938"/>
           </a:xfrm>
           <a:prstGeom prst="rect">
@@ -13372,153 +13582,7 @@
     </p:spTree>
     <p:extLst>
       <p:ext uri="{BB962C8B-B14F-4D97-AF65-F5344CB8AC3E}">
-        <p14:creationId xmlns:p14="http://schemas.microsoft.com/office/powerpoint/2010/main" val="1570421223"/>
-      </p:ext>
-    </p:extLst>
-  </p:cSld>
-  <p:clrMapOvr>
-    <a:masterClrMapping/>
-  </p:clrMapOvr>
-</p:sld>
-</file>
-
-<file path=ppt/slides/slide8.xml><?xml version="1.0" encoding="utf-8"?>
-<p:sld xmlns:a="http://schemas.openxmlformats.org/drawingml/2006/main" xmlns:r="http://schemas.openxmlformats.org/officeDocument/2006/relationships" xmlns:p="http://schemas.openxmlformats.org/presentationml/2006/main">
-  <p:cSld>
-    <p:spTree>
-      <p:nvGrpSpPr>
-        <p:cNvPr id="1" name=""/>
-        <p:cNvGrpSpPr/>
-        <p:nvPr/>
-      </p:nvGrpSpPr>
-      <p:grpSpPr>
-        <a:xfrm>
-          <a:off x="0" y="0"/>
-          <a:ext cx="0" cy="0"/>
-          <a:chOff x="0" y="0"/>
-          <a:chExt cx="0" cy="0"/>
-        </a:xfrm>
-      </p:grpSpPr>
-      <p:sp>
-        <p:nvSpPr>
-          <p:cNvPr id="2" name="Title 1">
-            <a:extLst>
-              <a:ext uri="{FF2B5EF4-FFF2-40B4-BE49-F238E27FC236}">
-                <a16:creationId xmlns:a16="http://schemas.microsoft.com/office/drawing/2014/main" id="{1BE064B3-3CBE-F640-94A7-65A0B9010AA2}"/>
-              </a:ext>
-            </a:extLst>
-          </p:cNvPr>
-          <p:cNvSpPr>
-            <a:spLocks noGrp="1"/>
-          </p:cNvSpPr>
-          <p:nvPr>
-            <p:ph type="title"/>
-          </p:nvPr>
-        </p:nvSpPr>
-        <p:spPr>
-          <a:xfrm>
-            <a:off x="1104902" y="1124950"/>
-            <a:ext cx="9982199" cy="981801"/>
-          </a:xfrm>
-        </p:spPr>
-        <p:txBody>
-          <a:bodyPr anchor="b">
-            <a:normAutofit/>
-          </a:bodyPr>
-          <a:lstStyle/>
-          <a:p>
-            <a:r>
-              <a:rPr lang="en-US" dirty="0"/>
-              <a:t>Data Collection and Expectations</a:t>
-            </a:r>
-          </a:p>
-        </p:txBody>
-      </p:sp>
-      <p:sp>
-        <p:nvSpPr>
-          <p:cNvPr id="3" name="Content Placeholder 2">
-            <a:extLst>
-              <a:ext uri="{FF2B5EF4-FFF2-40B4-BE49-F238E27FC236}">
-                <a16:creationId xmlns:a16="http://schemas.microsoft.com/office/drawing/2014/main" id="{6500551A-1F49-694A-AEDC-95D6EA386A3B}"/>
-              </a:ext>
-            </a:extLst>
-          </p:cNvPr>
-          <p:cNvSpPr>
-            <a:spLocks noGrp="1"/>
-          </p:cNvSpPr>
-          <p:nvPr>
-            <p:ph idx="1"/>
-          </p:nvPr>
-        </p:nvSpPr>
-        <p:spPr>
-          <a:xfrm>
-            <a:off x="1104906" y="2538770"/>
-            <a:ext cx="9982193" cy="3214330"/>
-          </a:xfrm>
-        </p:spPr>
-        <p:txBody>
-          <a:bodyPr anchor="t">
-            <a:normAutofit fontScale="92500" lnSpcReduction="20000"/>
-          </a:bodyPr>
-          <a:lstStyle/>
-          <a:p>
-            <a:r>
-              <a:rPr lang="en-US" b="0" i="0" dirty="0">
-                <a:solidFill>
-                  <a:srgbClr val="D1D5DB"/>
-                </a:solidFill>
-                <a:effectLst/>
-                <a:latin typeface="Söhne"/>
-              </a:rPr>
-              <a:t>The pretest will gather information on participants' expertise on cybersecurity, previous training, frequency of engagement with networked computers, experience with phishing, and perception of cybersecurity training.</a:t>
-            </a:r>
-          </a:p>
-          <a:p>
-            <a:r>
-              <a:rPr lang="en-US" b="0" i="0" dirty="0">
-                <a:solidFill>
-                  <a:srgbClr val="D1D5DB"/>
-                </a:solidFill>
-                <a:effectLst/>
-                <a:latin typeface="Söhne"/>
-              </a:rPr>
-              <a:t>An interview will be conducted with a mix of open-ended and structured questions to explore participants' insights, their perceived level of understanding of the training content, and the extent to which the training has influenced their behavior and decision-making.</a:t>
-            </a:r>
-          </a:p>
-          <a:p>
-            <a:pPr algn="l">
-              <a:buFont typeface="Arial" panose="020B0604020202020204" pitchFamily="34" charset="0"/>
-              <a:buChar char="•"/>
-            </a:pPr>
-            <a:r>
-              <a:rPr lang="en-US" b="0" i="0" dirty="0">
-                <a:solidFill>
-                  <a:srgbClr val="D1D5DB"/>
-                </a:solidFill>
-                <a:effectLst/>
-                <a:latin typeface="Söhne"/>
-              </a:rPr>
-              <a:t>After engaging with the learning material, participants will be given a short quiz to test their level of understanding and the effectiveness of the training. The data collected from the quiz will be used to determine areas that need improvement in the training.</a:t>
-            </a:r>
-          </a:p>
-          <a:p>
-            <a:endParaRPr lang="en-US" b="0" i="0" dirty="0">
-              <a:solidFill>
-                <a:srgbClr val="D1D5DB"/>
-              </a:solidFill>
-              <a:effectLst/>
-              <a:latin typeface="Söhne"/>
-            </a:endParaRPr>
-          </a:p>
-          <a:p>
-            <a:endParaRPr lang="en-US" dirty="0"/>
-          </a:p>
-        </p:txBody>
-      </p:sp>
-    </p:spTree>
-    <p:extLst>
-      <p:ext uri="{BB962C8B-B14F-4D97-AF65-F5344CB8AC3E}">
-        <p14:creationId xmlns:p14="http://schemas.microsoft.com/office/powerpoint/2010/main" val="659572995"/>
+        <p14:creationId xmlns:p14="http://schemas.microsoft.com/office/powerpoint/2010/main" val="1667872896"/>
       </p:ext>
     </p:extLst>
   </p:cSld>
@@ -13575,7 +13639,7 @@
           <a:p>
             <a:r>
               <a:rPr lang="en-US" dirty="0"/>
-              <a:t>Conclusion</a:t>
+              <a:t>Data Collection and Expectations</a:t>
             </a:r>
           </a:p>
         </p:txBody>
@@ -13604,33 +13668,67 @@
         </p:spPr>
         <p:txBody>
           <a:bodyPr anchor="t">
-            <a:normAutofit/>
+            <a:normAutofit fontScale="92500" lnSpcReduction="20000"/>
           </a:bodyPr>
           <a:lstStyle/>
           <a:p>
-            <a:pPr marL="0" indent="0">
-              <a:buNone/>
+            <a:r>
+              <a:rPr lang="en-US" b="0" i="0" dirty="0">
+                <a:solidFill>
+                  <a:srgbClr val="D1D5DB"/>
+                </a:solidFill>
+                <a:effectLst/>
+                <a:latin typeface="Söhne"/>
+              </a:rPr>
+              <a:t>The pretest will gather information on participants' expertise on cybersecurity, previous training, frequency of engagement with networked computers, experience with phishing, and perception of cybersecurity training.</a:t>
+            </a:r>
+          </a:p>
+          <a:p>
+            <a:r>
+              <a:rPr lang="en-US" b="0" i="0" dirty="0">
+                <a:solidFill>
+                  <a:srgbClr val="D1D5DB"/>
+                </a:solidFill>
+                <a:effectLst/>
+                <a:latin typeface="Söhne"/>
+              </a:rPr>
+              <a:t>An interview will be conducted with a mix of open-ended and structured questions to explore participants' insights, their perceived level of understanding of the training content, and the extent to which the training has influenced their behavior and decision-making.</a:t>
+            </a:r>
+          </a:p>
+          <a:p>
+            <a:pPr algn="l">
+              <a:buFont typeface="Arial" panose="020B0604020202020204" pitchFamily="34" charset="0"/>
+              <a:buChar char="•"/>
             </a:pPr>
             <a:r>
-              <a:rPr lang="en-US" dirty="0"/>
-              <a:t>Problem Statement: Organizations lack an understanding of which factors influence an employee’s perceptions of the usefulness and value of cybersecurity training. Identifying these factors can improve the effectiveness of training programs and enhance overall security.</a:t>
+              <a:rPr lang="en-US" b="0" i="0" dirty="0">
+                <a:solidFill>
+                  <a:srgbClr val="D1D5DB"/>
+                </a:solidFill>
+                <a:effectLst/>
+                <a:latin typeface="Söhne"/>
+              </a:rPr>
+              <a:t>After engaging with the learning material, participants will be given a short quiz to test their level of understanding and the effectiveness of the training. The data collected from the quiz will be used to determine areas that need improvement in the training.</a:t>
             </a:r>
           </a:p>
           <a:p>
-            <a:pPr marL="0" indent="0">
-              <a:buNone/>
-            </a:pPr>
-            <a:r>
-              <a:rPr lang="en-US" dirty="0"/>
-              <a:t>Research Question: What are the factors that influence employees' perceptions of the usefulness and value of different aspects of cybersecurity training in the workplace?</a:t>
-            </a:r>
+            <a:endParaRPr lang="en-US" b="0" i="0" dirty="0">
+              <a:solidFill>
+                <a:srgbClr val="D1D5DB"/>
+              </a:solidFill>
+              <a:effectLst/>
+              <a:latin typeface="Söhne"/>
+            </a:endParaRPr>
+          </a:p>
+          <a:p>
+            <a:endParaRPr lang="en-US" dirty="0"/>
           </a:p>
         </p:txBody>
       </p:sp>
     </p:spTree>
     <p:extLst>
       <p:ext uri="{BB962C8B-B14F-4D97-AF65-F5344CB8AC3E}">
-        <p14:creationId xmlns:p14="http://schemas.microsoft.com/office/powerpoint/2010/main" val="3275709529"/>
+        <p14:creationId xmlns:p14="http://schemas.microsoft.com/office/powerpoint/2010/main" val="659572995"/>
       </p:ext>
     </p:extLst>
   </p:cSld>
